--- a/Docs/개인기술조사_201600784_김준영.pptx
+++ b/Docs/개인기술조사_201600784_김준영.pptx
@@ -5,10 +5,10 @@
     <p:sldMasterId id="2147483687" r:id="rId1"/>
   </p:sldMasterIdLst>
   <p:notesMasterIdLst>
-    <p:notesMasterId r:id="rId12"/>
+    <p:notesMasterId r:id="rId13"/>
   </p:notesMasterIdLst>
   <p:handoutMasterIdLst>
-    <p:handoutMasterId r:id="rId13"/>
+    <p:handoutMasterId r:id="rId14"/>
   </p:handoutMasterIdLst>
   <p:sldIdLst>
     <p:sldId id="342" r:id="rId2"/>
@@ -19,8 +19,9 @@
     <p:sldId id="356" r:id="rId7"/>
     <p:sldId id="357" r:id="rId8"/>
     <p:sldId id="358" r:id="rId9"/>
-    <p:sldId id="359" r:id="rId10"/>
-    <p:sldId id="360" r:id="rId11"/>
+    <p:sldId id="361" r:id="rId10"/>
+    <p:sldId id="359" r:id="rId11"/>
+    <p:sldId id="360" r:id="rId12"/>
   </p:sldIdLst>
   <p:sldSz cx="12192000" cy="6858000"/>
   <p:notesSz cx="6858000" cy="9144000"/>
@@ -121,7 +122,7 @@
   </p:defaultTextStyle>
   <p:extLst>
     <p:ext uri="{EFAFB233-063F-42B5-8137-9DF3F51BA10A}">
-      <p15:sldGuideLst xmlns:p15="http://schemas.microsoft.com/office/powerpoint/2012/main" xmlns="">
+      <p15:sldGuideLst xmlns:p15="http://schemas.microsoft.com/office/powerpoint/2012/main">
         <p15:guide id="1" orient="horz" pos="3226" userDrawn="1">
           <p15:clr>
             <a:srgbClr val="A4A3A4"/>
@@ -135,10 +136,18 @@
       </p15:sldGuideLst>
     </p:ext>
     <p:ext uri="{2D200454-40CA-4A62-9FC3-DE9A4176ACB9}">
-      <p15:notesGuideLst xmlns:p15="http://schemas.microsoft.com/office/powerpoint/2012/main" xmlns=""/>
+      <p15:notesGuideLst xmlns:p15="http://schemas.microsoft.com/office/powerpoint/2012/main"/>
     </p:ext>
   </p:extLst>
 </p:presentation>
+</file>
+
+<file path=ppt/revisionInfo.xml><?xml version="1.0" encoding="utf-8"?>
+<p1510:revInfo xmlns:a="http://schemas.openxmlformats.org/drawingml/2006/main" xmlns:r="http://schemas.openxmlformats.org/officeDocument/2006/relationships" xmlns:p1510="http://schemas.microsoft.com/office/powerpoint/2015/10/main">
+  <p1510:revLst>
+    <p1510:client id="{FCF8A98E-D021-4DA5-E828-1865AD3CDA1A}" v="5" dt="2018-10-11T05:39:44.996"/>
+  </p1510:revLst>
+</p1510:revInfo>
 </file>
 
 <file path=ppt/handoutMasters/handoutMaster1.xml><?xml version="1.0" encoding="utf-8"?>
@@ -223,7 +232,7 @@
           <a:p>
             <a:fld id="{E3D3551B-4342-4390-915E-8C9F8CBF86F2}" type="datetimeFigureOut">
               <a:rPr lang="ru-RU" smtClean="0"/>
-              <a:t>10.10.2018</a:t>
+              <a:t>11.10.2018</a:t>
             </a:fld>
             <a:endParaRPr lang="ru-RU" dirty="0"/>
           </a:p>
@@ -388,7 +397,7 @@
           <a:p>
             <a:fld id="{401DF2CA-16AC-4A6F-BA76-83467214A317}" type="datetimeFigureOut">
               <a:rPr lang="ru-RU" smtClean="0"/>
-              <a:t>10.10.2018</a:t>
+              <a:t>11.10.2018</a:t>
             </a:fld>
             <a:endParaRPr lang="ru-RU" dirty="0"/>
           </a:p>
@@ -452,38 +461,37 @@
           <a:p>
             <a:pPr lvl="0"/>
             <a:r>
-              <a:rPr lang="ru-RU" smtClean="0"/>
+              <a:rPr lang="ru-RU"/>
               <a:t>Образец текста</a:t>
             </a:r>
           </a:p>
           <a:p>
             <a:pPr lvl="1"/>
             <a:r>
-              <a:rPr lang="ru-RU" smtClean="0"/>
+              <a:rPr lang="ru-RU"/>
               <a:t>Второй уровень</a:t>
             </a:r>
           </a:p>
           <a:p>
             <a:pPr lvl="2"/>
             <a:r>
-              <a:rPr lang="ru-RU" smtClean="0"/>
+              <a:rPr lang="ru-RU"/>
               <a:t>Третий уровень</a:t>
             </a:r>
           </a:p>
           <a:p>
             <a:pPr lvl="3"/>
             <a:r>
-              <a:rPr lang="ru-RU" smtClean="0"/>
+              <a:rPr lang="ru-RU"/>
               <a:t>Четвертый уровень</a:t>
             </a:r>
           </a:p>
           <a:p>
             <a:pPr lvl="4"/>
             <a:r>
-              <a:rPr lang="ru-RU" smtClean="0"/>
+              <a:rPr lang="ru-RU"/>
               <a:t>Пятый уровень</a:t>
             </a:r>
-            <a:endParaRPr lang="ru-RU"/>
           </a:p>
         </p:txBody>
       </p:sp>
@@ -710,13 +718,6 @@
   <p:clrMapOvr>
     <a:masterClrMapping/>
   </p:clrMapOvr>
-  <p:timing>
-    <p:tnLst>
-      <p:par>
-        <p:cTn id="1" dur="indefinite" restart="never" nodeType="tmRoot"/>
-      </p:par>
-    </p:tnLst>
-  </p:timing>
 </p:sldLayout>
 </file>
 
@@ -768,10 +769,9 @@
           <a:lstStyle/>
           <a:p>
             <a:r>
-              <a:rPr lang="ru-RU" smtClean="0"/>
+              <a:rPr lang="ru-RU"/>
               <a:t>Образец заголовка</a:t>
             </a:r>
-            <a:endParaRPr lang="ru-RU"/>
           </a:p>
         </p:txBody>
       </p:sp>
@@ -802,38 +802,37 @@
           <a:p>
             <a:pPr lvl="0"/>
             <a:r>
-              <a:rPr lang="ru-RU" smtClean="0"/>
+              <a:rPr lang="ru-RU"/>
               <a:t>Образец текста</a:t>
             </a:r>
           </a:p>
           <a:p>
             <a:pPr lvl="1"/>
             <a:r>
-              <a:rPr lang="ru-RU" smtClean="0"/>
+              <a:rPr lang="ru-RU"/>
               <a:t>Второй уровень</a:t>
             </a:r>
           </a:p>
           <a:p>
             <a:pPr lvl="2"/>
             <a:r>
-              <a:rPr lang="ru-RU" smtClean="0"/>
+              <a:rPr lang="ru-RU"/>
               <a:t>Третий уровень</a:t>
             </a:r>
           </a:p>
           <a:p>
             <a:pPr lvl="3"/>
             <a:r>
-              <a:rPr lang="ru-RU" smtClean="0"/>
+              <a:rPr lang="ru-RU"/>
               <a:t>Четвертый уровень</a:t>
             </a:r>
           </a:p>
           <a:p>
             <a:pPr lvl="4"/>
             <a:r>
-              <a:rPr lang="ru-RU" smtClean="0"/>
+              <a:rPr lang="ru-RU"/>
               <a:t>Пятый уровень</a:t>
             </a:r>
-            <a:endParaRPr lang="ru-RU"/>
           </a:p>
         </p:txBody>
       </p:sp>
@@ -872,7 +871,7 @@
           <a:p>
             <a:fld id="{E3D3A474-A970-4111-AB00-CC07202BC5E5}" type="datetimeFigureOut">
               <a:rPr lang="ru-RU" smtClean="0"/>
-              <a:t>10.10.2018</a:t>
+              <a:t>11.10.2018</a:t>
             </a:fld>
             <a:endParaRPr lang="ru-RU" dirty="0"/>
           </a:p>
@@ -967,13 +966,6 @@
   <p:sldLayoutIdLst>
     <p:sldLayoutId id="2147483798" r:id="rId1"/>
   </p:sldLayoutIdLst>
-  <p:timing>
-    <p:tnLst>
-      <p:par>
-        <p:cTn id="1" dur="indefinite" restart="never" nodeType="tmRoot"/>
-      </p:par>
-    </p:tnLst>
-  </p:timing>
   <p:txStyles>
     <p:titleStyle>
       <a:lvl1pPr algn="l" defTabSz="914400" rtl="0" eaLnBrk="1" latinLnBrk="0" hangingPunct="1">
@@ -1325,7 +1317,7 @@
           <a:p>
             <a:pPr algn="ctr"/>
             <a:r>
-              <a:rPr lang="en-US" sz="9600" b="1" spc="100" dirty="0" smtClean="0">
+              <a:rPr lang="en-US" sz="9600" b="1" spc="100" dirty="0">
                 <a:latin typeface="Nixie"/>
                 <a:ea typeface="Lato" panose="020F0502020204030203" pitchFamily="34" charset="0"/>
                 <a:cs typeface="Poppins SemiBold" panose="02000000000000000000" pitchFamily="2" charset="0"/>
@@ -1349,7 +1341,7 @@
           </a:p>
           <a:p>
             <a:pPr algn="ctr"/>
-            <a:endParaRPr lang="en-US" sz="1800" b="1" spc="100" dirty="0" smtClean="0">
+            <a:endParaRPr lang="en-US" sz="1800" b="1" spc="100" dirty="0">
               <a:latin typeface="Nixie"/>
               <a:ea typeface="Lato" panose="020F0502020204030203" pitchFamily="34" charset="0"/>
               <a:cs typeface="Poppins SemiBold" panose="02000000000000000000" pitchFamily="2" charset="0"/>
@@ -1562,32 +1554,15 @@
               <a:buNone/>
             </a:pPr>
             <a:r>
-              <a:rPr lang="en-US" sz="1100" spc="300" dirty="0" smtClean="0">
+              <a:rPr lang="en-US" sz="1100" spc="300" dirty="0">
                 <a:solidFill>
                   <a:schemeClr val="bg1"/>
                 </a:solidFill>
                 <a:ea typeface="Karla" pitchFamily="2" charset="0"/>
                 <a:cs typeface="Poppins" panose="02000000000000000000" pitchFamily="2" charset="0"/>
               </a:rPr>
-              <a:t>FREE PPT TEMPLATE BY DELIGHT</a:t>
-            </a:r>
-            <a:r>
-              <a:rPr lang="en-US" sz="1100" spc="300" dirty="0" smtClean="0">
-                <a:solidFill>
-                  <a:schemeClr val="bg1"/>
-                </a:solidFill>
-                <a:ea typeface="Karla" pitchFamily="2" charset="0"/>
-                <a:cs typeface="Poppins" panose="02000000000000000000" pitchFamily="2" charset="0"/>
-              </a:rPr>
-              <a:t>.</a:t>
-            </a:r>
-            <a:endParaRPr lang="en-US" sz="1100" spc="300" dirty="0" smtClean="0">
-              <a:solidFill>
-                <a:schemeClr val="bg1"/>
-              </a:solidFill>
-              <a:ea typeface="Karla" pitchFamily="2" charset="0"/>
-              <a:cs typeface="Poppins" panose="02000000000000000000" pitchFamily="2" charset="0"/>
-            </a:endParaRPr>
+              <a:t>FREE PPT TEMPLATE BY DELIGHT.</a:t>
+            </a:r>
           </a:p>
         </p:txBody>
       </p:sp>
@@ -1876,18 +1851,17 @@
           <a:lstStyle/>
           <a:p>
             <a:r>
-              <a:rPr lang="ko-KR" altLang="en-US" dirty="0" smtClean="0"/>
+              <a:rPr lang="ko-KR" altLang="en-US" dirty="0"/>
               <a:t>팀원 </a:t>
             </a:r>
             <a:r>
-              <a:rPr lang="en-US" altLang="ko-KR" dirty="0" smtClean="0"/>
+              <a:rPr lang="en-US" altLang="ko-KR" dirty="0"/>
               <a:t>201600784 </a:t>
             </a:r>
             <a:r>
-              <a:rPr lang="ko-KR" altLang="en-US" dirty="0" smtClean="0"/>
+              <a:rPr lang="ko-KR" altLang="en-US" dirty="0"/>
               <a:t>김준영</a:t>
             </a:r>
-            <a:endParaRPr lang="ko-KR" altLang="en-US" dirty="0"/>
           </a:p>
         </p:txBody>
       </p:sp>
@@ -1913,13 +1887,6 @@
       </p:transition>
     </mc:Fallback>
   </mc:AlternateContent>
-  <p:timing>
-    <p:tnLst>
-      <p:par>
-        <p:cTn id="1" dur="indefinite" restart="never" nodeType="tmRoot"/>
-      </p:par>
-    </p:tnLst>
-  </p:timing>
 </p:sld>
 </file>
 
@@ -2225,10 +2192,13 @@
           <a:lstStyle/>
           <a:p>
             <a:r>
-              <a:rPr lang="en-US" altLang="ko-KR" sz="2400" b="1" dirty="0" smtClean="0"/>
-              <a:t>#8. Q&amp;A</a:t>
-            </a:r>
-            <a:endParaRPr lang="ko-KR" altLang="en-US" sz="2400" b="1" dirty="0"/>
+              <a:rPr lang="en-US" altLang="ko-KR" sz="2400" b="1" dirty="0"/>
+              <a:t>#7. Django channels </a:t>
+            </a:r>
+            <a:r>
+              <a:rPr lang="ko-KR" altLang="en-US" sz="2400" b="1" dirty="0"/>
+              <a:t>배포</a:t>
+            </a:r>
           </a:p>
         </p:txBody>
       </p:sp>
@@ -2269,53 +2239,151 @@
       </p:cxnSp>
       <p:sp>
         <p:nvSpPr>
-          <p:cNvPr id="14" name="Title 1"/>
-          <p:cNvSpPr txBox="1">
-            <a:spLocks/>
-          </p:cNvSpPr>
+          <p:cNvPr id="3" name="TextBox 2"/>
+          <p:cNvSpPr txBox="1"/>
           <p:nvPr/>
         </p:nvSpPr>
         <p:spPr>
           <a:xfrm>
-            <a:off x="2214561" y="4245089"/>
-            <a:ext cx="7772400" cy="645319"/>
+            <a:off x="507999" y="1611086"/>
+            <a:ext cx="5660571" cy="2462213"/>
           </a:xfrm>
           <a:prstGeom prst="rect">
             <a:avLst/>
           </a:prstGeom>
+          <a:noFill/>
         </p:spPr>
         <p:txBody>
-          <a:bodyPr vert="horz" lIns="91440" tIns="45720" rIns="91440" bIns="45720" rtlCol="0" anchor="ctr">
-            <a:normAutofit/>
+          <a:bodyPr wrap="square" rtlCol="0">
+            <a:spAutoFit/>
           </a:bodyPr>
-          <a:lstStyle>
-            <a:lvl1pPr algn="l" defTabSz="914400" rtl="0" eaLnBrk="1" latinLnBrk="1" hangingPunct="1">
-              <a:lnSpc>
-                <a:spcPct val="90000"/>
-              </a:lnSpc>
-              <a:spcBef>
-                <a:spcPct val="0"/>
-              </a:spcBef>
-              <a:buNone/>
-              <a:defRPr sz="4400" kern="1200">
-                <a:solidFill>
-                  <a:schemeClr val="tx1"/>
-                </a:solidFill>
-                <a:latin typeface="+mj-lt"/>
-                <a:ea typeface="+mj-ea"/>
-                <a:cs typeface="+mj-cs"/>
-              </a:defRPr>
-            </a:lvl1pPr>
-          </a:lstStyle>
-          <a:p>
-            <a:pPr algn="ctr"/>
-            <a:r>
-              <a:rPr lang="en-US" sz="4000" b="1" dirty="0">
-                <a:latin typeface="+mn-ea"/>
-                <a:ea typeface="+mn-ea"/>
-              </a:rPr>
-              <a:t>Q &amp; A</a:t>
-            </a:r>
+          <a:lstStyle/>
+          <a:p>
+            <a:r>
+              <a:rPr lang="ko-KR" altLang="en-US" dirty="0"/>
+              <a:t>기존 </a:t>
+            </a:r>
+            <a:r>
+              <a:rPr lang="en-US" altLang="ko-KR" dirty="0"/>
+              <a:t>Django</a:t>
+            </a:r>
+            <a:r>
+              <a:rPr lang="ko-KR" altLang="en-US" dirty="0"/>
+              <a:t>를 배포하기 위해서는 </a:t>
+            </a:r>
+            <a:r>
+              <a:rPr lang="en-US" altLang="ko-KR" dirty="0" err="1"/>
+              <a:t>wsgi</a:t>
+            </a:r>
+            <a:r>
+              <a:rPr lang="en-US" altLang="ko-KR" dirty="0"/>
+              <a:t>, </a:t>
+            </a:r>
+            <a:r>
+              <a:rPr lang="en-US" altLang="ko-KR" dirty="0" err="1"/>
+              <a:t>uwsgi</a:t>
+            </a:r>
+            <a:r>
+              <a:rPr lang="ko-KR" altLang="en-US" dirty="0"/>
+              <a:t>등을 이용하였으나</a:t>
+            </a:r>
+            <a:r>
+              <a:rPr lang="en-US" altLang="ko-KR" dirty="0"/>
+              <a:t>, Django Channels</a:t>
+            </a:r>
+            <a:r>
+              <a:rPr lang="ko-KR" altLang="en-US" dirty="0"/>
+              <a:t>를 배포하기 위해서는</a:t>
+            </a:r>
+            <a:endParaRPr lang="en-US" altLang="ko-KR" dirty="0"/>
+          </a:p>
+          <a:p>
+            <a:r>
+              <a:rPr lang="en-US" altLang="ko-KR" dirty="0" err="1"/>
+              <a:t>asgi</a:t>
+            </a:r>
+            <a:r>
+              <a:rPr lang="ko-KR" altLang="en-US" dirty="0"/>
+              <a:t>라는 것을 사용해야 한다</a:t>
+            </a:r>
+            <a:r>
+              <a:rPr lang="en-US" altLang="ko-KR" dirty="0"/>
+              <a:t>. </a:t>
+            </a:r>
+            <a:r>
+              <a:rPr lang="ko-KR" altLang="en-US" dirty="0"/>
+              <a:t> </a:t>
+            </a:r>
+            <a:endParaRPr lang="en-US" altLang="ko-KR" dirty="0"/>
+          </a:p>
+          <a:p>
+            <a:endParaRPr lang="en-US" altLang="ko-KR" dirty="0"/>
+          </a:p>
+          <a:p>
+            <a:r>
+              <a:rPr lang="en-US" altLang="ko-KR" sz="2400" b="1" dirty="0"/>
+              <a:t>ASGI</a:t>
+            </a:r>
+          </a:p>
+          <a:p>
+            <a:r>
+              <a:rPr lang="en-US" altLang="ko-KR" dirty="0"/>
+              <a:t>ASGI</a:t>
+            </a:r>
+            <a:r>
+              <a:rPr lang="ko-KR" altLang="en-US" dirty="0"/>
+              <a:t>는 </a:t>
+            </a:r>
+            <a:r>
+              <a:rPr lang="en-US" altLang="ko-KR" dirty="0"/>
+              <a:t>Django</a:t>
+            </a:r>
+            <a:r>
+              <a:rPr lang="ko-KR" altLang="en-US" dirty="0"/>
+              <a:t> </a:t>
+            </a:r>
+            <a:r>
+              <a:rPr lang="en-US" altLang="ko-KR" dirty="0"/>
+              <a:t>channels</a:t>
+            </a:r>
+            <a:r>
+              <a:rPr lang="ko-KR" altLang="en-US" dirty="0"/>
+              <a:t>에 대한 처리를 위한 인터페이스</a:t>
+            </a:r>
+            <a:r>
+              <a:rPr lang="en-US" altLang="ko-KR" dirty="0"/>
+              <a:t>.</a:t>
+            </a:r>
+          </a:p>
+          <a:p>
+            <a:r>
+              <a:rPr lang="en-US" altLang="ko-KR" dirty="0"/>
+              <a:t>WSGI</a:t>
+            </a:r>
+            <a:r>
+              <a:rPr lang="ko-KR" altLang="en-US" dirty="0"/>
+              <a:t>를 대체하면서</a:t>
+            </a:r>
+            <a:r>
+              <a:rPr lang="en-US" altLang="ko-KR" dirty="0"/>
+              <a:t>, </a:t>
+            </a:r>
+            <a:r>
+              <a:rPr lang="ko-KR" altLang="en-US" dirty="0"/>
+              <a:t>보다 많은 프로토콜을 지원하여</a:t>
+            </a:r>
+            <a:endParaRPr lang="en-US" altLang="ko-KR" dirty="0"/>
+          </a:p>
+          <a:p>
+            <a:r>
+              <a:rPr lang="ko-KR" altLang="en-US" dirty="0"/>
+              <a:t>웹 소켓 통신을 사용할 수 있도록 해준다</a:t>
+            </a:r>
+            <a:r>
+              <a:rPr lang="en-US" altLang="ko-KR" dirty="0"/>
+              <a:t>.</a:t>
+            </a:r>
+            <a:endParaRPr lang="ko-KR" altLang="en-US" dirty="0"/>
           </a:p>
         </p:txBody>
       </p:sp>
@@ -2327,8 +2395,8 @@
         </p:nvSpPr>
         <p:spPr>
           <a:xfrm>
-            <a:off x="2046514" y="2540000"/>
-            <a:ext cx="8142515" cy="1446550"/>
+            <a:off x="507999" y="4455886"/>
+            <a:ext cx="5355772" cy="1846659"/>
           </a:xfrm>
           <a:prstGeom prst="rect">
             <a:avLst/>
@@ -2341,19 +2409,135 @@
           </a:bodyPr>
           <a:lstStyle/>
           <a:p>
-            <a:pPr algn="ctr"/>
-            <a:r>
-              <a:rPr lang="en-US" altLang="ko-KR" sz="8800" dirty="0" smtClean="0"/>
-              <a:t>Thank you</a:t>
-            </a:r>
-            <a:endParaRPr lang="ko-KR" altLang="en-US" sz="8800" dirty="0"/>
+            <a:r>
+              <a:rPr lang="en-US" altLang="ko-KR" sz="2400" b="1" dirty="0"/>
+              <a:t>Daphne</a:t>
+            </a:r>
+          </a:p>
+          <a:p>
+            <a:r>
+              <a:rPr lang="en-US" altLang="ko-KR" dirty="0"/>
+              <a:t>Django Channels</a:t>
+            </a:r>
+            <a:r>
+              <a:rPr lang="ko-KR" altLang="en-US" dirty="0"/>
+              <a:t>를 지원하기 위해 개발된 </a:t>
+            </a:r>
+            <a:r>
+              <a:rPr lang="en-US" altLang="ko-KR" dirty="0"/>
+              <a:t>HTTP,HTTP2</a:t>
+            </a:r>
+          </a:p>
+          <a:p>
+            <a:r>
+              <a:rPr lang="en-US" altLang="ko-KR" dirty="0"/>
+              <a:t>,</a:t>
+            </a:r>
+            <a:r>
+              <a:rPr lang="en-US" altLang="ko-KR" dirty="0" err="1"/>
+              <a:t>WebSocket</a:t>
+            </a:r>
+            <a:r>
+              <a:rPr lang="en-US" altLang="ko-KR" dirty="0"/>
+              <a:t>(WS) </a:t>
+            </a:r>
+            <a:r>
+              <a:rPr lang="ko-KR" altLang="en-US" dirty="0"/>
+              <a:t>프로토콜 서버로서</a:t>
+            </a:r>
+            <a:r>
+              <a:rPr lang="en-US" altLang="ko-KR" dirty="0"/>
+              <a:t>, HTTP</a:t>
+            </a:r>
+            <a:r>
+              <a:rPr lang="ko-KR" altLang="en-US" dirty="0"/>
+              <a:t>와 </a:t>
+            </a:r>
+            <a:r>
+              <a:rPr lang="en-US" altLang="ko-KR" dirty="0"/>
+              <a:t>WS</a:t>
+            </a:r>
+          </a:p>
+          <a:p>
+            <a:r>
+              <a:rPr lang="ko-KR" altLang="en-US" dirty="0"/>
+              <a:t>요청을 받아들여서 자동으로 어떤 프로토콜로 처리</a:t>
+            </a:r>
+            <a:endParaRPr lang="en-US" altLang="ko-KR" dirty="0"/>
+          </a:p>
+          <a:p>
+            <a:r>
+              <a:rPr lang="ko-KR" altLang="en-US" dirty="0"/>
+              <a:t>해야 할지 스스로 결정함</a:t>
+            </a:r>
+            <a:endParaRPr lang="en-US" altLang="ko-KR" dirty="0"/>
+          </a:p>
+          <a:p>
+            <a:r>
+              <a:rPr lang="ko-KR" altLang="en-US" dirty="0"/>
+              <a:t>또한</a:t>
+            </a:r>
+            <a:r>
+              <a:rPr lang="en-US" altLang="ko-KR" dirty="0"/>
+              <a:t>, Django channels </a:t>
+            </a:r>
+            <a:r>
+              <a:rPr lang="ko-KR" altLang="en-US" dirty="0"/>
+              <a:t>설치 시 자동으로 설치</a:t>
+            </a:r>
+            <a:r>
+              <a:rPr lang="en-US" altLang="ko-KR" dirty="0"/>
+              <a:t>.</a:t>
+            </a:r>
+            <a:endParaRPr lang="ko-KR" altLang="en-US" dirty="0"/>
           </a:p>
         </p:txBody>
       </p:sp>
+      <p:pic>
+        <p:nvPicPr>
+          <p:cNvPr id="8194" name="Picture 2" descr="C:\Users\305\Desktop\김준영\Django_배포.png"/>
+          <p:cNvPicPr>
+            <a:picLocks noChangeAspect="1" noChangeArrowheads="1"/>
+          </p:cNvPicPr>
+          <p:nvPr/>
+        </p:nvPicPr>
+        <p:blipFill>
+          <a:blip r:embed="rId2">
+            <a:extLst>
+              <a:ext uri="{28A0092B-C50C-407E-A947-70E740481C1C}">
+                <a14:useLocalDpi xmlns:a14="http://schemas.microsoft.com/office/drawing/2010/main" val="0"/>
+              </a:ext>
+            </a:extLst>
+          </a:blip>
+          <a:srcRect/>
+          <a:stretch>
+            <a:fillRect/>
+          </a:stretch>
+        </p:blipFill>
+        <p:spPr bwMode="auto">
+          <a:xfrm>
+            <a:off x="6417991" y="2917099"/>
+            <a:ext cx="5347834" cy="1538787"/>
+          </a:xfrm>
+          <a:prstGeom prst="rect">
+            <a:avLst/>
+          </a:prstGeom>
+          <a:noFill/>
+          <a:extLst>
+            <a:ext uri="{909E8E84-426E-40DD-AFC4-6F175D3DCCD1}">
+              <a14:hiddenFill xmlns:a14="http://schemas.microsoft.com/office/drawing/2010/main">
+                <a:solidFill>
+                  <a:srgbClr val="FFFFFF"/>
+                </a:solidFill>
+              </a14:hiddenFill>
+            </a:ext>
+          </a:extLst>
+        </p:spPr>
+      </p:pic>
     </p:spTree>
     <p:extLst>
       <p:ext uri="{BB962C8B-B14F-4D97-AF65-F5344CB8AC3E}">
-        <p14:creationId xmlns:p14="http://schemas.microsoft.com/office/powerpoint/2010/main" val="3309690044"/>
+        <p14:creationId xmlns:p14="http://schemas.microsoft.com/office/powerpoint/2010/main" val="2006092675"/>
       </p:ext>
     </p:extLst>
   </p:cSld>
@@ -2372,17 +2556,10 @@
       </p:transition>
     </mc:Fallback>
   </mc:AlternateContent>
-  <p:timing>
-    <p:tnLst>
-      <p:par>
-        <p:cTn id="1" dur="indefinite" restart="never" nodeType="tmRoot"/>
-      </p:par>
-    </p:tnLst>
-  </p:timing>
 </p:sld>
 </file>
 
-<file path=ppt/slides/slide2.xml><?xml version="1.0" encoding="utf-8"?>
+<file path=ppt/slides/slide11.xml><?xml version="1.0" encoding="utf-8"?>
 <p:sld xmlns:a="http://schemas.openxmlformats.org/drawingml/2006/main" xmlns:r="http://schemas.openxmlformats.org/officeDocument/2006/relationships" xmlns:p="http://schemas.openxmlformats.org/presentationml/2006/main">
   <p:cSld>
     <p:spTree>
@@ -2684,45 +2861,10 @@
           <a:lstStyle/>
           <a:p>
             <a:r>
-              <a:rPr lang="en-US" altLang="ko-KR" sz="2400" b="1" dirty="0" smtClean="0"/>
-              <a:t>#1. Part </a:t>
-            </a:r>
-            <a:r>
-              <a:rPr lang="ko-KR" altLang="en-US" sz="2400" b="1" dirty="0" smtClean="0"/>
-              <a:t>소개</a:t>
+              <a:rPr lang="en-US" altLang="ko-KR" sz="2400" b="1" dirty="0"/>
+              <a:t>#8. Q&amp;A</a:t>
             </a:r>
             <a:endParaRPr lang="ko-KR" altLang="en-US" sz="2400" b="1" dirty="0"/>
-          </a:p>
-        </p:txBody>
-      </p:sp>
-      <p:sp>
-        <p:nvSpPr>
-          <p:cNvPr id="3" name="TextBox 2"/>
-          <p:cNvSpPr txBox="1"/>
-          <p:nvPr/>
-        </p:nvSpPr>
-        <p:spPr>
-          <a:xfrm>
-            <a:off x="318086" y="1536933"/>
-            <a:ext cx="5298330" cy="523220"/>
-          </a:xfrm>
-          <a:prstGeom prst="rect">
-            <a:avLst/>
-          </a:prstGeom>
-          <a:noFill/>
-        </p:spPr>
-        <p:txBody>
-          <a:bodyPr wrap="square" rtlCol="0">
-            <a:spAutoFit/>
-          </a:bodyPr>
-          <a:lstStyle/>
-          <a:p>
-            <a:pPr algn="ctr"/>
-            <a:r>
-              <a:rPr lang="en-US" altLang="ko-KR" sz="2800" b="1" dirty="0" smtClean="0"/>
-              <a:t>Web server</a:t>
-            </a:r>
-            <a:endParaRPr lang="ko-KR" altLang="en-US" sz="2800" b="1" dirty="0"/>
           </a:p>
         </p:txBody>
       </p:sp>
@@ -2763,14 +2905,66 @@
       </p:cxnSp>
       <p:sp>
         <p:nvSpPr>
-          <p:cNvPr id="27" name="TextBox 26"/>
+          <p:cNvPr id="14" name="Title 1"/>
+          <p:cNvSpPr txBox="1">
+            <a:spLocks/>
+          </p:cNvSpPr>
+          <p:nvPr/>
+        </p:nvSpPr>
+        <p:spPr>
+          <a:xfrm>
+            <a:off x="2214561" y="4245089"/>
+            <a:ext cx="7772400" cy="645319"/>
+          </a:xfrm>
+          <a:prstGeom prst="rect">
+            <a:avLst/>
+          </a:prstGeom>
+        </p:spPr>
+        <p:txBody>
+          <a:bodyPr vert="horz" lIns="91440" tIns="45720" rIns="91440" bIns="45720" rtlCol="0" anchor="ctr">
+            <a:normAutofit/>
+          </a:bodyPr>
+          <a:lstStyle>
+            <a:lvl1pPr algn="l" defTabSz="914400" rtl="0" eaLnBrk="1" latinLnBrk="1" hangingPunct="1">
+              <a:lnSpc>
+                <a:spcPct val="90000"/>
+              </a:lnSpc>
+              <a:spcBef>
+                <a:spcPct val="0"/>
+              </a:spcBef>
+              <a:buNone/>
+              <a:defRPr sz="4400" kern="1200">
+                <a:solidFill>
+                  <a:schemeClr val="tx1"/>
+                </a:solidFill>
+                <a:latin typeface="+mj-lt"/>
+                <a:ea typeface="+mj-ea"/>
+                <a:cs typeface="+mj-cs"/>
+              </a:defRPr>
+            </a:lvl1pPr>
+          </a:lstStyle>
+          <a:p>
+            <a:pPr algn="ctr"/>
+            <a:r>
+              <a:rPr lang="en-US" sz="4000" b="1" dirty="0">
+                <a:latin typeface="+mn-ea"/>
+                <a:ea typeface="+mn-ea"/>
+              </a:rPr>
+              <a:t>Q &amp; A</a:t>
+            </a:r>
+          </a:p>
+        </p:txBody>
+      </p:sp>
+      <p:sp>
+        <p:nvSpPr>
+          <p:cNvPr id="4" name="TextBox 3"/>
           <p:cNvSpPr txBox="1"/>
           <p:nvPr/>
         </p:nvSpPr>
         <p:spPr>
           <a:xfrm>
-            <a:off x="507999" y="2040523"/>
-            <a:ext cx="5282955" cy="369332"/>
+            <a:off x="2046514" y="2540000"/>
+            <a:ext cx="8142515" cy="1446550"/>
           </a:xfrm>
           <a:prstGeom prst="rect">
             <a:avLst/>
@@ -2783,294 +2977,19 @@
           </a:bodyPr>
           <a:lstStyle/>
           <a:p>
-            <a:r>
-              <a:rPr lang="ko-KR" altLang="en-US" dirty="0" smtClean="0"/>
-              <a:t>실시간으로 카메라의 상태를 알려주는 웹 서버</a:t>
-            </a:r>
-            <a:endParaRPr lang="ko-KR" altLang="en-US" dirty="0"/>
-          </a:p>
-        </p:txBody>
-      </p:sp>
-      <p:cxnSp>
-        <p:nvCxnSpPr>
-          <p:cNvPr id="29" name="직선 화살표 연결선 28"/>
-          <p:cNvCxnSpPr/>
-          <p:nvPr/>
-        </p:nvCxnSpPr>
-        <p:spPr>
-          <a:xfrm>
-            <a:off x="2772227" y="2425245"/>
-            <a:ext cx="0" cy="500846"/>
-          </a:xfrm>
-          <a:prstGeom prst="straightConnector1">
-            <a:avLst/>
-          </a:prstGeom>
-          <a:ln w="25400">
-            <a:solidFill>
-              <a:schemeClr val="tx1"/>
-            </a:solidFill>
-            <a:tailEnd type="arrow"/>
-          </a:ln>
-        </p:spPr>
-        <p:style>
-          <a:lnRef idx="1">
-            <a:schemeClr val="accent1"/>
-          </a:lnRef>
-          <a:fillRef idx="0">
-            <a:schemeClr val="accent1"/>
-          </a:fillRef>
-          <a:effectRef idx="0">
-            <a:schemeClr val="accent1"/>
-          </a:effectRef>
-          <a:fontRef idx="minor">
-            <a:schemeClr val="tx1"/>
-          </a:fontRef>
-        </p:style>
-      </p:cxnSp>
-      <p:sp>
-        <p:nvSpPr>
-          <p:cNvPr id="1024" name="TextBox 1023"/>
-          <p:cNvSpPr txBox="1"/>
-          <p:nvPr/>
-        </p:nvSpPr>
-        <p:spPr>
-          <a:xfrm>
-            <a:off x="964279" y="3164114"/>
-            <a:ext cx="4005944" cy="369332"/>
-          </a:xfrm>
-          <a:prstGeom prst="rect">
-            <a:avLst/>
-          </a:prstGeom>
-          <a:noFill/>
-        </p:spPr>
-        <p:txBody>
-          <a:bodyPr wrap="square" rtlCol="0">
-            <a:spAutoFit/>
-          </a:bodyPr>
-          <a:lstStyle/>
-          <a:p>
             <a:pPr algn="ctr"/>
             <a:r>
-              <a:rPr lang="ko-KR" altLang="en-US" dirty="0" smtClean="0"/>
-              <a:t>무엇을 통해서 구현</a:t>
-            </a:r>
-            <a:r>
-              <a:rPr lang="en-US" altLang="ko-KR" dirty="0" smtClean="0"/>
-              <a:t>?</a:t>
-            </a:r>
-            <a:endParaRPr lang="ko-KR" altLang="en-US" dirty="0"/>
-          </a:p>
-        </p:txBody>
-      </p:sp>
-      <p:pic>
-        <p:nvPicPr>
-          <p:cNvPr id="1027" name="Picture 3" descr="C:\Users\305\Desktop\김준영\python-django-logo.jpg"/>
-          <p:cNvPicPr>
-            <a:picLocks noChangeAspect="1" noChangeArrowheads="1"/>
-          </p:cNvPicPr>
-          <p:nvPr/>
-        </p:nvPicPr>
-        <p:blipFill>
-          <a:blip r:embed="rId2" cstate="print">
-            <a:extLst>
-              <a:ext uri="{28A0092B-C50C-407E-A947-70E740481C1C}">
-                <a14:useLocalDpi xmlns:a14="http://schemas.microsoft.com/office/drawing/2010/main" val="0"/>
-              </a:ext>
-            </a:extLst>
-          </a:blip>
-          <a:srcRect/>
-          <a:stretch>
-            <a:fillRect/>
-          </a:stretch>
-        </p:blipFill>
-        <p:spPr bwMode="auto">
-          <a:xfrm>
-            <a:off x="741931" y="3755345"/>
-            <a:ext cx="4092348" cy="2378403"/>
-          </a:xfrm>
-          <a:prstGeom prst="rect">
-            <a:avLst/>
-          </a:prstGeom>
-          <a:noFill/>
-          <a:extLst>
-            <a:ext uri="{909E8E84-426E-40DD-AFC4-6F175D3DCCD1}">
-              <a14:hiddenFill xmlns:a14="http://schemas.microsoft.com/office/drawing/2010/main">
-                <a:solidFill>
-                  <a:srgbClr val="FFFFFF"/>
-                </a:solidFill>
-              </a14:hiddenFill>
-            </a:ext>
-          </a:extLst>
-        </p:spPr>
-      </p:pic>
-      <p:cxnSp>
-        <p:nvCxnSpPr>
-          <p:cNvPr id="1028" name="꺾인 연결선 1027"/>
-          <p:cNvCxnSpPr/>
-          <p:nvPr/>
-        </p:nvCxnSpPr>
-        <p:spPr>
-          <a:xfrm flipV="1">
-            <a:off x="4970223" y="2055913"/>
-            <a:ext cx="2973895" cy="2884395"/>
-          </a:xfrm>
-          <a:prstGeom prst="bentConnector3">
-            <a:avLst>
-              <a:gd name="adj1" fmla="val 50000"/>
-            </a:avLst>
-          </a:prstGeom>
-          <a:ln w="25400">
-            <a:solidFill>
-              <a:schemeClr val="tx1"/>
-            </a:solidFill>
-            <a:tailEnd type="arrow"/>
-          </a:ln>
-        </p:spPr>
-        <p:style>
-          <a:lnRef idx="1">
-            <a:schemeClr val="accent1"/>
-          </a:lnRef>
-          <a:fillRef idx="0">
-            <a:schemeClr val="accent1"/>
-          </a:fillRef>
-          <a:effectRef idx="0">
-            <a:schemeClr val="accent1"/>
-          </a:effectRef>
-          <a:fontRef idx="minor">
-            <a:schemeClr val="tx1"/>
-          </a:fontRef>
-        </p:style>
-      </p:cxnSp>
-      <p:sp>
-        <p:nvSpPr>
-          <p:cNvPr id="1033" name="TextBox 1032"/>
-          <p:cNvSpPr txBox="1"/>
-          <p:nvPr/>
-        </p:nvSpPr>
-        <p:spPr>
-          <a:xfrm>
-            <a:off x="8026399" y="1672611"/>
-            <a:ext cx="3802743" cy="1754326"/>
-          </a:xfrm>
-          <a:prstGeom prst="rect">
-            <a:avLst/>
-          </a:prstGeom>
-          <a:noFill/>
-        </p:spPr>
-        <p:txBody>
-          <a:bodyPr wrap="square" rtlCol="0">
-            <a:spAutoFit/>
-          </a:bodyPr>
-          <a:lstStyle/>
-          <a:p>
-            <a:pPr marL="285750" indent="-285750">
-              <a:buFont typeface="Arial" panose="020B0604020202020204" pitchFamily="34" charset="0"/>
-              <a:buChar char="•"/>
-            </a:pPr>
-            <a:r>
-              <a:rPr lang="ko-KR" altLang="en-US" dirty="0" err="1" smtClean="0"/>
-              <a:t>파이썬을</a:t>
-            </a:r>
-            <a:r>
-              <a:rPr lang="ko-KR" altLang="en-US" dirty="0" smtClean="0"/>
-              <a:t> </a:t>
-            </a:r>
-            <a:r>
-              <a:rPr lang="ko-KR" altLang="en-US" dirty="0" err="1" smtClean="0"/>
-              <a:t>기반으로함</a:t>
-            </a:r>
-            <a:endParaRPr lang="en-US" altLang="ko-KR" dirty="0" smtClean="0"/>
-          </a:p>
-          <a:p>
-            <a:pPr marL="285750" indent="-285750">
-              <a:buFont typeface="Arial" panose="020B0604020202020204" pitchFamily="34" charset="0"/>
-              <a:buChar char="•"/>
-            </a:pPr>
-            <a:r>
-              <a:rPr lang="ko-KR" altLang="en-US" dirty="0" smtClean="0"/>
-              <a:t>인증</a:t>
-            </a:r>
-            <a:r>
-              <a:rPr lang="en-US" altLang="ko-KR" dirty="0" smtClean="0"/>
-              <a:t>, </a:t>
-            </a:r>
-            <a:r>
-              <a:rPr lang="ko-KR" altLang="en-US" dirty="0" smtClean="0"/>
-              <a:t>관리와 같은 대부분의  사이트들이 사용하는 기능들이 기본모듈로 제공</a:t>
-            </a:r>
-            <a:endParaRPr lang="en-US" altLang="ko-KR" dirty="0" smtClean="0"/>
-          </a:p>
-          <a:p>
-            <a:pPr marL="285750" indent="-285750">
-              <a:buFont typeface="Arial" panose="020B0604020202020204" pitchFamily="34" charset="0"/>
-              <a:buChar char="•"/>
-            </a:pPr>
-            <a:r>
-              <a:rPr lang="en-US" altLang="ko-KR" dirty="0" smtClean="0"/>
-              <a:t>AWS, Google Cloud </a:t>
-            </a:r>
-            <a:r>
-              <a:rPr lang="ko-KR" altLang="en-US" dirty="0" smtClean="0"/>
-              <a:t>등에서 전폭적으로 지원하는 프레임워크</a:t>
-            </a:r>
-            <a:endParaRPr lang="en-US" altLang="ko-KR" dirty="0" smtClean="0"/>
-          </a:p>
-        </p:txBody>
-      </p:sp>
-      <p:sp>
-        <p:nvSpPr>
-          <p:cNvPr id="1038" name="TextBox 1037"/>
-          <p:cNvSpPr txBox="1"/>
-          <p:nvPr/>
-        </p:nvSpPr>
-        <p:spPr>
-          <a:xfrm>
-            <a:off x="8316687" y="4383313"/>
-            <a:ext cx="2743199" cy="1200329"/>
-          </a:xfrm>
-          <a:prstGeom prst="rect">
-            <a:avLst/>
-          </a:prstGeom>
-          <a:noFill/>
-        </p:spPr>
-        <p:txBody>
-          <a:bodyPr wrap="square" rtlCol="0">
-            <a:spAutoFit/>
-          </a:bodyPr>
-          <a:lstStyle/>
-          <a:p>
-            <a:r>
-              <a:rPr lang="en-US" altLang="ko-KR" dirty="0" smtClean="0"/>
-              <a:t>*But </a:t>
-            </a:r>
-            <a:r>
-              <a:rPr lang="ko-KR" altLang="en-US" dirty="0" smtClean="0"/>
-              <a:t> </a:t>
-            </a:r>
-            <a:r>
-              <a:rPr lang="en-US" altLang="ko-KR" dirty="0" smtClean="0"/>
-              <a:t>Django</a:t>
-            </a:r>
-            <a:r>
-              <a:rPr lang="ko-KR" altLang="en-US" dirty="0" smtClean="0"/>
-              <a:t>의 </a:t>
-            </a:r>
-            <a:r>
-              <a:rPr lang="en-US" altLang="ko-KR" dirty="0" smtClean="0"/>
-              <a:t>http</a:t>
-            </a:r>
-            <a:r>
-              <a:rPr lang="ko-KR" altLang="en-US" dirty="0" smtClean="0"/>
-              <a:t>만으로는 실시간으로        변화하는 정보를 보여 줄 수가 없었음 </a:t>
-            </a:r>
-            <a:endParaRPr lang="ko-KR" altLang="en-US" dirty="0"/>
+              <a:rPr lang="en-US" altLang="ko-KR" sz="8800" dirty="0"/>
+              <a:t>Thank you</a:t>
+            </a:r>
+            <a:endParaRPr lang="ko-KR" altLang="en-US" sz="8800" dirty="0"/>
           </a:p>
         </p:txBody>
       </p:sp>
     </p:spTree>
     <p:extLst>
       <p:ext uri="{BB962C8B-B14F-4D97-AF65-F5344CB8AC3E}">
-        <p14:creationId xmlns:p14="http://schemas.microsoft.com/office/powerpoint/2010/main" val="3050681036"/>
+        <p14:creationId xmlns:p14="http://schemas.microsoft.com/office/powerpoint/2010/main" val="3309690044"/>
       </p:ext>
     </p:extLst>
   </p:cSld>
@@ -3089,17 +3008,10 @@
       </p:transition>
     </mc:Fallback>
   </mc:AlternateContent>
-  <p:timing>
-    <p:tnLst>
-      <p:par>
-        <p:cTn id="1" dur="indefinite" restart="never" nodeType="tmRoot"/>
-      </p:par>
-    </p:tnLst>
-  </p:timing>
 </p:sld>
 </file>
 
-<file path=ppt/slides/slide3.xml><?xml version="1.0" encoding="utf-8"?>
+<file path=ppt/slides/slide2.xml><?xml version="1.0" encoding="utf-8"?>
 <p:sld xmlns:a="http://schemas.openxmlformats.org/drawingml/2006/main" xmlns:r="http://schemas.openxmlformats.org/officeDocument/2006/relationships" xmlns:p="http://schemas.openxmlformats.org/presentationml/2006/main">
   <p:cSld>
     <p:spTree>
@@ -3240,7 +3152,7 @@
         </p:nvSpPr>
         <p:spPr>
           <a:xfrm>
-            <a:off x="0" y="-9527"/>
+            <a:off x="-5118" y="-9527"/>
             <a:ext cx="5385192" cy="6872928"/>
           </a:xfrm>
           <a:custGeom>
@@ -3367,7 +3279,7 @@
           <a:bodyPr rtlCol="0" anchor="ctr"/>
           <a:lstStyle/>
           <a:p>
-            <a:pPr algn="just"/>
+            <a:pPr algn="ctr"/>
             <a:endParaRPr lang="ru-RU" dirty="0">
               <a:solidFill>
                 <a:schemeClr val="bg2">
@@ -3401,22 +3313,44 @@
           <a:lstStyle/>
           <a:p>
             <a:r>
-              <a:rPr lang="en-US" altLang="ko-KR" sz="2400" b="1" dirty="0" smtClean="0"/>
-              <a:t>#2. </a:t>
-            </a:r>
-            <a:r>
-              <a:rPr lang="ko-KR" altLang="en-US" sz="2400" b="1" dirty="0" smtClean="0"/>
-              <a:t>기술</a:t>
-            </a:r>
-            <a:r>
-              <a:rPr lang="en-US" altLang="ko-KR" sz="2400" b="1" dirty="0" smtClean="0"/>
-              <a:t> </a:t>
-            </a:r>
-            <a:r>
-              <a:rPr lang="ko-KR" altLang="en-US" sz="2400" b="1" dirty="0" smtClean="0"/>
+              <a:rPr lang="en-US" altLang="ko-KR" sz="2400" b="1" dirty="0"/>
+              <a:t>#1. Part </a:t>
+            </a:r>
+            <a:r>
+              <a:rPr lang="ko-KR" altLang="en-US" sz="2400" b="1" dirty="0"/>
               <a:t>소개</a:t>
             </a:r>
-            <a:endParaRPr lang="ko-KR" altLang="en-US" sz="2400" b="1" dirty="0"/>
+          </a:p>
+        </p:txBody>
+      </p:sp>
+      <p:sp>
+        <p:nvSpPr>
+          <p:cNvPr id="3" name="TextBox 2"/>
+          <p:cNvSpPr txBox="1"/>
+          <p:nvPr/>
+        </p:nvSpPr>
+        <p:spPr>
+          <a:xfrm>
+            <a:off x="318086" y="1536933"/>
+            <a:ext cx="5298330" cy="523220"/>
+          </a:xfrm>
+          <a:prstGeom prst="rect">
+            <a:avLst/>
+          </a:prstGeom>
+          <a:noFill/>
+        </p:spPr>
+        <p:txBody>
+          <a:bodyPr wrap="square" rtlCol="0">
+            <a:spAutoFit/>
+          </a:bodyPr>
+          <a:lstStyle/>
+          <a:p>
+            <a:pPr algn="ctr"/>
+            <a:r>
+              <a:rPr lang="en-US" altLang="ko-KR" sz="2800" b="1" dirty="0"/>
+              <a:t>Web server</a:t>
+            </a:r>
+            <a:endParaRPr lang="ko-KR" altLang="en-US" sz="2800" b="1" dirty="0"/>
           </a:p>
         </p:txBody>
       </p:sp>
@@ -3455,16 +3389,116 @@
           </a:fontRef>
         </p:style>
       </p:cxnSp>
+      <p:sp>
+        <p:nvSpPr>
+          <p:cNvPr id="27" name="TextBox 26"/>
+          <p:cNvSpPr txBox="1"/>
+          <p:nvPr/>
+        </p:nvSpPr>
+        <p:spPr>
+          <a:xfrm>
+            <a:off x="507999" y="2040523"/>
+            <a:ext cx="5282955" cy="369332"/>
+          </a:xfrm>
+          <a:prstGeom prst="rect">
+            <a:avLst/>
+          </a:prstGeom>
+          <a:noFill/>
+        </p:spPr>
+        <p:txBody>
+          <a:bodyPr wrap="square" rtlCol="0">
+            <a:spAutoFit/>
+          </a:bodyPr>
+          <a:lstStyle/>
+          <a:p>
+            <a:r>
+              <a:rPr lang="ko-KR" altLang="en-US" dirty="0"/>
+              <a:t>실시간으로 카메라의 상태를 알려주는 웹 서버</a:t>
+            </a:r>
+          </a:p>
+        </p:txBody>
+      </p:sp>
+      <p:cxnSp>
+        <p:nvCxnSpPr>
+          <p:cNvPr id="29" name="직선 화살표 연결선 28"/>
+          <p:cNvCxnSpPr/>
+          <p:nvPr/>
+        </p:nvCxnSpPr>
+        <p:spPr>
+          <a:xfrm>
+            <a:off x="2772227" y="2425245"/>
+            <a:ext cx="0" cy="500846"/>
+          </a:xfrm>
+          <a:prstGeom prst="straightConnector1">
+            <a:avLst/>
+          </a:prstGeom>
+          <a:ln w="25400">
+            <a:solidFill>
+              <a:schemeClr val="tx1"/>
+            </a:solidFill>
+            <a:tailEnd type="arrow"/>
+          </a:ln>
+        </p:spPr>
+        <p:style>
+          <a:lnRef idx="1">
+            <a:schemeClr val="accent1"/>
+          </a:lnRef>
+          <a:fillRef idx="0">
+            <a:schemeClr val="accent1"/>
+          </a:fillRef>
+          <a:effectRef idx="0">
+            <a:schemeClr val="accent1"/>
+          </a:effectRef>
+          <a:fontRef idx="minor">
+            <a:schemeClr val="tx1"/>
+          </a:fontRef>
+        </p:style>
+      </p:cxnSp>
+      <p:sp>
+        <p:nvSpPr>
+          <p:cNvPr id="1024" name="TextBox 1023"/>
+          <p:cNvSpPr txBox="1"/>
+          <p:nvPr/>
+        </p:nvSpPr>
+        <p:spPr>
+          <a:xfrm>
+            <a:off x="964279" y="3164114"/>
+            <a:ext cx="4005944" cy="369332"/>
+          </a:xfrm>
+          <a:prstGeom prst="rect">
+            <a:avLst/>
+          </a:prstGeom>
+          <a:noFill/>
+        </p:spPr>
+        <p:txBody>
+          <a:bodyPr wrap="square" rtlCol="0">
+            <a:spAutoFit/>
+          </a:bodyPr>
+          <a:lstStyle/>
+          <a:p>
+            <a:pPr algn="ctr"/>
+            <a:r>
+              <a:rPr lang="ko-KR" altLang="en-US" dirty="0"/>
+              <a:t>무엇을 통해서 구현</a:t>
+            </a:r>
+            <a:r>
+              <a:rPr lang="en-US" altLang="ko-KR" dirty="0"/>
+              <a:t>?</a:t>
+            </a:r>
+            <a:endParaRPr lang="ko-KR" altLang="en-US" dirty="0"/>
+          </a:p>
+        </p:txBody>
+      </p:sp>
       <p:pic>
         <p:nvPicPr>
-          <p:cNvPr id="2050" name="Picture 2" descr="C:\Users\305\Desktop\김준영\django_구조.png"/>
+          <p:cNvPr id="1027" name="Picture 3" descr="C:\Users\305\Desktop\김준영\python-django-logo.jpg"/>
           <p:cNvPicPr>
             <a:picLocks noChangeAspect="1" noChangeArrowheads="1"/>
           </p:cNvPicPr>
           <p:nvPr/>
         </p:nvPicPr>
         <p:blipFill>
-          <a:blip r:embed="rId2">
+          <a:blip r:embed="rId2" cstate="print">
             <a:extLst>
               <a:ext uri="{28A0092B-C50C-407E-A947-70E740481C1C}">
                 <a14:useLocalDpi xmlns:a14="http://schemas.microsoft.com/office/drawing/2010/main" val="0"/>
@@ -3478,8 +3512,8 @@
         </p:blipFill>
         <p:spPr bwMode="auto">
           <a:xfrm>
-            <a:off x="7598424" y="1882205"/>
-            <a:ext cx="3048000" cy="4267200"/>
+            <a:off x="741931" y="3755345"/>
+            <a:ext cx="4092348" cy="2378403"/>
           </a:xfrm>
           <a:prstGeom prst="rect">
             <a:avLst/>
@@ -3496,16 +3530,126 @@
           </a:extLst>
         </p:spPr>
       </p:pic>
+      <p:cxnSp>
+        <p:nvCxnSpPr>
+          <p:cNvPr id="1028" name="꺾인 연결선 1027"/>
+          <p:cNvCxnSpPr/>
+          <p:nvPr/>
+        </p:nvCxnSpPr>
+        <p:spPr>
+          <a:xfrm flipV="1">
+            <a:off x="4970223" y="2055913"/>
+            <a:ext cx="2973895" cy="2884395"/>
+          </a:xfrm>
+          <a:prstGeom prst="bentConnector3">
+            <a:avLst>
+              <a:gd name="adj1" fmla="val 50000"/>
+            </a:avLst>
+          </a:prstGeom>
+          <a:ln w="25400">
+            <a:solidFill>
+              <a:schemeClr val="tx1"/>
+            </a:solidFill>
+            <a:tailEnd type="arrow"/>
+          </a:ln>
+        </p:spPr>
+        <p:style>
+          <a:lnRef idx="1">
+            <a:schemeClr val="accent1"/>
+          </a:lnRef>
+          <a:fillRef idx="0">
+            <a:schemeClr val="accent1"/>
+          </a:fillRef>
+          <a:effectRef idx="0">
+            <a:schemeClr val="accent1"/>
+          </a:effectRef>
+          <a:fontRef idx="minor">
+            <a:schemeClr val="tx1"/>
+          </a:fontRef>
+        </p:style>
+      </p:cxnSp>
       <p:sp>
         <p:nvSpPr>
-          <p:cNvPr id="4" name="TextBox 3"/>
+          <p:cNvPr id="1033" name="TextBox 1032"/>
           <p:cNvSpPr txBox="1"/>
           <p:nvPr/>
         </p:nvSpPr>
         <p:spPr>
           <a:xfrm>
-            <a:off x="1167483" y="1458750"/>
-            <a:ext cx="5196115" cy="5416868"/>
+            <a:off x="8026399" y="1672611"/>
+            <a:ext cx="3802743" cy="1754326"/>
+          </a:xfrm>
+          <a:prstGeom prst="rect">
+            <a:avLst/>
+          </a:prstGeom>
+          <a:noFill/>
+        </p:spPr>
+        <p:txBody>
+          <a:bodyPr wrap="square" rtlCol="0" anchor="t">
+            <a:spAutoFit/>
+          </a:bodyPr>
+          <a:lstStyle/>
+          <a:p>
+            <a:pPr marL="285750" indent="-285750">
+              <a:buFont typeface="Arial" panose="020B0604020202020204" pitchFamily="34" charset="0"/>
+              <a:buChar char="•"/>
+            </a:pPr>
+            <a:r>
+              <a:rPr lang="ko-KR" altLang="en-US" dirty="0" err="1"/>
+              <a:t>파이썬을</a:t>
+            </a:r>
+            <a:r>
+              <a:rPr lang="ko-KR" altLang="en-US" dirty="0"/>
+              <a:t> 기반으로 함</a:t>
+            </a:r>
+            <a:endParaRPr lang="en-US" altLang="ko-KR" dirty="0"/>
+          </a:p>
+          <a:p>
+            <a:pPr marL="285750" indent="-285750">
+              <a:buFont typeface="Arial" panose="020B0604020202020204" pitchFamily="34" charset="0"/>
+              <a:buChar char="•"/>
+            </a:pPr>
+            <a:r>
+              <a:rPr lang="ko-KR" altLang="en-US" dirty="0"/>
+              <a:t>인증</a:t>
+            </a:r>
+            <a:r>
+              <a:rPr lang="en-US" altLang="ko-KR" dirty="0"/>
+              <a:t>, </a:t>
+            </a:r>
+            <a:r>
+              <a:rPr lang="ko-KR" altLang="en-US" dirty="0"/>
+              <a:t>관리와 같은 대부분의  사이트들이 사용하는 기능들이 기본모듈로 제공</a:t>
+            </a:r>
+            <a:endParaRPr lang="en-US" altLang="ko-KR" dirty="0"/>
+          </a:p>
+          <a:p>
+            <a:pPr marL="285750" indent="-285750">
+              <a:buFont typeface="Arial" panose="020B0604020202020204" pitchFamily="34" charset="0"/>
+              <a:buChar char="•"/>
+            </a:pPr>
+            <a:r>
+              <a:rPr lang="en-US" altLang="ko-KR" dirty="0"/>
+              <a:t>AWS, Google Cloud </a:t>
+            </a:r>
+            <a:r>
+              <a:rPr lang="ko-KR" altLang="en-US" dirty="0"/>
+              <a:t>등에서 전폭적으로 지원하는 프레임워크</a:t>
+            </a:r>
+            <a:endParaRPr lang="en-US" altLang="ko-KR" dirty="0"/>
+          </a:p>
+        </p:txBody>
+      </p:sp>
+      <p:sp>
+        <p:nvSpPr>
+          <p:cNvPr id="1038" name="TextBox 1037"/>
+          <p:cNvSpPr txBox="1"/>
+          <p:nvPr/>
+        </p:nvSpPr>
+        <p:spPr>
+          <a:xfrm>
+            <a:off x="8316687" y="4383313"/>
+            <a:ext cx="2743199" cy="1200329"/>
           </a:xfrm>
           <a:prstGeom prst="rect">
             <a:avLst/>
@@ -3519,258 +3663,36 @@
           <a:lstStyle/>
           <a:p>
             <a:r>
-              <a:rPr lang="en-US" altLang="ko-KR" sz="2400" b="1" dirty="0" smtClean="0"/>
+              <a:rPr lang="en-US" altLang="ko-KR" dirty="0"/>
+              <a:t>*But </a:t>
+            </a:r>
+            <a:r>
+              <a:rPr lang="ko-KR" altLang="en-US" dirty="0"/>
+              <a:t> </a:t>
+            </a:r>
+            <a:r>
+              <a:rPr lang="en-US" altLang="ko-KR" dirty="0"/>
               <a:t>Django</a:t>
             </a:r>
             <a:r>
-              <a:rPr lang="ko-KR" altLang="en-US" sz="2400" b="1" dirty="0" smtClean="0"/>
-              <a:t>의 구성</a:t>
-            </a:r>
-            <a:endParaRPr lang="en-US" altLang="ko-KR" sz="2400" b="1" dirty="0" smtClean="0"/>
-          </a:p>
-          <a:p>
-            <a:r>
-              <a:rPr lang="en-US" altLang="ko-KR" sz="2000" b="1" dirty="0" err="1" smtClean="0"/>
-              <a:t>i</a:t>
-            </a:r>
-            <a:r>
-              <a:rPr lang="en-US" altLang="ko-KR" sz="2000" b="1" dirty="0" smtClean="0"/>
-              <a:t>) URLS</a:t>
-            </a:r>
-          </a:p>
-          <a:p>
-            <a:r>
-              <a:rPr lang="ko-KR" altLang="en-US" sz="1600" dirty="0" smtClean="0"/>
-              <a:t>브라우저로부터 요청 받은 </a:t>
-            </a:r>
-            <a:r>
-              <a:rPr lang="en-US" altLang="ko-KR" sz="1600" dirty="0" smtClean="0"/>
-              <a:t>URL</a:t>
-            </a:r>
-            <a:r>
-              <a:rPr lang="ko-KR" altLang="en-US" sz="1600" dirty="0" smtClean="0"/>
-              <a:t>을 </a:t>
-            </a:r>
-            <a:r>
-              <a:rPr lang="en-US" altLang="ko-KR" sz="1600" dirty="0" smtClean="0"/>
-              <a:t>Django</a:t>
-            </a:r>
-            <a:r>
-              <a:rPr lang="ko-KR" altLang="en-US" sz="1600" dirty="0" smtClean="0"/>
+              <a:rPr lang="ko-KR" altLang="en-US" dirty="0"/>
               <a:t>의 </a:t>
             </a:r>
             <a:r>
-              <a:rPr lang="en-US" altLang="ko-KR" sz="1600" dirty="0" err="1" smtClean="0"/>
-              <a:t>urlresolver</a:t>
-            </a:r>
-            <a:r>
-              <a:rPr lang="ko-KR" altLang="en-US" sz="1600" dirty="0" smtClean="0"/>
-              <a:t>가 </a:t>
-            </a:r>
-            <a:r>
-              <a:rPr lang="en-US" altLang="ko-KR" sz="1600" dirty="0" smtClean="0"/>
-              <a:t>Django</a:t>
-            </a:r>
-            <a:r>
-              <a:rPr lang="ko-KR" altLang="en-US" sz="1600" dirty="0" smtClean="0"/>
-              <a:t>의 </a:t>
-            </a:r>
-            <a:r>
-              <a:rPr lang="en-US" altLang="ko-KR" sz="1600" dirty="0" smtClean="0"/>
-              <a:t>URLS</a:t>
-            </a:r>
-            <a:r>
-              <a:rPr lang="ko-KR" altLang="en-US" sz="1600" dirty="0" smtClean="0"/>
-              <a:t>에서 하나씩 대조하여</a:t>
-            </a:r>
-            <a:r>
-              <a:rPr lang="en-US" altLang="ko-KR" sz="1600" dirty="0" smtClean="0"/>
-              <a:t>,</a:t>
-            </a:r>
-          </a:p>
-          <a:p>
-            <a:r>
-              <a:rPr lang="ko-KR" altLang="en-US" sz="1600" dirty="0" smtClean="0"/>
-              <a:t>일치하는 </a:t>
-            </a:r>
-            <a:r>
-              <a:rPr lang="en-US" altLang="ko-KR" sz="1600" dirty="0" err="1" smtClean="0"/>
-              <a:t>url</a:t>
-            </a:r>
-            <a:r>
-              <a:rPr lang="ko-KR" altLang="en-US" sz="1600" dirty="0" smtClean="0"/>
-              <a:t>이 있으면</a:t>
-            </a:r>
-            <a:r>
-              <a:rPr lang="en-US" altLang="ko-KR" sz="1600" dirty="0" smtClean="0"/>
-              <a:t>, </a:t>
-            </a:r>
-            <a:r>
-              <a:rPr lang="ko-KR" altLang="en-US" sz="1600" dirty="0" smtClean="0"/>
-              <a:t>해당 요청을 관련된 함수</a:t>
-            </a:r>
-            <a:endParaRPr lang="en-US" altLang="ko-KR" sz="1600" dirty="0"/>
-          </a:p>
-          <a:p>
-            <a:r>
-              <a:rPr lang="en-US" altLang="ko-KR" sz="1600" dirty="0" smtClean="0"/>
-              <a:t>(view)</a:t>
-            </a:r>
-            <a:r>
-              <a:rPr lang="ko-KR" altLang="en-US" sz="1600" dirty="0" smtClean="0"/>
-              <a:t>에 전달한다</a:t>
-            </a:r>
-            <a:r>
-              <a:rPr lang="en-US" altLang="ko-KR" sz="1600" dirty="0" smtClean="0"/>
-              <a:t>.</a:t>
-            </a:r>
-          </a:p>
-          <a:p>
-            <a:r>
-              <a:rPr lang="en-US" altLang="ko-KR" sz="2000" b="1" dirty="0" smtClean="0"/>
-              <a:t>ii) Views</a:t>
-            </a:r>
-          </a:p>
-          <a:p>
-            <a:r>
-              <a:rPr lang="ko-KR" altLang="en-US" sz="1600" dirty="0" smtClean="0"/>
-              <a:t>어떤 데이터가 표시될 것인지를 정의함</a:t>
-            </a:r>
-            <a:endParaRPr lang="en-US" altLang="ko-KR" sz="1600" dirty="0" smtClean="0"/>
-          </a:p>
-          <a:p>
-            <a:r>
-              <a:rPr lang="en-US" altLang="ko-KR" sz="1600" dirty="0" smtClean="0"/>
-              <a:t>View</a:t>
-            </a:r>
-            <a:r>
-              <a:rPr lang="ko-KR" altLang="en-US" sz="1600" dirty="0" smtClean="0"/>
-              <a:t>는 웹 페이지</a:t>
-            </a:r>
-            <a:r>
-              <a:rPr lang="en-US" altLang="ko-KR" sz="1600" dirty="0" smtClean="0"/>
-              <a:t>, </a:t>
-            </a:r>
-            <a:r>
-              <a:rPr lang="ko-KR" altLang="en-US" sz="1600" dirty="0" err="1" smtClean="0"/>
-              <a:t>리디렉션</a:t>
-            </a:r>
-            <a:r>
-              <a:rPr lang="en-US" altLang="ko-KR" sz="1600" dirty="0" smtClean="0"/>
-              <a:t>, </a:t>
-            </a:r>
-            <a:r>
-              <a:rPr lang="ko-KR" altLang="en-US" sz="1600" dirty="0" smtClean="0"/>
-              <a:t>문서 등 다양한 형태로 </a:t>
-            </a:r>
-            <a:r>
-              <a:rPr lang="en-US" altLang="ko-KR" sz="1600" dirty="0" smtClean="0"/>
-              <a:t>HTTP response</a:t>
-            </a:r>
-            <a:r>
-              <a:rPr lang="ko-KR" altLang="en-US" sz="1600" dirty="0" smtClean="0"/>
-              <a:t>를 반환한다</a:t>
-            </a:r>
-            <a:r>
-              <a:rPr lang="en-US" altLang="ko-KR" sz="1600" dirty="0" smtClean="0"/>
-              <a:t>.</a:t>
-            </a:r>
-          </a:p>
-          <a:p>
-            <a:r>
-              <a:rPr lang="en-US" altLang="ko-KR" sz="2000" b="1" dirty="0" smtClean="0"/>
-              <a:t>iii) Models</a:t>
-            </a:r>
-          </a:p>
-          <a:p>
-            <a:r>
-              <a:rPr lang="en-US" altLang="ko-KR" sz="1600" dirty="0" smtClean="0"/>
-              <a:t>Model</a:t>
-            </a:r>
-            <a:r>
-              <a:rPr lang="ko-KR" altLang="en-US" sz="1600" dirty="0" smtClean="0"/>
-              <a:t>은 데이터에 관한 정보를 담는다</a:t>
-            </a:r>
-            <a:r>
-              <a:rPr lang="en-US" altLang="ko-KR" sz="1600" dirty="0" smtClean="0"/>
-              <a:t>.  </a:t>
-            </a:r>
-            <a:r>
-              <a:rPr lang="ko-KR" altLang="en-US" sz="1600" dirty="0" smtClean="0"/>
-              <a:t>데이터에 대한 접근</a:t>
-            </a:r>
-            <a:r>
-              <a:rPr lang="en-US" altLang="ko-KR" sz="1600" dirty="0" smtClean="0"/>
-              <a:t>, </a:t>
-            </a:r>
-            <a:r>
-              <a:rPr lang="ko-KR" altLang="en-US" sz="1600" dirty="0" smtClean="0"/>
-              <a:t>검증</a:t>
-            </a:r>
-            <a:r>
-              <a:rPr lang="en-US" altLang="ko-KR" sz="1600" dirty="0" smtClean="0"/>
-              <a:t>, </a:t>
-            </a:r>
-            <a:r>
-              <a:rPr lang="ko-KR" altLang="en-US" sz="1600" dirty="0" smtClean="0"/>
-              <a:t>작동과 데이터 사이의 관계를 정의하는데</a:t>
-            </a:r>
-            <a:r>
-              <a:rPr lang="en-US" altLang="ko-KR" sz="1600" dirty="0" smtClean="0"/>
-              <a:t>, </a:t>
-            </a:r>
-            <a:r>
-              <a:rPr lang="ko-KR" altLang="en-US" sz="1600" dirty="0"/>
-              <a:t> </a:t>
-            </a:r>
-            <a:r>
-              <a:rPr lang="ko-KR" altLang="en-US" sz="1600" dirty="0" smtClean="0"/>
-              <a:t>일반적으로 각각의 모델은 데이터베이스에서 테이블에 해당한다</a:t>
-            </a:r>
-            <a:r>
-              <a:rPr lang="en-US" altLang="ko-KR" sz="1600" dirty="0" smtClean="0"/>
-              <a:t>.</a:t>
-            </a:r>
-          </a:p>
-          <a:p>
-            <a:r>
-              <a:rPr lang="en-US" altLang="ko-KR" sz="2000" b="1" dirty="0" smtClean="0"/>
-              <a:t>iv) Templates </a:t>
-            </a:r>
-          </a:p>
-          <a:p>
-            <a:r>
-              <a:rPr lang="en-US" altLang="ko-KR" sz="1600" dirty="0" smtClean="0"/>
-              <a:t>Template</a:t>
-            </a:r>
-            <a:r>
-              <a:rPr lang="ko-KR" altLang="en-US" sz="1600" dirty="0" smtClean="0"/>
-              <a:t>은 데이터가 어떻게 표시될지를 정의한다</a:t>
-            </a:r>
-            <a:r>
-              <a:rPr lang="en-US" altLang="ko-KR" sz="1600" dirty="0" smtClean="0"/>
-              <a:t>.</a:t>
-            </a:r>
-          </a:p>
-          <a:p>
-            <a:r>
-              <a:rPr lang="ko-KR" altLang="en-US" sz="1600" dirty="0" smtClean="0"/>
-              <a:t>이는 사용자에게 실제로 보여지는 웹 페이지나 문서를 다룬다</a:t>
-            </a:r>
-            <a:r>
-              <a:rPr lang="en-US" altLang="ko-KR" sz="1600" dirty="0" smtClean="0"/>
-              <a:t>.</a:t>
-            </a:r>
-          </a:p>
-          <a:p>
-            <a:endParaRPr lang="en-US" altLang="ko-KR" dirty="0"/>
+              <a:rPr lang="en-US" altLang="ko-KR" dirty="0"/>
+              <a:t>http</a:t>
+            </a:r>
+            <a:r>
+              <a:rPr lang="ko-KR" altLang="en-US" dirty="0"/>
+              <a:t>만으로는 실시간으로        변화하는 정보를 보여 줄 수가 없었음 </a:t>
+            </a:r>
           </a:p>
         </p:txBody>
       </p:sp>
     </p:spTree>
     <p:extLst>
       <p:ext uri="{BB962C8B-B14F-4D97-AF65-F5344CB8AC3E}">
-        <p14:creationId xmlns:p14="http://schemas.microsoft.com/office/powerpoint/2010/main" val="761417551"/>
+        <p14:creationId xmlns:p14="http://schemas.microsoft.com/office/powerpoint/2010/main" val="3050681036"/>
       </p:ext>
     </p:extLst>
   </p:cSld>
@@ -3789,17 +3711,10 @@
       </p:transition>
     </mc:Fallback>
   </mc:AlternateContent>
-  <p:timing>
-    <p:tnLst>
-      <p:par>
-        <p:cTn id="1" dur="indefinite" restart="never" nodeType="tmRoot"/>
-      </p:par>
-    </p:tnLst>
-  </p:timing>
 </p:sld>
 </file>
 
-<file path=ppt/slides/slide4.xml><?xml version="1.0" encoding="utf-8"?>
+<file path=ppt/slides/slide3.xml><?xml version="1.0" encoding="utf-8"?>
 <p:sld xmlns:a="http://schemas.openxmlformats.org/drawingml/2006/main" xmlns:r="http://schemas.openxmlformats.org/officeDocument/2006/relationships" xmlns:p="http://schemas.openxmlformats.org/presentationml/2006/main">
   <p:cSld>
     <p:spTree>
@@ -3940,7 +3855,7 @@
         </p:nvSpPr>
         <p:spPr>
           <a:xfrm>
-            <a:off x="-5118" y="-9527"/>
+            <a:off x="0" y="-9527"/>
             <a:ext cx="5385192" cy="6872928"/>
           </a:xfrm>
           <a:custGeom>
@@ -4067,7 +3982,7 @@
           <a:bodyPr rtlCol="0" anchor="ctr"/>
           <a:lstStyle/>
           <a:p>
-            <a:pPr algn="ctr"/>
+            <a:pPr algn="just"/>
             <a:endParaRPr lang="ru-RU" dirty="0">
               <a:solidFill>
                 <a:schemeClr val="bg2">
@@ -4101,16 +4016,20 @@
           <a:lstStyle/>
           <a:p>
             <a:r>
-              <a:rPr lang="en-US" altLang="ko-KR" sz="2400" b="1" dirty="0" smtClean="0"/>
-              <a:t>#3. </a:t>
-            </a:r>
-            <a:r>
-              <a:rPr lang="ko-KR" altLang="en-US" sz="2400" b="1" dirty="0" smtClean="0"/>
-              <a:t>문제</a:t>
+              <a:rPr lang="en-US" altLang="ko-KR" sz="2400" b="1" dirty="0"/>
+              <a:t>#2. </a:t>
             </a:r>
             <a:r>
               <a:rPr lang="ko-KR" altLang="en-US" sz="2400" b="1" dirty="0"/>
-              <a:t>점</a:t>
+              <a:t>기술</a:t>
+            </a:r>
+            <a:r>
+              <a:rPr lang="en-US" altLang="ko-KR" sz="2400" b="1" dirty="0"/>
+              <a:t> </a:t>
+            </a:r>
+            <a:r>
+              <a:rPr lang="ko-KR" altLang="en-US" sz="2400" b="1" dirty="0"/>
+              <a:t>소개</a:t>
             </a:r>
           </a:p>
         </p:txBody>
@@ -4150,145 +4069,9 @@
           </a:fontRef>
         </p:style>
       </p:cxnSp>
-      <p:sp>
-        <p:nvSpPr>
-          <p:cNvPr id="4" name="TextBox 3"/>
-          <p:cNvSpPr txBox="1"/>
-          <p:nvPr/>
-        </p:nvSpPr>
-        <p:spPr>
-          <a:xfrm>
-            <a:off x="653143" y="1426419"/>
-            <a:ext cx="4978400" cy="2154436"/>
-          </a:xfrm>
-          <a:prstGeom prst="rect">
-            <a:avLst/>
-          </a:prstGeom>
-          <a:noFill/>
-        </p:spPr>
-        <p:txBody>
-          <a:bodyPr wrap="square" rtlCol="0">
-            <a:spAutoFit/>
-          </a:bodyPr>
-          <a:lstStyle/>
-          <a:p>
-            <a:r>
-              <a:rPr lang="en-US" altLang="ko-KR" sz="2000" b="1" dirty="0" smtClean="0"/>
-              <a:t>HTTP</a:t>
-            </a:r>
-            <a:r>
-              <a:rPr lang="ko-KR" altLang="en-US" sz="2000" b="1" dirty="0" smtClean="0"/>
-              <a:t>의 한계성</a:t>
-            </a:r>
-            <a:endParaRPr lang="en-US" altLang="ko-KR" sz="2000" b="1" dirty="0" smtClean="0"/>
-          </a:p>
-          <a:p>
-            <a:endParaRPr lang="en-US" altLang="ko-KR" dirty="0"/>
-          </a:p>
-          <a:p>
-            <a:r>
-              <a:rPr lang="en-US" altLang="ko-KR" sz="1600" dirty="0" smtClean="0"/>
-              <a:t>HTTP</a:t>
-            </a:r>
-            <a:r>
-              <a:rPr lang="ko-KR" altLang="en-US" sz="1600" dirty="0" smtClean="0"/>
-              <a:t>는 </a:t>
-            </a:r>
-            <a:r>
-              <a:rPr lang="en-US" altLang="ko-KR" sz="1600" dirty="0" smtClean="0"/>
-              <a:t>Request/Response </a:t>
-            </a:r>
-            <a:r>
-              <a:rPr lang="ko-KR" altLang="en-US" sz="1600" dirty="0" smtClean="0"/>
-              <a:t>기반의 </a:t>
-            </a:r>
-            <a:endParaRPr lang="en-US" altLang="ko-KR" sz="1600" dirty="0" smtClean="0"/>
-          </a:p>
-          <a:p>
-            <a:r>
-              <a:rPr lang="en-US" altLang="ko-KR" sz="1600" dirty="0" smtClean="0"/>
-              <a:t>Stateless protocol</a:t>
-            </a:r>
-            <a:r>
-              <a:rPr lang="ko-KR" altLang="en-US" sz="1600" dirty="0" smtClean="0"/>
-              <a:t>이다</a:t>
-            </a:r>
-            <a:r>
-              <a:rPr lang="en-US" altLang="ko-KR" sz="1600" dirty="0" smtClean="0"/>
-              <a:t>.</a:t>
-            </a:r>
-          </a:p>
-          <a:p>
-            <a:r>
-              <a:rPr lang="ko-KR" altLang="en-US" sz="1600" dirty="0" smtClean="0"/>
-              <a:t>즉</a:t>
-            </a:r>
-            <a:r>
-              <a:rPr lang="en-US" altLang="ko-KR" sz="1600" dirty="0" smtClean="0"/>
-              <a:t>, Socket connection </a:t>
-            </a:r>
-            <a:r>
-              <a:rPr lang="ko-KR" altLang="en-US" sz="1600" dirty="0" smtClean="0"/>
-              <a:t>같은 영구적인 연결이 되어 있지 않고</a:t>
-            </a:r>
-            <a:r>
-              <a:rPr lang="en-US" altLang="ko-KR" sz="1600" dirty="0" smtClean="0"/>
-              <a:t>,  </a:t>
-            </a:r>
-            <a:r>
-              <a:rPr lang="ko-KR" altLang="en-US" sz="1600" dirty="0" smtClean="0"/>
-              <a:t>클라이언트</a:t>
-            </a:r>
-            <a:r>
-              <a:rPr lang="en-US" altLang="ko-KR" sz="1600" dirty="0" smtClean="0"/>
-              <a:t>(</a:t>
-            </a:r>
-            <a:r>
-              <a:rPr lang="ko-KR" altLang="en-US" sz="1600" dirty="0" smtClean="0"/>
-              <a:t>웹 브라우저</a:t>
-            </a:r>
-            <a:r>
-              <a:rPr lang="en-US" altLang="ko-KR" sz="1600" dirty="0" smtClean="0"/>
-              <a:t>)</a:t>
-            </a:r>
-            <a:r>
-              <a:rPr lang="ko-KR" altLang="en-US" sz="1600" dirty="0" smtClean="0"/>
-              <a:t>에서 필요할 때  </a:t>
-            </a:r>
-            <a:r>
-              <a:rPr lang="en-US" altLang="ko-KR" sz="1600" dirty="0" smtClean="0"/>
-              <a:t>Request</a:t>
-            </a:r>
-            <a:r>
-              <a:rPr lang="ko-KR" altLang="en-US" sz="1600" dirty="0" smtClean="0"/>
-              <a:t>를 보내면</a:t>
-            </a:r>
-            <a:r>
-              <a:rPr lang="en-US" altLang="ko-KR" sz="1600" dirty="0" smtClean="0"/>
-              <a:t>, </a:t>
-            </a:r>
-            <a:r>
-              <a:rPr lang="ko-KR" altLang="en-US" sz="1600" dirty="0" smtClean="0"/>
-              <a:t>서버에서 </a:t>
-            </a:r>
-            <a:r>
-              <a:rPr lang="en-US" altLang="ko-KR" sz="1600" dirty="0" smtClean="0"/>
-              <a:t>Response</a:t>
-            </a:r>
-            <a:r>
-              <a:rPr lang="ko-KR" altLang="en-US" sz="1600" dirty="0" smtClean="0"/>
-              <a:t>를 하는 방식으로 진행되는 한 방향 통신이다</a:t>
-            </a:r>
-            <a:r>
-              <a:rPr lang="en-US" altLang="ko-KR" sz="1600" dirty="0" smtClean="0"/>
-              <a:t>.</a:t>
-            </a:r>
-          </a:p>
-        </p:txBody>
-      </p:sp>
       <p:pic>
         <p:nvPicPr>
-          <p:cNvPr id="3074" name="Picture 2" descr="C:\Users\305\Desktop\김준영\HTTP_req.png"/>
+          <p:cNvPr id="2050" name="Picture 2" descr="C:\Users\305\Desktop\김준영\django_구조.png"/>
           <p:cNvPicPr>
             <a:picLocks noChangeAspect="1" noChangeArrowheads="1"/>
           </p:cNvPicPr>
@@ -4309,8 +4092,8 @@
         </p:blipFill>
         <p:spPr bwMode="auto">
           <a:xfrm>
-            <a:off x="6168570" y="1374873"/>
-            <a:ext cx="5065487" cy="2052064"/>
+            <a:off x="7598424" y="1882205"/>
+            <a:ext cx="3048000" cy="4267200"/>
           </a:xfrm>
           <a:prstGeom prst="rect">
             <a:avLst/>
@@ -4327,93 +4110,16 @@
           </a:extLst>
         </p:spPr>
       </p:pic>
-      <p:pic>
-        <p:nvPicPr>
-          <p:cNvPr id="3075" name="Picture 3" descr="C:\Users\305\Desktop\김준영\HTTP_repns.png"/>
-          <p:cNvPicPr>
-            <a:picLocks noChangeAspect="1" noChangeArrowheads="1"/>
-          </p:cNvPicPr>
-          <p:nvPr/>
-        </p:nvPicPr>
-        <p:blipFill>
-          <a:blip r:embed="rId3">
-            <a:extLst>
-              <a:ext uri="{28A0092B-C50C-407E-A947-70E740481C1C}">
-                <a14:useLocalDpi xmlns:a14="http://schemas.microsoft.com/office/drawing/2010/main" val="0"/>
-              </a:ext>
-            </a:extLst>
-          </a:blip>
-          <a:srcRect/>
-          <a:stretch>
-            <a:fillRect/>
-          </a:stretch>
-        </p:blipFill>
-        <p:spPr bwMode="auto">
-          <a:xfrm>
-            <a:off x="6168570" y="3827120"/>
-            <a:ext cx="4833259" cy="1879518"/>
-          </a:xfrm>
-          <a:prstGeom prst="rect">
-            <a:avLst/>
-          </a:prstGeom>
-          <a:noFill/>
-          <a:extLst>
-            <a:ext uri="{909E8E84-426E-40DD-AFC4-6F175D3DCCD1}">
-              <a14:hiddenFill xmlns:a14="http://schemas.microsoft.com/office/drawing/2010/main">
-                <a:solidFill>
-                  <a:srgbClr val="FFFFFF"/>
-                </a:solidFill>
-              </a14:hiddenFill>
-            </a:ext>
-          </a:extLst>
-        </p:spPr>
-      </p:pic>
-      <p:cxnSp>
-        <p:nvCxnSpPr>
-          <p:cNvPr id="6" name="직선 화살표 연결선 5"/>
-          <p:cNvCxnSpPr/>
-          <p:nvPr/>
-        </p:nvCxnSpPr>
-        <p:spPr>
-          <a:xfrm>
-            <a:off x="2989943" y="3580855"/>
-            <a:ext cx="0" cy="889545"/>
-          </a:xfrm>
-          <a:prstGeom prst="straightConnector1">
-            <a:avLst/>
-          </a:prstGeom>
-          <a:ln w="25400">
-            <a:solidFill>
-              <a:schemeClr val="tx1"/>
-            </a:solidFill>
-            <a:tailEnd type="arrow"/>
-          </a:ln>
-        </p:spPr>
-        <p:style>
-          <a:lnRef idx="1">
-            <a:schemeClr val="accent1"/>
-          </a:lnRef>
-          <a:fillRef idx="0">
-            <a:schemeClr val="accent1"/>
-          </a:fillRef>
-          <a:effectRef idx="0">
-            <a:schemeClr val="accent1"/>
-          </a:effectRef>
-          <a:fontRef idx="minor">
-            <a:schemeClr val="tx1"/>
-          </a:fontRef>
-        </p:style>
-      </p:cxnSp>
       <p:sp>
         <p:nvSpPr>
-          <p:cNvPr id="9" name="TextBox 8"/>
+          <p:cNvPr id="4" name="TextBox 3"/>
           <p:cNvSpPr txBox="1"/>
           <p:nvPr/>
         </p:nvSpPr>
         <p:spPr>
           <a:xfrm>
-            <a:off x="696380" y="4601320"/>
-            <a:ext cx="5065486" cy="1323439"/>
+            <a:off x="1167483" y="1458750"/>
+            <a:ext cx="5196115" cy="5416868"/>
           </a:xfrm>
           <a:prstGeom prst="rect">
             <a:avLst/>
@@ -4427,39 +4133,254 @@
           <a:lstStyle/>
           <a:p>
             <a:r>
-              <a:rPr lang="ko-KR" altLang="en-US" sz="1600" dirty="0" smtClean="0"/>
-              <a:t>서버 쪽 데이터가 업데이트 되더라도   클라이언트 쪽에서는 새로 고침을 하지 않는 한</a:t>
-            </a:r>
-            <a:endParaRPr lang="en-US" altLang="ko-KR" sz="1600" dirty="0" smtClean="0"/>
-          </a:p>
-          <a:p>
-            <a:r>
-              <a:rPr lang="ko-KR" altLang="en-US" sz="1600" dirty="0" smtClean="0"/>
-              <a:t>바뀐 데이터가 업데이트가 되지 않는 문제가 발생</a:t>
-            </a:r>
-            <a:endParaRPr lang="en-US" altLang="ko-KR" sz="1600" dirty="0" smtClean="0"/>
-          </a:p>
-          <a:p>
-            <a:r>
-              <a:rPr lang="ko-KR" altLang="en-US" sz="1600" dirty="0" smtClean="0"/>
-              <a:t>이는 실시간으로 </a:t>
-            </a:r>
-            <a:r>
-              <a:rPr lang="en-US" altLang="ko-KR" sz="1600" dirty="0" smtClean="0"/>
-              <a:t>CCTV</a:t>
-            </a:r>
-            <a:r>
-              <a:rPr lang="ko-KR" altLang="en-US" sz="1600" dirty="0" smtClean="0"/>
-              <a:t>의 상태를 확인하는 웹 사이트를 구현하는 데에 적합하지 않음</a:t>
+              <a:rPr lang="en-US" altLang="ko-KR" sz="2400" b="1" dirty="0"/>
+              <a:t>Django</a:t>
+            </a:r>
+            <a:r>
+              <a:rPr lang="ko-KR" altLang="en-US" sz="2400" b="1" dirty="0"/>
+              <a:t>의 구성</a:t>
+            </a:r>
+            <a:endParaRPr lang="en-US" altLang="ko-KR" sz="2400" b="1" dirty="0"/>
+          </a:p>
+          <a:p>
+            <a:r>
+              <a:rPr lang="en-US" altLang="ko-KR" sz="2000" b="1" dirty="0" err="1"/>
+              <a:t>i</a:t>
+            </a:r>
+            <a:r>
+              <a:rPr lang="en-US" altLang="ko-KR" sz="2000" b="1" dirty="0"/>
+              <a:t>) URLS</a:t>
+            </a:r>
+          </a:p>
+          <a:p>
+            <a:r>
+              <a:rPr lang="ko-KR" altLang="en-US" sz="1600" dirty="0"/>
+              <a:t>브라우저로부터 요청 받은 </a:t>
+            </a:r>
+            <a:r>
+              <a:rPr lang="en-US" altLang="ko-KR" sz="1600" dirty="0"/>
+              <a:t>URL</a:t>
+            </a:r>
+            <a:r>
+              <a:rPr lang="ko-KR" altLang="en-US" sz="1600" dirty="0"/>
+              <a:t>을 </a:t>
+            </a:r>
+            <a:r>
+              <a:rPr lang="en-US" altLang="ko-KR" sz="1600" dirty="0"/>
+              <a:t>Django</a:t>
+            </a:r>
+            <a:r>
+              <a:rPr lang="ko-KR" altLang="en-US" sz="1600" dirty="0"/>
+              <a:t>의 </a:t>
+            </a:r>
+            <a:r>
+              <a:rPr lang="en-US" altLang="ko-KR" sz="1600" dirty="0" err="1"/>
+              <a:t>urlresolver</a:t>
+            </a:r>
+            <a:r>
+              <a:rPr lang="ko-KR" altLang="en-US" sz="1600" dirty="0"/>
+              <a:t>가 </a:t>
+            </a:r>
+            <a:r>
+              <a:rPr lang="en-US" altLang="ko-KR" sz="1600" dirty="0"/>
+              <a:t>Django</a:t>
+            </a:r>
+            <a:r>
+              <a:rPr lang="ko-KR" altLang="en-US" sz="1600" dirty="0"/>
+              <a:t>의 </a:t>
+            </a:r>
+            <a:r>
+              <a:rPr lang="en-US" altLang="ko-KR" sz="1600" dirty="0"/>
+              <a:t>URLS</a:t>
+            </a:r>
+            <a:r>
+              <a:rPr lang="ko-KR" altLang="en-US" sz="1600" dirty="0"/>
+              <a:t>에서 하나씩 대조하여</a:t>
+            </a:r>
+            <a:r>
+              <a:rPr lang="en-US" altLang="ko-KR" sz="1600" dirty="0"/>
+              <a:t>,</a:t>
+            </a:r>
+          </a:p>
+          <a:p>
+            <a:r>
+              <a:rPr lang="ko-KR" altLang="en-US" sz="1600" dirty="0"/>
+              <a:t>일치하는 </a:t>
+            </a:r>
+            <a:r>
+              <a:rPr lang="en-US" altLang="ko-KR" sz="1600" dirty="0" err="1"/>
+              <a:t>url</a:t>
+            </a:r>
+            <a:r>
+              <a:rPr lang="ko-KR" altLang="en-US" sz="1600" dirty="0"/>
+              <a:t>이 있으면</a:t>
+            </a:r>
+            <a:r>
+              <a:rPr lang="en-US" altLang="ko-KR" sz="1600" dirty="0"/>
+              <a:t>, </a:t>
+            </a:r>
+            <a:r>
+              <a:rPr lang="ko-KR" altLang="en-US" sz="1600" dirty="0"/>
+              <a:t>해당 요청을 관련된 함수</a:t>
             </a:r>
             <a:endParaRPr lang="en-US" altLang="ko-KR" sz="1600" dirty="0"/>
+          </a:p>
+          <a:p>
+            <a:r>
+              <a:rPr lang="en-US" altLang="ko-KR" sz="1600" dirty="0"/>
+              <a:t>(view)</a:t>
+            </a:r>
+            <a:r>
+              <a:rPr lang="ko-KR" altLang="en-US" sz="1600" dirty="0"/>
+              <a:t>에 전달한다</a:t>
+            </a:r>
+            <a:r>
+              <a:rPr lang="en-US" altLang="ko-KR" sz="1600" dirty="0"/>
+              <a:t>.</a:t>
+            </a:r>
+          </a:p>
+          <a:p>
+            <a:r>
+              <a:rPr lang="en-US" altLang="ko-KR" sz="2000" b="1" dirty="0"/>
+              <a:t>ii) Views</a:t>
+            </a:r>
+          </a:p>
+          <a:p>
+            <a:r>
+              <a:rPr lang="ko-KR" altLang="en-US" sz="1600" dirty="0"/>
+              <a:t>어떤 데이터가 표시될 것인지를 정의함</a:t>
+            </a:r>
+            <a:endParaRPr lang="en-US" altLang="ko-KR" sz="1600" dirty="0"/>
+          </a:p>
+          <a:p>
+            <a:r>
+              <a:rPr lang="en-US" altLang="ko-KR" sz="1600" dirty="0"/>
+              <a:t>View</a:t>
+            </a:r>
+            <a:r>
+              <a:rPr lang="ko-KR" altLang="en-US" sz="1600" dirty="0"/>
+              <a:t>는 웹 페이지</a:t>
+            </a:r>
+            <a:r>
+              <a:rPr lang="en-US" altLang="ko-KR" sz="1600" dirty="0"/>
+              <a:t>, </a:t>
+            </a:r>
+            <a:r>
+              <a:rPr lang="ko-KR" altLang="en-US" sz="1600" dirty="0" err="1"/>
+              <a:t>리디렉션</a:t>
+            </a:r>
+            <a:r>
+              <a:rPr lang="en-US" altLang="ko-KR" sz="1600" dirty="0"/>
+              <a:t>, </a:t>
+            </a:r>
+            <a:r>
+              <a:rPr lang="ko-KR" altLang="en-US" sz="1600" dirty="0"/>
+              <a:t>문서 등 다양한 형태로 </a:t>
+            </a:r>
+            <a:r>
+              <a:rPr lang="en-US" altLang="ko-KR" sz="1600" dirty="0"/>
+              <a:t>HTTP response</a:t>
+            </a:r>
+            <a:r>
+              <a:rPr lang="ko-KR" altLang="en-US" sz="1600" dirty="0"/>
+              <a:t>를 반환한다</a:t>
+            </a:r>
+            <a:r>
+              <a:rPr lang="en-US" altLang="ko-KR" sz="1600" dirty="0"/>
+              <a:t>.</a:t>
+            </a:r>
+          </a:p>
+          <a:p>
+            <a:r>
+              <a:rPr lang="en-US" altLang="ko-KR" sz="2000" b="1" dirty="0"/>
+              <a:t>iii) Models</a:t>
+            </a:r>
+          </a:p>
+          <a:p>
+            <a:r>
+              <a:rPr lang="en-US" altLang="ko-KR" sz="1600" dirty="0"/>
+              <a:t>Model</a:t>
+            </a:r>
+            <a:r>
+              <a:rPr lang="ko-KR" altLang="en-US" sz="1600" dirty="0"/>
+              <a:t>은 데이터에 관한 정보를 담는다</a:t>
+            </a:r>
+            <a:r>
+              <a:rPr lang="en-US" altLang="ko-KR" sz="1600" dirty="0"/>
+              <a:t>.  </a:t>
+            </a:r>
+            <a:r>
+              <a:rPr lang="ko-KR" altLang="en-US" sz="1600" dirty="0"/>
+              <a:t>데이터에 대한 접근</a:t>
+            </a:r>
+            <a:r>
+              <a:rPr lang="en-US" altLang="ko-KR" sz="1600" dirty="0"/>
+              <a:t>, </a:t>
+            </a:r>
+            <a:r>
+              <a:rPr lang="ko-KR" altLang="en-US" sz="1600" dirty="0"/>
+              <a:t>검증</a:t>
+            </a:r>
+            <a:r>
+              <a:rPr lang="en-US" altLang="ko-KR" sz="1600" dirty="0"/>
+              <a:t>, </a:t>
+            </a:r>
+            <a:r>
+              <a:rPr lang="ko-KR" altLang="en-US" sz="1600" dirty="0"/>
+              <a:t>작동과 데이터 사이의 관계를 정의하는데</a:t>
+            </a:r>
+            <a:r>
+              <a:rPr lang="en-US" altLang="ko-KR" sz="1600" dirty="0"/>
+              <a:t>, </a:t>
+            </a:r>
+            <a:r>
+              <a:rPr lang="ko-KR" altLang="en-US" sz="1600" dirty="0"/>
+              <a:t> 일반적으로 각각의 모델은 데이터베이스에서 테이블에 해당한다</a:t>
+            </a:r>
+            <a:r>
+              <a:rPr lang="en-US" altLang="ko-KR" sz="1600" dirty="0"/>
+              <a:t>.</a:t>
+            </a:r>
+          </a:p>
+          <a:p>
+            <a:r>
+              <a:rPr lang="en-US" altLang="ko-KR" sz="2000" b="1" dirty="0"/>
+              <a:t>iv) Templates </a:t>
+            </a:r>
+          </a:p>
+          <a:p>
+            <a:r>
+              <a:rPr lang="en-US" altLang="ko-KR" sz="1600" dirty="0"/>
+              <a:t>Template</a:t>
+            </a:r>
+            <a:r>
+              <a:rPr lang="ko-KR" altLang="en-US" sz="1600" dirty="0"/>
+              <a:t>은 데이터가 어떻게 표시될지를 정의한다</a:t>
+            </a:r>
+            <a:r>
+              <a:rPr lang="en-US" altLang="ko-KR" sz="1600" dirty="0"/>
+              <a:t>.</a:t>
+            </a:r>
+          </a:p>
+          <a:p>
+            <a:r>
+              <a:rPr lang="ko-KR" altLang="en-US" sz="1600" dirty="0"/>
+              <a:t>이는 사용자에게 실제로 보여지는 웹 페이지나 문서를 다룬다</a:t>
+            </a:r>
+            <a:r>
+              <a:rPr lang="en-US" altLang="ko-KR" sz="1600" dirty="0"/>
+              <a:t>.</a:t>
+            </a:r>
+          </a:p>
+          <a:p>
+            <a:endParaRPr lang="en-US" altLang="ko-KR" dirty="0"/>
           </a:p>
         </p:txBody>
       </p:sp>
     </p:spTree>
     <p:extLst>
       <p:ext uri="{BB962C8B-B14F-4D97-AF65-F5344CB8AC3E}">
-        <p14:creationId xmlns:p14="http://schemas.microsoft.com/office/powerpoint/2010/main" val="2557035810"/>
+        <p14:creationId xmlns:p14="http://schemas.microsoft.com/office/powerpoint/2010/main" val="761417551"/>
       </p:ext>
     </p:extLst>
   </p:cSld>
@@ -4478,17 +4399,10 @@
       </p:transition>
     </mc:Fallback>
   </mc:AlternateContent>
-  <p:timing>
-    <p:tnLst>
-      <p:par>
-        <p:cTn id="1" dur="indefinite" restart="never" nodeType="tmRoot"/>
-      </p:par>
-    </p:tnLst>
-  </p:timing>
 </p:sld>
 </file>
 
-<file path=ppt/slides/slide5.xml><?xml version="1.0" encoding="utf-8"?>
+<file path=ppt/slides/slide4.xml><?xml version="1.0" encoding="utf-8"?>
 <p:sld xmlns:a="http://schemas.openxmlformats.org/drawingml/2006/main" xmlns:r="http://schemas.openxmlformats.org/officeDocument/2006/relationships" xmlns:p="http://schemas.openxmlformats.org/presentationml/2006/main">
   <p:cSld>
     <p:spTree>
@@ -4790,14 +4704,13 @@
           <a:lstStyle/>
           <a:p>
             <a:r>
-              <a:rPr lang="en-US" altLang="ko-KR" sz="2400" b="1" dirty="0" smtClean="0"/>
-              <a:t>#4. </a:t>
-            </a:r>
-            <a:r>
-              <a:rPr lang="ko-KR" altLang="en-US" sz="2400" b="1" dirty="0" smtClean="0"/>
-              <a:t>대안</a:t>
-            </a:r>
-            <a:endParaRPr lang="ko-KR" altLang="en-US" sz="2400" b="1" dirty="0"/>
+              <a:rPr lang="en-US" altLang="ko-KR" sz="2400" b="1" dirty="0"/>
+              <a:t>#3. </a:t>
+            </a:r>
+            <a:r>
+              <a:rPr lang="ko-KR" altLang="en-US" sz="2400" b="1" dirty="0"/>
+              <a:t>문제점</a:t>
+            </a:r>
           </a:p>
         </p:txBody>
       </p:sp>
@@ -4838,14 +4751,14 @@
       </p:cxnSp>
       <p:sp>
         <p:nvSpPr>
-          <p:cNvPr id="3" name="TextBox 2"/>
+          <p:cNvPr id="4" name="TextBox 3"/>
           <p:cNvSpPr txBox="1"/>
           <p:nvPr/>
         </p:nvSpPr>
         <p:spPr>
           <a:xfrm>
-            <a:off x="500436" y="1727199"/>
-            <a:ext cx="5950247" cy="984885"/>
+            <a:off x="653143" y="1426419"/>
+            <a:ext cx="4978400" cy="2154436"/>
           </a:xfrm>
           <a:prstGeom prst="rect">
             <a:avLst/>
@@ -4859,63 +4772,122 @@
           <a:lstStyle/>
           <a:p>
             <a:r>
-              <a:rPr lang="en-US" altLang="ko-KR" sz="2200" b="1" dirty="0" err="1" smtClean="0"/>
-              <a:t>i</a:t>
-            </a:r>
-            <a:r>
-              <a:rPr lang="en-US" altLang="ko-KR" sz="2200" b="1" dirty="0" smtClean="0"/>
-              <a:t>) Html</a:t>
-            </a:r>
-            <a:r>
-              <a:rPr lang="ko-KR" altLang="en-US" sz="2200" b="1" dirty="0" smtClean="0"/>
-              <a:t>의 </a:t>
-            </a:r>
-            <a:r>
-              <a:rPr lang="en-US" altLang="ko-KR" sz="2200" b="1" dirty="0" smtClean="0"/>
-              <a:t>meta </a:t>
-            </a:r>
-            <a:r>
-              <a:rPr lang="ko-KR" altLang="en-US" sz="2200" b="1" dirty="0" smtClean="0"/>
-              <a:t>태그를 이용한 자동 </a:t>
-            </a:r>
-            <a:r>
-              <a:rPr lang="ko-KR" altLang="en-US" sz="2200" b="1" dirty="0" err="1" smtClean="0"/>
-              <a:t>새로고침</a:t>
-            </a:r>
-            <a:endParaRPr lang="en-US" altLang="ko-KR" sz="2200" b="1" dirty="0" smtClean="0"/>
-          </a:p>
-          <a:p>
-            <a:r>
-              <a:rPr lang="ko-KR" altLang="en-US" dirty="0" smtClean="0"/>
-              <a:t>사이트 전체를 </a:t>
-            </a:r>
-            <a:r>
-              <a:rPr lang="ko-KR" altLang="en-US" dirty="0" err="1" smtClean="0"/>
-              <a:t>새로고침</a:t>
-            </a:r>
-            <a:r>
-              <a:rPr lang="ko-KR" altLang="en-US" dirty="0" err="1"/>
-              <a:t>을</a:t>
-            </a:r>
-            <a:r>
-              <a:rPr lang="ko-KR" altLang="en-US" dirty="0" smtClean="0"/>
-              <a:t> 해야 하고</a:t>
-            </a:r>
-            <a:r>
-              <a:rPr lang="en-US" altLang="ko-KR" dirty="0" smtClean="0"/>
+              <a:rPr lang="en-US" altLang="ko-KR" sz="2000" b="1" dirty="0"/>
+              <a:t>HTTP</a:t>
+            </a:r>
+            <a:r>
+              <a:rPr lang="ko-KR" altLang="en-US" sz="2000" b="1" dirty="0"/>
+              <a:t>의 한계성</a:t>
+            </a:r>
+            <a:endParaRPr lang="en-US" altLang="ko-KR" sz="2000" b="1" dirty="0"/>
+          </a:p>
+          <a:p>
+            <a:endParaRPr lang="en-US" altLang="ko-KR" dirty="0"/>
+          </a:p>
+          <a:p>
+            <a:r>
+              <a:rPr lang="en-US" altLang="ko-KR" sz="1600" dirty="0"/>
+              <a:t>HTTP</a:t>
+            </a:r>
+            <a:r>
+              <a:rPr lang="ko-KR" altLang="en-US" sz="1600" dirty="0"/>
+              <a:t>는 </a:t>
+            </a:r>
+            <a:r>
+              <a:rPr lang="en-US" altLang="ko-KR" sz="1600" dirty="0"/>
+              <a:t>Request/Response </a:t>
+            </a:r>
+            <a:r>
+              <a:rPr lang="ko-KR" altLang="en-US" sz="1600" dirty="0"/>
+              <a:t>기반의 </a:t>
+            </a:r>
+            <a:endParaRPr lang="en-US" altLang="ko-KR" sz="1600" dirty="0"/>
+          </a:p>
+          <a:p>
+            <a:r>
+              <a:rPr lang="en-US" altLang="ko-KR" sz="1600" dirty="0"/>
+              <a:t>Stateless protocol</a:t>
+            </a:r>
+            <a:r>
+              <a:rPr lang="ko-KR" altLang="en-US" sz="1600" dirty="0"/>
+              <a:t>이다</a:t>
+            </a:r>
+            <a:r>
+              <a:rPr lang="en-US" altLang="ko-KR" sz="1600" dirty="0"/>
+              <a:t>.</a:t>
+            </a:r>
+          </a:p>
+          <a:p>
+            <a:r>
+              <a:rPr lang="ko-KR" altLang="en-US" sz="1600" dirty="0"/>
+              <a:t>즉</a:t>
+            </a:r>
+            <a:r>
+              <a:rPr lang="en-US" altLang="ko-KR" sz="1600" dirty="0"/>
+              <a:t>, Socket connection </a:t>
+            </a:r>
+            <a:r>
+              <a:rPr lang="ko-KR" altLang="en-US" sz="1600" dirty="0"/>
+              <a:t>같은 영구적인 연결이 되어 있지 않고</a:t>
+            </a:r>
+            <a:r>
+              <a:rPr lang="en-US" altLang="ko-KR" sz="1600" dirty="0"/>
+              <a:t>,  </a:t>
+            </a:r>
+            <a:r>
+              <a:rPr lang="ko-KR" altLang="en-US" sz="1600" dirty="0"/>
+              <a:t>클라이언트</a:t>
+            </a:r>
+            <a:r>
+              <a:rPr lang="en-US" altLang="ko-KR" sz="1600" dirty="0"/>
+              <a:t>(</a:t>
+            </a:r>
+            <a:r>
+              <a:rPr lang="ko-KR" altLang="en-US" sz="1600" dirty="0"/>
+              <a:t>웹 브라우저</a:t>
+            </a:r>
+            <a:r>
+              <a:rPr lang="en-US" altLang="ko-KR" sz="1600" dirty="0"/>
+              <a:t>)</a:t>
+            </a:r>
+            <a:r>
+              <a:rPr lang="ko-KR" altLang="en-US" sz="1600" dirty="0"/>
+              <a:t>에서 필요할 때  </a:t>
+            </a:r>
+            <a:r>
+              <a:rPr lang="en-US" altLang="ko-KR" sz="1600" dirty="0"/>
+              <a:t>Request</a:t>
+            </a:r>
+            <a:r>
+              <a:rPr lang="ko-KR" altLang="en-US" sz="1600" dirty="0"/>
+              <a:t>를 보내면</a:t>
+            </a:r>
+            <a:r>
+              <a:rPr lang="en-US" altLang="ko-KR" sz="1600" dirty="0"/>
               <a:t>, </a:t>
             </a:r>
             <a:r>
-              <a:rPr lang="ko-KR" altLang="en-US" dirty="0" smtClean="0"/>
-              <a:t>주기가 너무 짧으면 서버에 부담을 줄 수가 있음 </a:t>
-            </a:r>
-            <a:endParaRPr lang="ko-KR" altLang="en-US" dirty="0"/>
+              <a:rPr lang="ko-KR" altLang="en-US" sz="1600" dirty="0"/>
+              <a:t>서버에서 </a:t>
+            </a:r>
+            <a:r>
+              <a:rPr lang="en-US" altLang="ko-KR" sz="1600" dirty="0"/>
+              <a:t>Response</a:t>
+            </a:r>
+            <a:r>
+              <a:rPr lang="ko-KR" altLang="en-US" sz="1600" dirty="0"/>
+              <a:t>를 하는 방식으로 진행되는 한 방향 통신이다</a:t>
+            </a:r>
+            <a:r>
+              <a:rPr lang="en-US" altLang="ko-KR" sz="1600" dirty="0"/>
+              <a:t>.</a:t>
+            </a:r>
           </a:p>
         </p:txBody>
       </p:sp>
       <p:pic>
         <p:nvPicPr>
-          <p:cNvPr id="4098" name="Picture 2" descr="C:\Users\305\Desktop\김준영\자동새로고침.PNG"/>
+          <p:cNvPr id="3074" name="Picture 2" descr="C:\Users\305\Desktop\김준영\HTTP_req.png"/>
           <p:cNvPicPr>
             <a:picLocks noChangeAspect="1" noChangeArrowheads="1"/>
           </p:cNvPicPr>
@@ -4936,8 +4908,8 @@
         </p:blipFill>
         <p:spPr bwMode="auto">
           <a:xfrm>
-            <a:off x="6589484" y="2096532"/>
-            <a:ext cx="3838575" cy="800100"/>
+            <a:off x="6168570" y="1374873"/>
+            <a:ext cx="5065487" cy="2052064"/>
           </a:xfrm>
           <a:prstGeom prst="rect">
             <a:avLst/>
@@ -4954,91 +4926,9 @@
           </a:extLst>
         </p:spPr>
       </p:pic>
-      <p:sp>
-        <p:nvSpPr>
-          <p:cNvPr id="4" name="TextBox 3"/>
-          <p:cNvSpPr txBox="1"/>
-          <p:nvPr/>
-        </p:nvSpPr>
-        <p:spPr>
-          <a:xfrm>
-            <a:off x="507999" y="3334310"/>
-            <a:ext cx="5283200" cy="1815882"/>
-          </a:xfrm>
-          <a:prstGeom prst="rect">
-            <a:avLst/>
-          </a:prstGeom>
-          <a:noFill/>
-        </p:spPr>
-        <p:txBody>
-          <a:bodyPr wrap="square" rtlCol="0">
-            <a:spAutoFit/>
-          </a:bodyPr>
-          <a:lstStyle/>
-          <a:p>
-            <a:r>
-              <a:rPr lang="en-US" altLang="ko-KR" sz="2200" b="1" dirty="0" smtClean="0"/>
-              <a:t>ii) Web Socket</a:t>
-            </a:r>
-          </a:p>
-          <a:p>
-            <a:r>
-              <a:rPr lang="ko-KR" altLang="en-US" dirty="0" smtClean="0"/>
-              <a:t>웹 버전의 </a:t>
-            </a:r>
-            <a:r>
-              <a:rPr lang="en-US" altLang="ko-KR" dirty="0" smtClean="0"/>
-              <a:t>TCP Socket</a:t>
-            </a:r>
-            <a:r>
-              <a:rPr lang="ko-KR" altLang="en-US" dirty="0" smtClean="0"/>
-              <a:t>으로 최초 접속이</a:t>
-            </a:r>
-            <a:endParaRPr lang="en-US" altLang="ko-KR" dirty="0" smtClean="0"/>
-          </a:p>
-          <a:p>
-            <a:r>
-              <a:rPr lang="ko-KR" altLang="en-US" dirty="0" smtClean="0"/>
-              <a:t>일반 </a:t>
-            </a:r>
-            <a:r>
-              <a:rPr lang="en-US" altLang="ko-KR" dirty="0" smtClean="0"/>
-              <a:t>http request</a:t>
-            </a:r>
-            <a:r>
-              <a:rPr lang="ko-KR" altLang="en-US" dirty="0" smtClean="0"/>
-              <a:t>로 인한 </a:t>
-            </a:r>
-            <a:r>
-              <a:rPr lang="en-US" altLang="ko-KR" dirty="0" smtClean="0"/>
-              <a:t>handshaking </a:t>
-            </a:r>
-            <a:r>
-              <a:rPr lang="ko-KR" altLang="en-US" dirty="0" smtClean="0"/>
-              <a:t>과정을 통해 이루어짐 </a:t>
-            </a:r>
-            <a:endParaRPr lang="en-US" altLang="ko-KR" dirty="0" smtClean="0"/>
-          </a:p>
-          <a:p>
-            <a:r>
-              <a:rPr lang="en-US" altLang="ko-KR" dirty="0" smtClean="0"/>
-              <a:t>--&gt;  </a:t>
-            </a:r>
-            <a:r>
-              <a:rPr lang="ko-KR" altLang="en-US" dirty="0" smtClean="0"/>
-              <a:t>한 번 연결이 되면 계속 통신을 할 수 있기 때문에 실시간으로 정보를 주고받기 적합함</a:t>
-            </a:r>
-            <a:r>
-              <a:rPr lang="en-US" altLang="ko-KR" dirty="0" smtClean="0"/>
-              <a:t>.</a:t>
-            </a:r>
-            <a:endParaRPr lang="ko-KR" altLang="en-US" dirty="0"/>
-          </a:p>
-        </p:txBody>
-      </p:sp>
       <p:pic>
         <p:nvPicPr>
-          <p:cNvPr id="4099" name="Picture 3" descr="C:\Users\305\Desktop\김준영\개인조사ppt.PNG"/>
+          <p:cNvPr id="3075" name="Picture 3" descr="C:\Users\305\Desktop\김준영\HTTP_repns.png"/>
           <p:cNvPicPr>
             <a:picLocks noChangeAspect="1" noChangeArrowheads="1"/>
           </p:cNvPicPr>
@@ -5059,8 +4949,8 @@
         </p:blipFill>
         <p:spPr bwMode="auto">
           <a:xfrm>
-            <a:off x="427063" y="5353912"/>
-            <a:ext cx="5668134" cy="585763"/>
+            <a:off x="6168570" y="3827120"/>
+            <a:ext cx="4833259" cy="1879518"/>
           </a:xfrm>
           <a:prstGeom prst="rect">
             <a:avLst/>
@@ -5077,51 +4967,105 @@
           </a:extLst>
         </p:spPr>
       </p:pic>
-      <p:pic>
-        <p:nvPicPr>
-          <p:cNvPr id="4100" name="Picture 4" descr="C:\Users\305\Desktop\김준영\web_sock.jpg"/>
-          <p:cNvPicPr>
-            <a:picLocks noChangeAspect="1" noChangeArrowheads="1"/>
-          </p:cNvPicPr>
+      <p:cxnSp>
+        <p:nvCxnSpPr>
+          <p:cNvPr id="6" name="직선 화살표 연결선 5"/>
+          <p:cNvCxnSpPr/>
           <p:nvPr/>
-        </p:nvPicPr>
-        <p:blipFill>
-          <a:blip r:embed="rId4">
-            <a:extLst>
-              <a:ext uri="{28A0092B-C50C-407E-A947-70E740481C1C}">
-                <a14:useLocalDpi xmlns:a14="http://schemas.microsoft.com/office/drawing/2010/main" val="0"/>
-              </a:ext>
-            </a:extLst>
-          </a:blip>
-          <a:srcRect/>
-          <a:stretch>
-            <a:fillRect/>
-          </a:stretch>
-        </p:blipFill>
-        <p:spPr bwMode="auto">
-          <a:xfrm>
-            <a:off x="6095197" y="3334310"/>
-            <a:ext cx="5835546" cy="2864072"/>
+        </p:nvCxnSpPr>
+        <p:spPr>
+          <a:xfrm>
+            <a:off x="2989943" y="3580855"/>
+            <a:ext cx="0" cy="889545"/>
+          </a:xfrm>
+          <a:prstGeom prst="straightConnector1">
+            <a:avLst/>
+          </a:prstGeom>
+          <a:ln w="25400">
+            <a:solidFill>
+              <a:schemeClr val="tx1"/>
+            </a:solidFill>
+            <a:tailEnd type="arrow"/>
+          </a:ln>
+        </p:spPr>
+        <p:style>
+          <a:lnRef idx="1">
+            <a:schemeClr val="accent1"/>
+          </a:lnRef>
+          <a:fillRef idx="0">
+            <a:schemeClr val="accent1"/>
+          </a:fillRef>
+          <a:effectRef idx="0">
+            <a:schemeClr val="accent1"/>
+          </a:effectRef>
+          <a:fontRef idx="minor">
+            <a:schemeClr val="tx1"/>
+          </a:fontRef>
+        </p:style>
+      </p:cxnSp>
+      <p:sp>
+        <p:nvSpPr>
+          <p:cNvPr id="9" name="TextBox 8"/>
+          <p:cNvSpPr txBox="1"/>
+          <p:nvPr/>
+        </p:nvSpPr>
+        <p:spPr>
+          <a:xfrm>
+            <a:off x="696380" y="4601320"/>
+            <a:ext cx="4792531" cy="1323439"/>
           </a:xfrm>
           <a:prstGeom prst="rect">
             <a:avLst/>
           </a:prstGeom>
           <a:noFill/>
-          <a:extLst>
-            <a:ext uri="{909E8E84-426E-40DD-AFC4-6F175D3DCCD1}">
-              <a14:hiddenFill xmlns:a14="http://schemas.microsoft.com/office/drawing/2010/main">
-                <a:solidFill>
-                  <a:srgbClr val="FFFFFF"/>
-                </a:solidFill>
-              </a14:hiddenFill>
-            </a:ext>
-          </a:extLst>
-        </p:spPr>
-      </p:pic>
+        </p:spPr>
+        <p:txBody>
+          <a:bodyPr wrap="square" rtlCol="0" anchor="t">
+            <a:spAutoFit/>
+          </a:bodyPr>
+          <a:lstStyle/>
+          <a:p>
+            <a:r>
+              <a:rPr lang="ko-KR" altLang="en-US" sz="1600" dirty="0"/>
+              <a:t>서버 쪽 데이터가 업데이트 되더라도   클라이언트 쪽에서는 새로 고침을 하지 않는 한</a:t>
+            </a:r>
+            <a:endParaRPr lang="en-US" altLang="ko-KR" sz="1600" dirty="0"/>
+          </a:p>
+          <a:p>
+            <a:r>
+              <a:rPr lang="ko-KR" altLang="en-US" sz="1600" dirty="0"/>
+              <a:t>바뀐 데이터가 업데이트가 되지 않는 문제가 발생</a:t>
+            </a:r>
+            <a:r>
+              <a:rPr lang="ko-KR" altLang="en-US" sz="1600" dirty="0">
+                <a:latin typeface="맑은 고딕"/>
+                <a:ea typeface="맑은 고딕"/>
+              </a:rPr>
+              <a:t>.</a:t>
+            </a:r>
+            <a:endParaRPr lang="en-US" altLang="ko-KR" sz="1600" dirty="0"/>
+          </a:p>
+          <a:p>
+            <a:r>
+              <a:rPr lang="ko-KR" altLang="en-US" sz="1600" dirty="0"/>
+              <a:t>이는 실시간으로 </a:t>
+            </a:r>
+            <a:r>
+              <a:rPr lang="en-US" altLang="ko-KR" sz="1600" dirty="0"/>
+              <a:t>CCTV</a:t>
+            </a:r>
+            <a:r>
+              <a:rPr lang="ko-KR" altLang="en-US" sz="1600" dirty="0"/>
+              <a:t>의 상태를 확인하는 웹 사이트를 구현하는 데에 적합하지 않음</a:t>
+            </a:r>
+            <a:endParaRPr lang="en-US" altLang="ko-KR" sz="1600" dirty="0"/>
+          </a:p>
+        </p:txBody>
+      </p:sp>
     </p:spTree>
     <p:extLst>
       <p:ext uri="{BB962C8B-B14F-4D97-AF65-F5344CB8AC3E}">
-        <p14:creationId xmlns:p14="http://schemas.microsoft.com/office/powerpoint/2010/main" val="137996958"/>
+        <p14:creationId xmlns:p14="http://schemas.microsoft.com/office/powerpoint/2010/main" val="2557035810"/>
       </p:ext>
     </p:extLst>
   </p:cSld>
@@ -5140,17 +5084,10 @@
       </p:transition>
     </mc:Fallback>
   </mc:AlternateContent>
-  <p:timing>
-    <p:tnLst>
-      <p:par>
-        <p:cTn id="1" dur="indefinite" restart="never" nodeType="tmRoot"/>
-      </p:par>
-    </p:tnLst>
-  </p:timing>
 </p:sld>
 </file>
 
-<file path=ppt/slides/slide6.xml><?xml version="1.0" encoding="utf-8"?>
+<file path=ppt/slides/slide5.xml><?xml version="1.0" encoding="utf-8"?>
 <p:sld xmlns:a="http://schemas.openxmlformats.org/drawingml/2006/main" xmlns:r="http://schemas.openxmlformats.org/officeDocument/2006/relationships" xmlns:p="http://schemas.openxmlformats.org/presentationml/2006/main">
   <p:cSld>
     <p:spTree>
@@ -5452,7 +5389,660 @@
           <a:lstStyle/>
           <a:p>
             <a:r>
-              <a:rPr lang="en-US" altLang="ko-KR" sz="2400" b="1" dirty="0" smtClean="0"/>
+              <a:rPr lang="en-US" altLang="ko-KR" sz="2400" b="1" dirty="0"/>
+              <a:t>#4. </a:t>
+            </a:r>
+            <a:r>
+              <a:rPr lang="ko-KR" altLang="en-US" sz="2400" b="1" dirty="0"/>
+              <a:t>대안</a:t>
+            </a:r>
+          </a:p>
+        </p:txBody>
+      </p:sp>
+      <p:cxnSp>
+        <p:nvCxnSpPr>
+          <p:cNvPr id="7" name="직선 연결선 6"/>
+          <p:cNvCxnSpPr/>
+          <p:nvPr/>
+        </p:nvCxnSpPr>
+        <p:spPr>
+          <a:xfrm>
+            <a:off x="507999" y="1166394"/>
+            <a:ext cx="11321143" cy="0"/>
+          </a:xfrm>
+          <a:prstGeom prst="line">
+            <a:avLst/>
+          </a:prstGeom>
+          <a:ln w="12700">
+            <a:solidFill>
+              <a:schemeClr val="tx1"/>
+            </a:solidFill>
+          </a:ln>
+        </p:spPr>
+        <p:style>
+          <a:lnRef idx="1">
+            <a:schemeClr val="accent1"/>
+          </a:lnRef>
+          <a:fillRef idx="0">
+            <a:schemeClr val="accent1"/>
+          </a:fillRef>
+          <a:effectRef idx="0">
+            <a:schemeClr val="accent1"/>
+          </a:effectRef>
+          <a:fontRef idx="minor">
+            <a:schemeClr val="tx1"/>
+          </a:fontRef>
+        </p:style>
+      </p:cxnSp>
+      <p:sp>
+        <p:nvSpPr>
+          <p:cNvPr id="3" name="TextBox 2"/>
+          <p:cNvSpPr txBox="1"/>
+          <p:nvPr/>
+        </p:nvSpPr>
+        <p:spPr>
+          <a:xfrm>
+            <a:off x="500436" y="1727199"/>
+            <a:ext cx="5950247" cy="984885"/>
+          </a:xfrm>
+          <a:prstGeom prst="rect">
+            <a:avLst/>
+          </a:prstGeom>
+          <a:noFill/>
+        </p:spPr>
+        <p:txBody>
+          <a:bodyPr wrap="square" rtlCol="0" anchor="t">
+            <a:spAutoFit/>
+          </a:bodyPr>
+          <a:lstStyle/>
+          <a:p>
+            <a:r>
+              <a:rPr lang="en-US" altLang="ko-KR" sz="2200" b="1" dirty="0" err="1"/>
+              <a:t>i</a:t>
+            </a:r>
+            <a:r>
+              <a:rPr lang="en-US" altLang="ko-KR" sz="2200" b="1" dirty="0"/>
+              <a:t>) Html</a:t>
+            </a:r>
+            <a:r>
+              <a:rPr lang="ko-KR" altLang="en-US" sz="2200" b="1" dirty="0"/>
+              <a:t>의 </a:t>
+            </a:r>
+            <a:r>
+              <a:rPr lang="en-US" altLang="ko-KR" sz="2200" b="1" dirty="0"/>
+              <a:t>meta </a:t>
+            </a:r>
+            <a:r>
+              <a:rPr lang="ko-KR" altLang="en-US" sz="2200" b="1" dirty="0"/>
+              <a:t>태그를 이용한 자동 </a:t>
+            </a:r>
+            <a:r>
+              <a:rPr lang="ko-KR" altLang="en-US" sz="2200" b="1" dirty="0" err="1"/>
+              <a:t>새로고침</a:t>
+            </a:r>
+            <a:endParaRPr lang="en-US" altLang="ko-KR" sz="2200" b="1" dirty="0"/>
+          </a:p>
+          <a:p>
+            <a:r>
+              <a:rPr lang="ko-KR" altLang="en-US" dirty="0"/>
+              <a:t>사이트 전체를 </a:t>
+            </a:r>
+            <a:r>
+              <a:rPr lang="ko-KR" altLang="en-US" dirty="0" err="1"/>
+              <a:t>새로고침을</a:t>
+            </a:r>
+            <a:r>
+              <a:rPr lang="ko-KR" altLang="en-US" dirty="0"/>
+              <a:t> 해야 하고</a:t>
+            </a:r>
+            <a:r>
+              <a:rPr lang="en-US" altLang="ko-KR" dirty="0"/>
+              <a:t>, </a:t>
+            </a:r>
+            <a:r>
+              <a:rPr lang="ko-KR" altLang="en-US" dirty="0"/>
+              <a:t>주기가 너무 짧으면 서버에 부담을 줄 수가 있음</a:t>
+            </a:r>
+            <a:endParaRPr lang="ko-KR" altLang="en-US" dirty="0">
+              <a:latin typeface="맑은 고딕"/>
+              <a:ea typeface="맑은 고딕"/>
+            </a:endParaRPr>
+          </a:p>
+        </p:txBody>
+      </p:sp>
+      <p:pic>
+        <p:nvPicPr>
+          <p:cNvPr id="4098" name="Picture 2" descr="C:\Users\305\Desktop\김준영\자동새로고침.PNG"/>
+          <p:cNvPicPr>
+            <a:picLocks noChangeAspect="1" noChangeArrowheads="1"/>
+          </p:cNvPicPr>
+          <p:nvPr/>
+        </p:nvPicPr>
+        <p:blipFill>
+          <a:blip r:embed="rId2">
+            <a:extLst>
+              <a:ext uri="{28A0092B-C50C-407E-A947-70E740481C1C}">
+                <a14:useLocalDpi xmlns:a14="http://schemas.microsoft.com/office/drawing/2010/main" val="0"/>
+              </a:ext>
+            </a:extLst>
+          </a:blip>
+          <a:srcRect/>
+          <a:stretch>
+            <a:fillRect/>
+          </a:stretch>
+        </p:blipFill>
+        <p:spPr bwMode="auto">
+          <a:xfrm>
+            <a:off x="6589484" y="2096532"/>
+            <a:ext cx="3838575" cy="800100"/>
+          </a:xfrm>
+          <a:prstGeom prst="rect">
+            <a:avLst/>
+          </a:prstGeom>
+          <a:noFill/>
+          <a:extLst>
+            <a:ext uri="{909E8E84-426E-40DD-AFC4-6F175D3DCCD1}">
+              <a14:hiddenFill xmlns:a14="http://schemas.microsoft.com/office/drawing/2010/main">
+                <a:solidFill>
+                  <a:srgbClr val="FFFFFF"/>
+                </a:solidFill>
+              </a14:hiddenFill>
+            </a:ext>
+          </a:extLst>
+        </p:spPr>
+      </p:pic>
+      <p:sp>
+        <p:nvSpPr>
+          <p:cNvPr id="4" name="TextBox 3"/>
+          <p:cNvSpPr txBox="1"/>
+          <p:nvPr/>
+        </p:nvSpPr>
+        <p:spPr>
+          <a:xfrm>
+            <a:off x="507999" y="3334310"/>
+            <a:ext cx="5283200" cy="1815882"/>
+          </a:xfrm>
+          <a:prstGeom prst="rect">
+            <a:avLst/>
+          </a:prstGeom>
+          <a:noFill/>
+        </p:spPr>
+        <p:txBody>
+          <a:bodyPr wrap="square" rtlCol="0">
+            <a:spAutoFit/>
+          </a:bodyPr>
+          <a:lstStyle/>
+          <a:p>
+            <a:r>
+              <a:rPr lang="en-US" altLang="ko-KR" sz="2200" b="1" dirty="0"/>
+              <a:t>ii) Web Socket</a:t>
+            </a:r>
+          </a:p>
+          <a:p>
+            <a:r>
+              <a:rPr lang="ko-KR" altLang="en-US" dirty="0"/>
+              <a:t>웹 버전의 </a:t>
+            </a:r>
+            <a:r>
+              <a:rPr lang="en-US" altLang="ko-KR" dirty="0"/>
+              <a:t>TCP Socket</a:t>
+            </a:r>
+            <a:r>
+              <a:rPr lang="ko-KR" altLang="en-US" dirty="0"/>
+              <a:t>으로 최초 접속이</a:t>
+            </a:r>
+            <a:endParaRPr lang="en-US" altLang="ko-KR" dirty="0"/>
+          </a:p>
+          <a:p>
+            <a:r>
+              <a:rPr lang="ko-KR" altLang="en-US" dirty="0"/>
+              <a:t>일반 </a:t>
+            </a:r>
+            <a:r>
+              <a:rPr lang="en-US" altLang="ko-KR" dirty="0"/>
+              <a:t>http request</a:t>
+            </a:r>
+            <a:r>
+              <a:rPr lang="ko-KR" altLang="en-US" dirty="0"/>
+              <a:t>로 인한 </a:t>
+            </a:r>
+            <a:r>
+              <a:rPr lang="en-US" altLang="ko-KR" dirty="0"/>
+              <a:t>handshaking </a:t>
+            </a:r>
+            <a:r>
+              <a:rPr lang="ko-KR" altLang="en-US" dirty="0"/>
+              <a:t>과정을 통해 이루어짐 </a:t>
+            </a:r>
+            <a:endParaRPr lang="en-US" altLang="ko-KR" dirty="0"/>
+          </a:p>
+          <a:p>
+            <a:r>
+              <a:rPr lang="en-US" altLang="ko-KR" dirty="0"/>
+              <a:t>--&gt;  </a:t>
+            </a:r>
+            <a:r>
+              <a:rPr lang="ko-KR" altLang="en-US" dirty="0"/>
+              <a:t>한 번 연결이 되면 계속 통신을 할 수 있기 때문에 실시간으로 정보를 주고받기 적합함</a:t>
+            </a:r>
+            <a:r>
+              <a:rPr lang="en-US" altLang="ko-KR" dirty="0"/>
+              <a:t>.</a:t>
+            </a:r>
+            <a:endParaRPr lang="ko-KR" altLang="en-US" dirty="0"/>
+          </a:p>
+        </p:txBody>
+      </p:sp>
+      <p:pic>
+        <p:nvPicPr>
+          <p:cNvPr id="4099" name="Picture 3" descr="C:\Users\305\Desktop\김준영\개인조사ppt.PNG"/>
+          <p:cNvPicPr>
+            <a:picLocks noChangeAspect="1" noChangeArrowheads="1"/>
+          </p:cNvPicPr>
+          <p:nvPr/>
+        </p:nvPicPr>
+        <p:blipFill>
+          <a:blip r:embed="rId3">
+            <a:extLst>
+              <a:ext uri="{28A0092B-C50C-407E-A947-70E740481C1C}">
+                <a14:useLocalDpi xmlns:a14="http://schemas.microsoft.com/office/drawing/2010/main" val="0"/>
+              </a:ext>
+            </a:extLst>
+          </a:blip>
+          <a:srcRect/>
+          <a:stretch>
+            <a:fillRect/>
+          </a:stretch>
+        </p:blipFill>
+        <p:spPr bwMode="auto">
+          <a:xfrm>
+            <a:off x="427063" y="5353912"/>
+            <a:ext cx="5668134" cy="585763"/>
+          </a:xfrm>
+          <a:prstGeom prst="rect">
+            <a:avLst/>
+          </a:prstGeom>
+          <a:noFill/>
+          <a:extLst>
+            <a:ext uri="{909E8E84-426E-40DD-AFC4-6F175D3DCCD1}">
+              <a14:hiddenFill xmlns:a14="http://schemas.microsoft.com/office/drawing/2010/main">
+                <a:solidFill>
+                  <a:srgbClr val="FFFFFF"/>
+                </a:solidFill>
+              </a14:hiddenFill>
+            </a:ext>
+          </a:extLst>
+        </p:spPr>
+      </p:pic>
+      <p:pic>
+        <p:nvPicPr>
+          <p:cNvPr id="4100" name="Picture 4" descr="C:\Users\305\Desktop\김준영\web_sock.jpg"/>
+          <p:cNvPicPr>
+            <a:picLocks noChangeAspect="1" noChangeArrowheads="1"/>
+          </p:cNvPicPr>
+          <p:nvPr/>
+        </p:nvPicPr>
+        <p:blipFill>
+          <a:blip r:embed="rId4">
+            <a:extLst>
+              <a:ext uri="{28A0092B-C50C-407E-A947-70E740481C1C}">
+                <a14:useLocalDpi xmlns:a14="http://schemas.microsoft.com/office/drawing/2010/main" val="0"/>
+              </a:ext>
+            </a:extLst>
+          </a:blip>
+          <a:srcRect/>
+          <a:stretch>
+            <a:fillRect/>
+          </a:stretch>
+        </p:blipFill>
+        <p:spPr bwMode="auto">
+          <a:xfrm>
+            <a:off x="6095197" y="3334310"/>
+            <a:ext cx="5835546" cy="2864072"/>
+          </a:xfrm>
+          <a:prstGeom prst="rect">
+            <a:avLst/>
+          </a:prstGeom>
+          <a:noFill/>
+          <a:extLst>
+            <a:ext uri="{909E8E84-426E-40DD-AFC4-6F175D3DCCD1}">
+              <a14:hiddenFill xmlns:a14="http://schemas.microsoft.com/office/drawing/2010/main">
+                <a:solidFill>
+                  <a:srgbClr val="FFFFFF"/>
+                </a:solidFill>
+              </a14:hiddenFill>
+            </a:ext>
+          </a:extLst>
+        </p:spPr>
+      </p:pic>
+    </p:spTree>
+    <p:extLst>
+      <p:ext uri="{BB962C8B-B14F-4D97-AF65-F5344CB8AC3E}">
+        <p14:creationId xmlns:p14="http://schemas.microsoft.com/office/powerpoint/2010/main" val="137996958"/>
+      </p:ext>
+    </p:extLst>
+  </p:cSld>
+  <p:clrMapOvr>
+    <a:masterClrMapping/>
+  </p:clrMapOvr>
+  <mc:AlternateContent xmlns:mc="http://schemas.openxmlformats.org/markup-compatibility/2006" xmlns:p14="http://schemas.microsoft.com/office/powerpoint/2010/main">
+    <mc:Choice Requires="p14">
+      <p:transition spd="med" p14:dur="700">
+        <p:fade/>
+      </p:transition>
+    </mc:Choice>
+    <mc:Fallback xmlns="">
+      <p:transition spd="med">
+        <p:fade/>
+      </p:transition>
+    </mc:Fallback>
+  </mc:AlternateContent>
+</p:sld>
+</file>
+
+<file path=ppt/slides/slide6.xml><?xml version="1.0" encoding="utf-8"?>
+<p:sld xmlns:a="http://schemas.openxmlformats.org/drawingml/2006/main" xmlns:r="http://schemas.openxmlformats.org/officeDocument/2006/relationships" xmlns:p="http://schemas.openxmlformats.org/presentationml/2006/main">
+  <p:cSld>
+    <p:spTree>
+      <p:nvGrpSpPr>
+        <p:cNvPr id="1" name=""/>
+        <p:cNvGrpSpPr/>
+        <p:nvPr/>
+      </p:nvGrpSpPr>
+      <p:grpSpPr>
+        <a:xfrm>
+          <a:off x="0" y="0"/>
+          <a:ext cx="0" cy="0"/>
+          <a:chOff x="0" y="0"/>
+          <a:chExt cx="0" cy="0"/>
+        </a:xfrm>
+      </p:grpSpPr>
+      <p:sp>
+        <p:nvSpPr>
+          <p:cNvPr id="11" name="Прямоугольный треугольник 11"/>
+          <p:cNvSpPr/>
+          <p:nvPr/>
+        </p:nvSpPr>
+        <p:spPr>
+          <a:xfrm>
+            <a:off x="0" y="1160011"/>
+            <a:ext cx="6458246" cy="5711588"/>
+          </a:xfrm>
+          <a:custGeom>
+            <a:avLst/>
+            <a:gdLst>
+              <a:gd name="connsiteX0" fmla="*/ 0 w 5380074"/>
+              <a:gd name="connsiteY0" fmla="*/ 6858000 h 6858000"/>
+              <a:gd name="connsiteX1" fmla="*/ 0 w 5380074"/>
+              <a:gd name="connsiteY1" fmla="*/ 0 h 6858000"/>
+              <a:gd name="connsiteX2" fmla="*/ 5380074 w 5380074"/>
+              <a:gd name="connsiteY2" fmla="*/ 6858000 h 6858000"/>
+              <a:gd name="connsiteX3" fmla="*/ 0 w 5380074"/>
+              <a:gd name="connsiteY3" fmla="*/ 6858000 h 6858000"/>
+              <a:gd name="connsiteX0" fmla="*/ 0 w 5380074"/>
+              <a:gd name="connsiteY0" fmla="*/ 5697940 h 6858000"/>
+              <a:gd name="connsiteX1" fmla="*/ 0 w 5380074"/>
+              <a:gd name="connsiteY1" fmla="*/ 0 h 6858000"/>
+              <a:gd name="connsiteX2" fmla="*/ 5380074 w 5380074"/>
+              <a:gd name="connsiteY2" fmla="*/ 6858000 h 6858000"/>
+              <a:gd name="connsiteX3" fmla="*/ 0 w 5380074"/>
+              <a:gd name="connsiteY3" fmla="*/ 5697940 h 6858000"/>
+              <a:gd name="connsiteX0" fmla="*/ 0 w 4902402"/>
+              <a:gd name="connsiteY0" fmla="*/ 5697940 h 5725236"/>
+              <a:gd name="connsiteX1" fmla="*/ 0 w 4902402"/>
+              <a:gd name="connsiteY1" fmla="*/ 0 h 5725236"/>
+              <a:gd name="connsiteX2" fmla="*/ 4902402 w 4902402"/>
+              <a:gd name="connsiteY2" fmla="*/ 5725236 h 5725236"/>
+              <a:gd name="connsiteX3" fmla="*/ 0 w 4902402"/>
+              <a:gd name="connsiteY3" fmla="*/ 5697940 h 5725236"/>
+              <a:gd name="connsiteX0" fmla="*/ 0 w 6458246"/>
+              <a:gd name="connsiteY0" fmla="*/ 5697940 h 5711588"/>
+              <a:gd name="connsiteX1" fmla="*/ 0 w 6458246"/>
+              <a:gd name="connsiteY1" fmla="*/ 0 h 5711588"/>
+              <a:gd name="connsiteX2" fmla="*/ 6458246 w 6458246"/>
+              <a:gd name="connsiteY2" fmla="*/ 5711588 h 5711588"/>
+              <a:gd name="connsiteX3" fmla="*/ 0 w 6458246"/>
+              <a:gd name="connsiteY3" fmla="*/ 5697940 h 5711588"/>
+            </a:gdLst>
+            <a:ahLst/>
+            <a:cxnLst>
+              <a:cxn ang="0">
+                <a:pos x="connsiteX0" y="connsiteY0"/>
+              </a:cxn>
+              <a:cxn ang="0">
+                <a:pos x="connsiteX1" y="connsiteY1"/>
+              </a:cxn>
+              <a:cxn ang="0">
+                <a:pos x="connsiteX2" y="connsiteY2"/>
+              </a:cxn>
+              <a:cxn ang="0">
+                <a:pos x="connsiteX3" y="connsiteY3"/>
+              </a:cxn>
+            </a:cxnLst>
+            <a:rect l="l" t="t" r="r" b="b"/>
+            <a:pathLst>
+              <a:path w="6458246" h="5711588">
+                <a:moveTo>
+                  <a:pt x="0" y="5697940"/>
+                </a:moveTo>
+                <a:lnTo>
+                  <a:pt x="0" y="0"/>
+                </a:lnTo>
+                <a:lnTo>
+                  <a:pt x="6458246" y="5711588"/>
+                </a:lnTo>
+                <a:lnTo>
+                  <a:pt x="0" y="5697940"/>
+                </a:lnTo>
+                <a:close/>
+              </a:path>
+            </a:pathLst>
+          </a:custGeom>
+          <a:solidFill>
+            <a:schemeClr val="bg2">
+              <a:lumMod val="10000"/>
+              <a:alpha val="4000"/>
+            </a:schemeClr>
+          </a:solidFill>
+          <a:ln>
+            <a:noFill/>
+          </a:ln>
+        </p:spPr>
+        <p:style>
+          <a:lnRef idx="2">
+            <a:schemeClr val="accent1">
+              <a:shade val="50000"/>
+            </a:schemeClr>
+          </a:lnRef>
+          <a:fillRef idx="1">
+            <a:schemeClr val="accent1"/>
+          </a:fillRef>
+          <a:effectRef idx="0">
+            <a:schemeClr val="accent1"/>
+          </a:effectRef>
+          <a:fontRef idx="minor">
+            <a:schemeClr val="lt1"/>
+          </a:fontRef>
+        </p:style>
+        <p:txBody>
+          <a:bodyPr rtlCol="0" anchor="ctr"/>
+          <a:lstStyle/>
+          <a:p>
+            <a:pPr algn="ctr"/>
+            <a:endParaRPr lang="ru-RU" dirty="0"/>
+          </a:p>
+        </p:txBody>
+      </p:sp>
+      <p:sp>
+        <p:nvSpPr>
+          <p:cNvPr id="12" name="Параллелограмм 17"/>
+          <p:cNvSpPr/>
+          <p:nvPr/>
+        </p:nvSpPr>
+        <p:spPr>
+          <a:xfrm>
+            <a:off x="-5118" y="-9527"/>
+            <a:ext cx="5385192" cy="6872928"/>
+          </a:xfrm>
+          <a:custGeom>
+            <a:avLst/>
+            <a:gdLst>
+              <a:gd name="connsiteX0" fmla="*/ 0 w 7099692"/>
+              <a:gd name="connsiteY0" fmla="*/ 6858000 h 6858000"/>
+              <a:gd name="connsiteX1" fmla="*/ 1714500 w 7099692"/>
+              <a:gd name="connsiteY1" fmla="*/ 0 h 6858000"/>
+              <a:gd name="connsiteX2" fmla="*/ 7099692 w 7099692"/>
+              <a:gd name="connsiteY2" fmla="*/ 0 h 6858000"/>
+              <a:gd name="connsiteX3" fmla="*/ 5385192 w 7099692"/>
+              <a:gd name="connsiteY3" fmla="*/ 6858000 h 6858000"/>
+              <a:gd name="connsiteX4" fmla="*/ 0 w 7099692"/>
+              <a:gd name="connsiteY4" fmla="*/ 6858000 h 6858000"/>
+              <a:gd name="connsiteX0" fmla="*/ 5118 w 5385192"/>
+              <a:gd name="connsiteY0" fmla="*/ 6844353 h 6858000"/>
+              <a:gd name="connsiteX1" fmla="*/ 0 w 5385192"/>
+              <a:gd name="connsiteY1" fmla="*/ 0 h 6858000"/>
+              <a:gd name="connsiteX2" fmla="*/ 5385192 w 5385192"/>
+              <a:gd name="connsiteY2" fmla="*/ 0 h 6858000"/>
+              <a:gd name="connsiteX3" fmla="*/ 3670692 w 5385192"/>
+              <a:gd name="connsiteY3" fmla="*/ 6858000 h 6858000"/>
+              <a:gd name="connsiteX4" fmla="*/ 5118 w 5385192"/>
+              <a:gd name="connsiteY4" fmla="*/ 6844353 h 6858000"/>
+              <a:gd name="connsiteX0" fmla="*/ 5118 w 5385192"/>
+              <a:gd name="connsiteY0" fmla="*/ 6844353 h 6871648"/>
+              <a:gd name="connsiteX1" fmla="*/ 0 w 5385192"/>
+              <a:gd name="connsiteY1" fmla="*/ 0 h 6871648"/>
+              <a:gd name="connsiteX2" fmla="*/ 5385192 w 5385192"/>
+              <a:gd name="connsiteY2" fmla="*/ 0 h 6871648"/>
+              <a:gd name="connsiteX3" fmla="*/ 2633462 w 5385192"/>
+              <a:gd name="connsiteY3" fmla="*/ 6871648 h 6871648"/>
+              <a:gd name="connsiteX4" fmla="*/ 5118 w 5385192"/>
+              <a:gd name="connsiteY4" fmla="*/ 6844353 h 6871648"/>
+              <a:gd name="connsiteX0" fmla="*/ 0 w 5389599"/>
+              <a:gd name="connsiteY0" fmla="*/ 6853878 h 6871648"/>
+              <a:gd name="connsiteX1" fmla="*/ 4407 w 5389599"/>
+              <a:gd name="connsiteY1" fmla="*/ 0 h 6871648"/>
+              <a:gd name="connsiteX2" fmla="*/ 5389599 w 5389599"/>
+              <a:gd name="connsiteY2" fmla="*/ 0 h 6871648"/>
+              <a:gd name="connsiteX3" fmla="*/ 2637869 w 5389599"/>
+              <a:gd name="connsiteY3" fmla="*/ 6871648 h 6871648"/>
+              <a:gd name="connsiteX4" fmla="*/ 0 w 5389599"/>
+              <a:gd name="connsiteY4" fmla="*/ 6853878 h 6871648"/>
+              <a:gd name="connsiteX0" fmla="*/ 24168 w 5385192"/>
+              <a:gd name="connsiteY0" fmla="*/ 6872928 h 6872928"/>
+              <a:gd name="connsiteX1" fmla="*/ 0 w 5385192"/>
+              <a:gd name="connsiteY1" fmla="*/ 0 h 6872928"/>
+              <a:gd name="connsiteX2" fmla="*/ 5385192 w 5385192"/>
+              <a:gd name="connsiteY2" fmla="*/ 0 h 6872928"/>
+              <a:gd name="connsiteX3" fmla="*/ 2633462 w 5385192"/>
+              <a:gd name="connsiteY3" fmla="*/ 6871648 h 6872928"/>
+              <a:gd name="connsiteX4" fmla="*/ 24168 w 5385192"/>
+              <a:gd name="connsiteY4" fmla="*/ 6872928 h 6872928"/>
+            </a:gdLst>
+            <a:ahLst/>
+            <a:cxnLst>
+              <a:cxn ang="0">
+                <a:pos x="connsiteX0" y="connsiteY0"/>
+              </a:cxn>
+              <a:cxn ang="0">
+                <a:pos x="connsiteX1" y="connsiteY1"/>
+              </a:cxn>
+              <a:cxn ang="0">
+                <a:pos x="connsiteX2" y="connsiteY2"/>
+              </a:cxn>
+              <a:cxn ang="0">
+                <a:pos x="connsiteX3" y="connsiteY3"/>
+              </a:cxn>
+              <a:cxn ang="0">
+                <a:pos x="connsiteX4" y="connsiteY4"/>
+              </a:cxn>
+            </a:cxnLst>
+            <a:rect l="l" t="t" r="r" b="b"/>
+            <a:pathLst>
+              <a:path w="5385192" h="6872928">
+                <a:moveTo>
+                  <a:pt x="24168" y="6872928"/>
+                </a:moveTo>
+                <a:lnTo>
+                  <a:pt x="0" y="0"/>
+                </a:lnTo>
+                <a:lnTo>
+                  <a:pt x="5385192" y="0"/>
+                </a:lnTo>
+                <a:lnTo>
+                  <a:pt x="2633462" y="6871648"/>
+                </a:lnTo>
+                <a:lnTo>
+                  <a:pt x="24168" y="6872928"/>
+                </a:lnTo>
+                <a:close/>
+              </a:path>
+            </a:pathLst>
+          </a:custGeom>
+          <a:solidFill>
+            <a:schemeClr val="bg2">
+              <a:lumMod val="10000"/>
+              <a:alpha val="4000"/>
+            </a:schemeClr>
+          </a:solidFill>
+          <a:ln>
+            <a:noFill/>
+          </a:ln>
+        </p:spPr>
+        <p:style>
+          <a:lnRef idx="2">
+            <a:schemeClr val="accent1">
+              <a:shade val="50000"/>
+            </a:schemeClr>
+          </a:lnRef>
+          <a:fillRef idx="1">
+            <a:schemeClr val="accent1"/>
+          </a:fillRef>
+          <a:effectRef idx="0">
+            <a:schemeClr val="accent1"/>
+          </a:effectRef>
+          <a:fontRef idx="minor">
+            <a:schemeClr val="lt1"/>
+          </a:fontRef>
+        </p:style>
+        <p:txBody>
+          <a:bodyPr rtlCol="0" anchor="ctr"/>
+          <a:lstStyle/>
+          <a:p>
+            <a:pPr algn="ctr"/>
+            <a:endParaRPr lang="ru-RU" dirty="0">
+              <a:solidFill>
+                <a:schemeClr val="bg2">
+                  <a:lumMod val="25000"/>
+                </a:schemeClr>
+              </a:solidFill>
+            </a:endParaRPr>
+          </a:p>
+        </p:txBody>
+      </p:sp>
+      <p:sp>
+        <p:nvSpPr>
+          <p:cNvPr id="2" name="TextBox 1"/>
+          <p:cNvSpPr txBox="1"/>
+          <p:nvPr/>
+        </p:nvSpPr>
+        <p:spPr>
+          <a:xfrm>
+            <a:off x="507999" y="641085"/>
+            <a:ext cx="4528457" cy="461665"/>
+          </a:xfrm>
+          <a:prstGeom prst="rect">
+            <a:avLst/>
+          </a:prstGeom>
+          <a:noFill/>
+        </p:spPr>
+        <p:txBody>
+          <a:bodyPr wrap="square" rtlCol="0">
+            <a:spAutoFit/>
+          </a:bodyPr>
+          <a:lstStyle/>
+          <a:p>
+            <a:r>
+              <a:rPr lang="en-US" altLang="ko-KR" sz="2400" b="1" dirty="0"/>
               <a:t>#5. Django channels </a:t>
             </a:r>
             <a:endParaRPr lang="ko-KR" altLang="en-US" sz="2400" b="1" dirty="0"/>
@@ -5517,30 +6107,29 @@
           <a:lstStyle/>
           <a:p>
             <a:r>
-              <a:rPr lang="en-US" altLang="ko-KR" b="1" dirty="0" smtClean="0"/>
+              <a:rPr lang="en-US" altLang="ko-KR" b="1" dirty="0"/>
               <a:t>Django </a:t>
             </a:r>
             <a:r>
-              <a:rPr lang="ko-KR" altLang="en-US" b="1" dirty="0" smtClean="0"/>
+              <a:rPr lang="ko-KR" altLang="en-US" b="1" dirty="0"/>
               <a:t>에서는 </a:t>
             </a:r>
             <a:r>
-              <a:rPr lang="en-US" altLang="ko-KR" b="1" dirty="0" smtClean="0"/>
+              <a:rPr lang="en-US" altLang="ko-KR" b="1" dirty="0"/>
               <a:t>channels</a:t>
             </a:r>
             <a:r>
-              <a:rPr lang="ko-KR" altLang="en-US" b="1" dirty="0" smtClean="0"/>
+              <a:rPr lang="ko-KR" altLang="en-US" b="1" dirty="0"/>
               <a:t>를 통해 </a:t>
             </a:r>
             <a:r>
-              <a:rPr lang="en-US" altLang="ko-KR" b="1" dirty="0" smtClean="0"/>
+              <a:rPr lang="en-US" altLang="ko-KR" b="1" dirty="0"/>
               <a:t>Web Socket</a:t>
             </a:r>
             <a:r>
-              <a:rPr lang="ko-KR" altLang="en-US" b="1" dirty="0" smtClean="0"/>
+              <a:rPr lang="ko-KR" altLang="en-US" b="1" dirty="0"/>
               <a:t>을 제공 </a:t>
             </a:r>
-            <a:endParaRPr lang="ko-KR" altLang="en-US" b="1" dirty="0"/>
           </a:p>
         </p:txBody>
       </p:sp>
@@ -5567,7 +6156,7 @@
           <a:lstStyle/>
           <a:p>
             <a:r>
-              <a:rPr lang="en-US" altLang="ko-KR" b="1" dirty="0" smtClean="0"/>
+              <a:rPr lang="en-US" altLang="ko-KR" b="1" dirty="0"/>
               <a:t>Channels</a:t>
             </a:r>
           </a:p>
@@ -5577,55 +6166,55 @@
               <a:buChar char="•"/>
             </a:pPr>
             <a:r>
-              <a:rPr lang="en-US" altLang="ko-KR" sz="1600" dirty="0" smtClean="0"/>
+              <a:rPr lang="en-US" altLang="ko-KR" sz="1600" dirty="0"/>
               <a:t>Django</a:t>
             </a:r>
             <a:r>
-              <a:rPr lang="ko-KR" altLang="en-US" sz="1600" dirty="0" smtClean="0"/>
+              <a:rPr lang="ko-KR" altLang="en-US" sz="1600" dirty="0"/>
               <a:t>에 새로운 계층을 추가해주며</a:t>
             </a:r>
             <a:r>
-              <a:rPr lang="en-US" altLang="ko-KR" sz="1600" dirty="0" smtClean="0"/>
+              <a:rPr lang="en-US" altLang="ko-KR" sz="1600" dirty="0"/>
               <a:t>, </a:t>
             </a:r>
             <a:r>
-              <a:rPr lang="ko-KR" altLang="en-US" sz="1600" dirty="0" smtClean="0"/>
+              <a:rPr lang="ko-KR" altLang="en-US" sz="1600" dirty="0"/>
               <a:t>이는 </a:t>
             </a:r>
             <a:r>
-              <a:rPr lang="en-US" altLang="ko-KR" sz="1600" dirty="0" smtClean="0"/>
+              <a:rPr lang="en-US" altLang="ko-KR" sz="1600" dirty="0"/>
               <a:t>HTTP, </a:t>
             </a:r>
             <a:r>
-              <a:rPr lang="en-US" altLang="ko-KR" sz="1600" dirty="0" err="1" smtClean="0"/>
+              <a:rPr lang="en-US" altLang="ko-KR" sz="1600" dirty="0" err="1"/>
               <a:t>Websocket</a:t>
             </a:r>
             <a:r>
-              <a:rPr lang="en-US" altLang="ko-KR" sz="1600" dirty="0" smtClean="0"/>
+              <a:rPr lang="en-US" altLang="ko-KR" sz="1600" dirty="0"/>
               <a:t> handling, </a:t>
             </a:r>
             <a:r>
-              <a:rPr lang="en-US" altLang="ko-KR" sz="1600" dirty="0" err="1" smtClean="0"/>
+              <a:rPr lang="en-US" altLang="ko-KR" sz="1600" dirty="0" err="1"/>
               <a:t>runnung</a:t>
             </a:r>
             <a:r>
-              <a:rPr lang="en-US" altLang="ko-KR" sz="1600" dirty="0" smtClean="0"/>
+              <a:rPr lang="en-US" altLang="ko-KR" sz="1600" dirty="0"/>
               <a:t> views, </a:t>
             </a:r>
             <a:r>
-              <a:rPr lang="en-US" altLang="ko-KR" sz="1600" dirty="0" err="1" smtClean="0"/>
+              <a:rPr lang="en-US" altLang="ko-KR" sz="1600" dirty="0" err="1"/>
               <a:t>websocket</a:t>
             </a:r>
             <a:r>
-              <a:rPr lang="en-US" altLang="ko-KR" sz="1600" dirty="0" smtClean="0"/>
+              <a:rPr lang="en-US" altLang="ko-KR" sz="1600" dirty="0"/>
               <a:t> handler and background tasks </a:t>
             </a:r>
             <a:r>
-              <a:rPr lang="ko-KR" altLang="en-US" sz="1600" dirty="0" smtClean="0"/>
+              <a:rPr lang="ko-KR" altLang="en-US" sz="1600" dirty="0"/>
               <a:t>와 같은 기능을 수행한다</a:t>
             </a:r>
             <a:r>
-              <a:rPr lang="en-US" altLang="ko-KR" sz="1600" dirty="0" smtClean="0"/>
+              <a:rPr lang="en-US" altLang="ko-KR" sz="1600" dirty="0"/>
               <a:t>. </a:t>
             </a:r>
           </a:p>
@@ -5635,30 +6224,30 @@
               <a:buChar char="•"/>
             </a:pPr>
             <a:r>
-              <a:rPr lang="en-US" altLang="ko-KR" sz="1600" dirty="0" smtClean="0"/>
+              <a:rPr lang="en-US" altLang="ko-KR" sz="1600" dirty="0"/>
               <a:t>Django </a:t>
             </a:r>
             <a:r>
-              <a:rPr lang="ko-KR" altLang="en-US" sz="1600" dirty="0" smtClean="0"/>
+              <a:rPr lang="ko-KR" altLang="en-US" sz="1600" dirty="0"/>
               <a:t>자체는 동기식이지만</a:t>
             </a:r>
             <a:r>
-              <a:rPr lang="en-US" altLang="ko-KR" sz="1600" dirty="0" smtClean="0"/>
+              <a:rPr lang="en-US" altLang="ko-KR" sz="1600" dirty="0"/>
               <a:t>, Channels</a:t>
             </a:r>
             <a:r>
-              <a:rPr lang="ko-KR" altLang="en-US" sz="1600" dirty="0" smtClean="0"/>
+              <a:rPr lang="ko-KR" altLang="en-US" sz="1600" dirty="0"/>
               <a:t>를 사용하면 연결과 소켓을 비 동기 처리한다</a:t>
             </a:r>
             <a:r>
-              <a:rPr lang="en-US" altLang="ko-KR" sz="1600" dirty="0" smtClean="0"/>
+              <a:rPr lang="en-US" altLang="ko-KR" sz="1600" dirty="0"/>
               <a:t>.</a:t>
             </a:r>
             <a:r>
-              <a:rPr lang="ko-KR" altLang="en-US" sz="1600" dirty="0" smtClean="0"/>
+              <a:rPr lang="ko-KR" altLang="en-US" sz="1600" dirty="0"/>
               <a:t> </a:t>
             </a:r>
-            <a:endParaRPr lang="en-US" altLang="ko-KR" sz="1600" dirty="0" smtClean="0"/>
+            <a:endParaRPr lang="en-US" altLang="ko-KR" sz="1600" dirty="0"/>
           </a:p>
           <a:p>
             <a:pPr marL="285750" indent="-285750">
@@ -5666,14 +6255,14 @@
               <a:buChar char="•"/>
             </a:pPr>
             <a:r>
-              <a:rPr lang="en-US" altLang="ko-KR" sz="1600" dirty="0" smtClean="0"/>
+              <a:rPr lang="en-US" altLang="ko-KR" sz="1600" dirty="0"/>
               <a:t>ASGI </a:t>
             </a:r>
             <a:r>
-              <a:rPr lang="ko-KR" altLang="en-US" sz="1600" dirty="0" smtClean="0"/>
+              <a:rPr lang="ko-KR" altLang="en-US" sz="1600" dirty="0"/>
               <a:t>프로토콜을 통해 통신을 수행</a:t>
             </a:r>
-            <a:endParaRPr lang="en-US" altLang="ko-KR" sz="1600" dirty="0" smtClean="0"/>
+            <a:endParaRPr lang="en-US" altLang="ko-KR" sz="1600" dirty="0"/>
           </a:p>
           <a:p>
             <a:pPr marL="285750" indent="-285750">
@@ -5681,7 +6270,7 @@
               <a:buChar char="•"/>
             </a:pPr>
             <a:r>
-              <a:rPr lang="en-US" altLang="ko-KR" sz="1600" dirty="0" smtClean="0"/>
+              <a:rPr lang="en-US" altLang="ko-KR" sz="1600" dirty="0"/>
               <a:t>HTTP</a:t>
             </a:r>
             <a:r>
@@ -5689,22 +6278,22 @@
               <a:t> </a:t>
             </a:r>
             <a:r>
-              <a:rPr lang="en-US" altLang="ko-KR" sz="1600" dirty="0" smtClean="0"/>
+              <a:rPr lang="en-US" altLang="ko-KR" sz="1600" dirty="0"/>
               <a:t>request</a:t>
             </a:r>
             <a:r>
-              <a:rPr lang="ko-KR" altLang="en-US" sz="1600" dirty="0" smtClean="0"/>
+              <a:rPr lang="ko-KR" altLang="en-US" sz="1600" dirty="0"/>
               <a:t>는 여전히 같은 방식으로 작동하지만</a:t>
             </a:r>
             <a:r>
-              <a:rPr lang="en-US" altLang="ko-KR" sz="1600" dirty="0" smtClean="0"/>
+              <a:rPr lang="en-US" altLang="ko-KR" sz="1600" dirty="0"/>
               <a:t>, </a:t>
             </a:r>
             <a:r>
-              <a:rPr lang="ko-KR" altLang="en-US" sz="1600" dirty="0" smtClean="0"/>
+              <a:rPr lang="ko-KR" altLang="en-US" sz="1600" dirty="0"/>
               <a:t>채널을 경유 </a:t>
             </a:r>
-            <a:endParaRPr lang="en-US" altLang="ko-KR" sz="1600" dirty="0" smtClean="0"/>
+            <a:endParaRPr lang="en-US" altLang="ko-KR" sz="1600" dirty="0"/>
           </a:p>
         </p:txBody>
       </p:sp>
@@ -6429,7 +7018,7 @@
           <a:lstStyle/>
           <a:p>
             <a:r>
-              <a:rPr lang="en-US" altLang="ko-KR" sz="2400" b="1" dirty="0" smtClean="0"/>
+              <a:rPr lang="en-US" altLang="ko-KR" sz="2400" b="1" dirty="0"/>
               <a:t>#5. Django channels</a:t>
             </a:r>
             <a:endParaRPr lang="ko-KR" altLang="en-US" sz="2400" b="1" dirty="0"/>
@@ -6535,14 +7124,13 @@
           <a:lstStyle/>
           <a:p>
             <a:r>
-              <a:rPr lang="en-US" altLang="ko-KR" sz="2400" b="1" dirty="0" smtClean="0"/>
+              <a:rPr lang="en-US" altLang="ko-KR" sz="2400" b="1" dirty="0"/>
               <a:t>Channels</a:t>
             </a:r>
             <a:r>
-              <a:rPr lang="ko-KR" altLang="en-US" sz="2400" b="1" dirty="0" smtClean="0"/>
+              <a:rPr lang="ko-KR" altLang="en-US" sz="2400" b="1" dirty="0"/>
               <a:t>로 인해 추가된 것들</a:t>
             </a:r>
-            <a:endParaRPr lang="ko-KR" altLang="en-US" sz="2400" b="1" dirty="0"/>
           </a:p>
         </p:txBody>
       </p:sp>
@@ -6569,25 +7157,25 @@
           <a:lstStyle/>
           <a:p>
             <a:r>
-              <a:rPr lang="en-US" altLang="ko-KR" sz="2400" b="1" dirty="0" err="1" smtClean="0"/>
+              <a:rPr lang="en-US" altLang="ko-KR" sz="2400" b="1" dirty="0" err="1"/>
               <a:t>i</a:t>
             </a:r>
             <a:r>
-              <a:rPr lang="en-US" altLang="ko-KR" sz="2400" b="1" dirty="0" smtClean="0"/>
+              <a:rPr lang="en-US" altLang="ko-KR" sz="2400" b="1" dirty="0"/>
               <a:t>) Consumers</a:t>
             </a:r>
           </a:p>
           <a:p>
             <a:r>
-              <a:rPr lang="en-US" altLang="ko-KR" dirty="0" smtClean="0"/>
+              <a:rPr lang="en-US" altLang="ko-KR" dirty="0"/>
               <a:t>Channels</a:t>
             </a:r>
             <a:r>
-              <a:rPr lang="ko-KR" altLang="en-US" dirty="0" smtClean="0"/>
+              <a:rPr lang="ko-KR" altLang="en-US" dirty="0"/>
               <a:t>가 </a:t>
             </a:r>
             <a:r>
-              <a:rPr lang="en-US" altLang="ko-KR" dirty="0" err="1" smtClean="0"/>
+              <a:rPr lang="en-US" altLang="ko-KR" dirty="0" err="1"/>
               <a:t>WebSocket</a:t>
             </a:r>
             <a:r>
@@ -6595,40 +7183,40 @@
               <a:t> </a:t>
             </a:r>
             <a:r>
-              <a:rPr lang="ko-KR" altLang="en-US" dirty="0" smtClean="0"/>
+              <a:rPr lang="ko-KR" altLang="en-US" dirty="0"/>
               <a:t>연결을 받아들이면</a:t>
             </a:r>
             <a:r>
-              <a:rPr lang="en-US" altLang="ko-KR" dirty="0" smtClean="0"/>
+              <a:rPr lang="en-US" altLang="ko-KR" dirty="0"/>
               <a:t>, </a:t>
             </a:r>
           </a:p>
           <a:p>
             <a:r>
-              <a:rPr lang="en-US" altLang="ko-KR" dirty="0" smtClean="0"/>
+              <a:rPr lang="en-US" altLang="ko-KR" dirty="0"/>
               <a:t>root routing configuration (routing.py)</a:t>
             </a:r>
             <a:r>
-              <a:rPr lang="ko-KR" altLang="en-US" dirty="0" smtClean="0"/>
+              <a:rPr lang="ko-KR" altLang="en-US" dirty="0"/>
               <a:t>에서 </a:t>
             </a:r>
-            <a:endParaRPr lang="en-US" altLang="ko-KR" dirty="0" smtClean="0"/>
-          </a:p>
-          <a:p>
-            <a:r>
-              <a:rPr lang="en-US" altLang="ko-KR" dirty="0" smtClean="0"/>
+            <a:endParaRPr lang="en-US" altLang="ko-KR" dirty="0"/>
+          </a:p>
+          <a:p>
+            <a:r>
+              <a:rPr lang="en-US" altLang="ko-KR" dirty="0"/>
               <a:t>consumer</a:t>
             </a:r>
             <a:r>
-              <a:rPr lang="ko-KR" altLang="en-US" dirty="0" smtClean="0"/>
+              <a:rPr lang="ko-KR" altLang="en-US" dirty="0"/>
               <a:t>를 찾은 후에</a:t>
             </a:r>
             <a:r>
-              <a:rPr lang="en-US" altLang="ko-KR" dirty="0" smtClean="0"/>
+              <a:rPr lang="en-US" altLang="ko-KR" dirty="0"/>
               <a:t>, </a:t>
             </a:r>
             <a:r>
-              <a:rPr lang="ko-KR" altLang="en-US" dirty="0" smtClean="0"/>
+              <a:rPr lang="ko-KR" altLang="en-US" dirty="0"/>
               <a:t>이벤트를 처리하기</a:t>
             </a:r>
             <a:r>
@@ -6636,83 +7224,82 @@
               <a:t> </a:t>
             </a:r>
             <a:r>
-              <a:rPr lang="ko-KR" altLang="en-US" dirty="0" smtClean="0"/>
+              <a:rPr lang="ko-KR" altLang="en-US" dirty="0"/>
               <a:t>위한 함수들을 호출한다</a:t>
             </a:r>
             <a:r>
-              <a:rPr lang="en-US" altLang="ko-KR" dirty="0" smtClean="0"/>
+              <a:rPr lang="en-US" altLang="ko-KR" dirty="0"/>
               <a:t>.</a:t>
             </a:r>
           </a:p>
           <a:p>
             <a:r>
-              <a:rPr lang="ko-KR" altLang="en-US" dirty="0" smtClean="0"/>
+              <a:rPr lang="ko-KR" altLang="en-US" dirty="0"/>
               <a:t>즉</a:t>
-            </a:r>
-            <a:r>
-              <a:rPr lang="en-US" altLang="ko-KR" dirty="0" smtClean="0"/>
-              <a:t> </a:t>
-            </a:r>
-            <a:r>
-              <a:rPr lang="ko-KR" altLang="en-US" dirty="0" smtClean="0"/>
-              <a:t>소비자는 클라이언트의 연결을 처리해줌 </a:t>
-            </a:r>
-            <a:endParaRPr lang="en-US" altLang="ko-KR" dirty="0" smtClean="0"/>
-          </a:p>
-          <a:p>
-            <a:endParaRPr lang="en-US" altLang="ko-KR" dirty="0" smtClean="0"/>
-          </a:p>
-          <a:p>
-            <a:r>
-              <a:rPr lang="en-US" altLang="ko-KR" sz="2400" b="1" dirty="0" smtClean="0"/>
-              <a:t>ii) Channel layer</a:t>
-            </a:r>
-          </a:p>
-          <a:p>
-            <a:r>
-              <a:rPr lang="en-US" altLang="ko-KR" dirty="0" smtClean="0"/>
-              <a:t>Channel layer</a:t>
-            </a:r>
-            <a:r>
-              <a:rPr lang="ko-KR" altLang="en-US" dirty="0" smtClean="0"/>
-              <a:t>는 의사소통 시스템으로</a:t>
             </a:r>
             <a:r>
               <a:rPr lang="en-US" altLang="ko-KR" dirty="0"/>
               <a:t> </a:t>
             </a:r>
-            <a:endParaRPr lang="en-US" altLang="ko-KR" dirty="0" smtClean="0"/>
-          </a:p>
-          <a:p>
-            <a:r>
-              <a:rPr lang="ko-KR" altLang="en-US" dirty="0" smtClean="0"/>
+            <a:r>
+              <a:rPr lang="ko-KR" altLang="en-US" dirty="0"/>
+              <a:t>소비자는 클라이언트의 연결을 처리해줌 </a:t>
+            </a:r>
+            <a:endParaRPr lang="en-US" altLang="ko-KR" dirty="0"/>
+          </a:p>
+          <a:p>
+            <a:endParaRPr lang="en-US" altLang="ko-KR" dirty="0"/>
+          </a:p>
+          <a:p>
+            <a:r>
+              <a:rPr lang="en-US" altLang="ko-KR" sz="2400" b="1" dirty="0"/>
+              <a:t>ii) Channel layer</a:t>
+            </a:r>
+          </a:p>
+          <a:p>
+            <a:r>
+              <a:rPr lang="en-US" altLang="ko-KR" dirty="0"/>
+              <a:t>Channel layer</a:t>
+            </a:r>
+            <a:r>
+              <a:rPr lang="ko-KR" altLang="en-US" dirty="0"/>
+              <a:t>는 의사소통 시스템으로</a:t>
+            </a:r>
+            <a:r>
+              <a:rPr lang="en-US" altLang="ko-KR" dirty="0"/>
+              <a:t> </a:t>
+            </a:r>
+          </a:p>
+          <a:p>
+            <a:r>
+              <a:rPr lang="ko-KR" altLang="en-US" dirty="0"/>
               <a:t>많은 </a:t>
             </a:r>
             <a:r>
-              <a:rPr lang="en-US" altLang="ko-KR" dirty="0" smtClean="0"/>
+              <a:rPr lang="en-US" altLang="ko-KR" dirty="0"/>
               <a:t>consumers </a:t>
             </a:r>
             <a:r>
-              <a:rPr lang="ko-KR" altLang="en-US" dirty="0" smtClean="0"/>
+              <a:rPr lang="ko-KR" altLang="en-US" dirty="0"/>
               <a:t>또는 </a:t>
             </a:r>
             <a:r>
-              <a:rPr lang="en-US" altLang="ko-KR" dirty="0" smtClean="0"/>
+              <a:rPr lang="en-US" altLang="ko-KR" dirty="0"/>
               <a:t>Django</a:t>
             </a:r>
             <a:r>
-              <a:rPr lang="ko-KR" altLang="en-US" dirty="0" smtClean="0"/>
+              <a:rPr lang="ko-KR" altLang="en-US" dirty="0"/>
               <a:t>의 다른 부분들과</a:t>
             </a:r>
-            <a:endParaRPr lang="en-US" altLang="ko-KR" dirty="0" smtClean="0"/>
-          </a:p>
-          <a:p>
-            <a:r>
-              <a:rPr lang="ko-KR" altLang="en-US" dirty="0" smtClean="0"/>
+            <a:endParaRPr lang="en-US" altLang="ko-KR" dirty="0"/>
+          </a:p>
+          <a:p>
+            <a:r>
+              <a:rPr lang="ko-KR" altLang="en-US" dirty="0"/>
               <a:t>의사소통을 할 수 있게 해준다</a:t>
             </a:r>
             <a:r>
-              <a:rPr lang="en-US" altLang="ko-KR" dirty="0" smtClean="0"/>
+              <a:rPr lang="en-US" altLang="ko-KR" dirty="0"/>
               <a:t>.</a:t>
             </a:r>
           </a:p>
@@ -6743,13 +7330,6 @@
       </p:transition>
     </mc:Fallback>
   </mc:AlternateContent>
-  <p:timing>
-    <p:tnLst>
-      <p:par>
-        <p:cTn id="1" dur="indefinite" restart="never" nodeType="tmRoot"/>
-      </p:par>
-    </p:tnLst>
-  </p:timing>
 </p:sld>
 </file>
 
@@ -7055,14 +7635,13 @@
           <a:lstStyle/>
           <a:p>
             <a:r>
-              <a:rPr lang="en-US" altLang="ko-KR" sz="2400" b="1" dirty="0" smtClean="0"/>
+              <a:rPr lang="en-US" altLang="ko-KR" sz="2400" b="1" dirty="0"/>
               <a:t>#6. </a:t>
             </a:r>
             <a:r>
-              <a:rPr lang="ko-KR" altLang="en-US" sz="2400" b="1" dirty="0" smtClean="0"/>
+              <a:rPr lang="ko-KR" altLang="en-US" sz="2400" b="1" dirty="0"/>
               <a:t>기술 실험</a:t>
             </a:r>
-            <a:endParaRPr lang="ko-KR" altLang="en-US" sz="2400" b="1" dirty="0"/>
           </a:p>
         </p:txBody>
       </p:sp>
@@ -7124,14 +7703,13 @@
           <a:lstStyle/>
           <a:p>
             <a:r>
-              <a:rPr lang="en-US" altLang="ko-KR" dirty="0" smtClean="0"/>
+              <a:rPr lang="en-US" altLang="ko-KR" dirty="0"/>
               <a:t>Django </a:t>
             </a:r>
             <a:r>
-              <a:rPr lang="ko-KR" altLang="en-US" dirty="0" smtClean="0"/>
+              <a:rPr lang="ko-KR" altLang="en-US" dirty="0"/>
               <a:t>실시간 채팅</a:t>
             </a:r>
-            <a:endParaRPr lang="ko-KR" altLang="en-US" dirty="0"/>
           </a:p>
         </p:txBody>
       </p:sp>
@@ -7240,32 +7818,32 @@
           <a:lstStyle/>
           <a:p>
             <a:r>
-              <a:rPr lang="ko-KR" altLang="en-US" dirty="0" smtClean="0"/>
+              <a:rPr lang="ko-KR" altLang="en-US" dirty="0"/>
               <a:t>새로 고침을 하지 않고도</a:t>
             </a:r>
             <a:r>
-              <a:rPr lang="en-US" altLang="ko-KR" dirty="0" smtClean="0"/>
+              <a:rPr lang="en-US" altLang="ko-KR" dirty="0"/>
               <a:t>,  </a:t>
             </a:r>
             <a:r>
-              <a:rPr lang="ko-KR" altLang="en-US" dirty="0" smtClean="0"/>
+              <a:rPr lang="ko-KR" altLang="en-US" dirty="0"/>
               <a:t>두 번째 브라우저</a:t>
             </a:r>
-            <a:endParaRPr lang="en-US" altLang="ko-KR" dirty="0" smtClean="0"/>
-          </a:p>
-          <a:p>
-            <a:r>
-              <a:rPr lang="ko-KR" altLang="en-US" dirty="0" smtClean="0"/>
+            <a:endParaRPr lang="en-US" altLang="ko-KR" dirty="0"/>
+          </a:p>
+          <a:p>
+            <a:r>
+              <a:rPr lang="ko-KR" altLang="en-US" dirty="0"/>
               <a:t>에서 보낸 내용이 첫 번째 브라우저에서 </a:t>
             </a:r>
-            <a:endParaRPr lang="en-US" altLang="ko-KR" dirty="0" smtClean="0"/>
-          </a:p>
-          <a:p>
-            <a:r>
-              <a:rPr lang="ko-KR" altLang="en-US" dirty="0" smtClean="0"/>
+            <a:endParaRPr lang="en-US" altLang="ko-KR" dirty="0"/>
+          </a:p>
+          <a:p>
+            <a:r>
+              <a:rPr lang="ko-KR" altLang="en-US" dirty="0"/>
               <a:t>자동으로 표시되는 것을 확인할 수 있었음</a:t>
             </a:r>
-            <a:endParaRPr lang="en-US" altLang="ko-KR" dirty="0" smtClean="0"/>
+            <a:endParaRPr lang="en-US" altLang="ko-KR" dirty="0"/>
           </a:p>
           <a:p>
             <a:endParaRPr lang="ko-KR" altLang="en-US" dirty="0"/>
@@ -7827,14 +8405,13 @@
           <a:lstStyle/>
           <a:p>
             <a:r>
-              <a:rPr lang="en-US" altLang="ko-KR" sz="2400" b="1" dirty="0" smtClean="0"/>
-              <a:t>#7. Django channels </a:t>
-            </a:r>
-            <a:r>
-              <a:rPr lang="ko-KR" altLang="en-US" sz="2400" b="1" dirty="0" smtClean="0"/>
-              <a:t>배포</a:t>
-            </a:r>
-            <a:endParaRPr lang="ko-KR" altLang="en-US" sz="2400" b="1" dirty="0"/>
+              <a:rPr lang="en-US" altLang="ko-KR" sz="2400" b="1" dirty="0"/>
+              <a:t>#6. </a:t>
+            </a:r>
+            <a:r>
+              <a:rPr lang="ko-KR" altLang="en-US" sz="2400" b="1" dirty="0"/>
+              <a:t>기술 실험</a:t>
+            </a:r>
           </a:p>
         </p:txBody>
       </p:sp>
@@ -7881,8 +8458,8 @@
         </p:nvSpPr>
         <p:spPr>
           <a:xfrm>
-            <a:off x="507999" y="1611086"/>
-            <a:ext cx="5660571" cy="2462213"/>
+            <a:off x="507999" y="1440933"/>
+            <a:ext cx="5152572" cy="369332"/>
           </a:xfrm>
           <a:prstGeom prst="rect">
             <a:avLst/>
@@ -7890,149 +8467,27 @@
           <a:noFill/>
         </p:spPr>
         <p:txBody>
-          <a:bodyPr wrap="square" rtlCol="0">
+          <a:bodyPr wrap="square" rtlCol="0" anchor="t">
             <a:spAutoFit/>
           </a:bodyPr>
           <a:lstStyle/>
           <a:p>
             <a:r>
-              <a:rPr lang="ko-KR" altLang="en-US" dirty="0" smtClean="0"/>
-              <a:t>기존 </a:t>
-            </a:r>
-            <a:r>
-              <a:rPr lang="en-US" altLang="ko-KR" dirty="0" smtClean="0"/>
-              <a:t>Django</a:t>
-            </a:r>
-            <a:r>
-              <a:rPr lang="ko-KR" altLang="en-US" dirty="0" smtClean="0"/>
-              <a:t>를 배포하</a:t>
-            </a:r>
-            <a:r>
-              <a:rPr lang="ko-KR" altLang="en-US" dirty="0"/>
-              <a:t>기</a:t>
-            </a:r>
-            <a:r>
-              <a:rPr lang="ko-KR" altLang="en-US" dirty="0" smtClean="0"/>
-              <a:t> 위해서는 </a:t>
-            </a:r>
-            <a:r>
-              <a:rPr lang="en-US" altLang="ko-KR" dirty="0" err="1" smtClean="0"/>
-              <a:t>wsgi</a:t>
-            </a:r>
-            <a:r>
-              <a:rPr lang="en-US" altLang="ko-KR" dirty="0" smtClean="0"/>
-              <a:t>, </a:t>
-            </a:r>
-            <a:r>
-              <a:rPr lang="en-US" altLang="ko-KR" dirty="0" err="1" smtClean="0"/>
-              <a:t>uwsgi</a:t>
-            </a:r>
-            <a:r>
-              <a:rPr lang="ko-KR" altLang="en-US" dirty="0" smtClean="0"/>
-              <a:t>등을 이용하였으나</a:t>
-            </a:r>
-            <a:r>
-              <a:rPr lang="en-US" altLang="ko-KR" dirty="0" smtClean="0"/>
-              <a:t>, Django Channels</a:t>
-            </a:r>
-            <a:r>
-              <a:rPr lang="ko-KR" altLang="en-US" dirty="0" smtClean="0"/>
-              <a:t>를 배포하기 위해서는</a:t>
-            </a:r>
-            <a:endParaRPr lang="en-US" altLang="ko-KR" dirty="0" smtClean="0"/>
-          </a:p>
-          <a:p>
-            <a:r>
-              <a:rPr lang="en-US" altLang="ko-KR" dirty="0" err="1"/>
-              <a:t>a</a:t>
-            </a:r>
-            <a:r>
-              <a:rPr lang="en-US" altLang="ko-KR" dirty="0" err="1" smtClean="0"/>
-              <a:t>sgi</a:t>
-            </a:r>
-            <a:r>
-              <a:rPr lang="ko-KR" altLang="en-US" dirty="0" smtClean="0"/>
-              <a:t>라는 것을 사용해야 한다</a:t>
-            </a:r>
-            <a:r>
-              <a:rPr lang="en-US" altLang="ko-KR" dirty="0" smtClean="0"/>
-              <a:t>. </a:t>
-            </a:r>
-            <a:r>
-              <a:rPr lang="ko-KR" altLang="en-US" dirty="0" smtClean="0"/>
-              <a:t> </a:t>
-            </a:r>
-            <a:endParaRPr lang="en-US" altLang="ko-KR" dirty="0" smtClean="0"/>
-          </a:p>
-          <a:p>
-            <a:endParaRPr lang="en-US" altLang="ko-KR" dirty="0" smtClean="0"/>
-          </a:p>
-          <a:p>
-            <a:r>
-              <a:rPr lang="en-US" altLang="ko-KR" sz="2400" b="1" dirty="0" smtClean="0"/>
-              <a:t>ASGI</a:t>
-            </a:r>
-            <a:endParaRPr lang="en-US" altLang="ko-KR" sz="2400" b="1" dirty="0"/>
-          </a:p>
-          <a:p>
-            <a:r>
-              <a:rPr lang="en-US" altLang="ko-KR" dirty="0" smtClean="0"/>
-              <a:t>ASGI</a:t>
-            </a:r>
-            <a:r>
-              <a:rPr lang="ko-KR" altLang="en-US" dirty="0" smtClean="0"/>
-              <a:t>는 </a:t>
-            </a:r>
-            <a:r>
-              <a:rPr lang="en-US" altLang="ko-KR" dirty="0" smtClean="0"/>
-              <a:t>Django</a:t>
-            </a:r>
-            <a:r>
-              <a:rPr lang="ko-KR" altLang="en-US" dirty="0"/>
-              <a:t> </a:t>
-            </a:r>
-            <a:r>
-              <a:rPr lang="en-US" altLang="ko-KR" dirty="0" smtClean="0"/>
-              <a:t>channels</a:t>
-            </a:r>
-            <a:r>
-              <a:rPr lang="ko-KR" altLang="en-US" dirty="0" smtClean="0"/>
-              <a:t>에 대한 처리를 위한 인터페이스</a:t>
-            </a:r>
-            <a:r>
-              <a:rPr lang="en-US" altLang="ko-KR" dirty="0" smtClean="0"/>
-              <a:t>.</a:t>
-            </a:r>
-          </a:p>
-          <a:p>
-            <a:r>
-              <a:rPr lang="en-US" altLang="ko-KR" dirty="0" smtClean="0"/>
-              <a:t>WSGI</a:t>
-            </a:r>
-            <a:r>
-              <a:rPr lang="ko-KR" altLang="en-US" dirty="0" smtClean="0"/>
-              <a:t>를 대체하면서</a:t>
-            </a:r>
-            <a:r>
-              <a:rPr lang="en-US" altLang="ko-KR" dirty="0" smtClean="0"/>
-              <a:t>, </a:t>
-            </a:r>
-            <a:r>
-              <a:rPr lang="ko-KR" altLang="en-US" dirty="0" smtClean="0"/>
-              <a:t>보다 많은 프로토콜을 지원하여</a:t>
-            </a:r>
-            <a:endParaRPr lang="en-US" altLang="ko-KR" dirty="0" smtClean="0"/>
-          </a:p>
-          <a:p>
-            <a:r>
-              <a:rPr lang="ko-KR" altLang="en-US" dirty="0" smtClean="0"/>
-              <a:t>웹 소켓 통신을 사용할 수 있도록 해준다</a:t>
-            </a:r>
-            <a:r>
               <a:rPr lang="en-US" altLang="ko-KR" dirty="0"/>
-              <a:t>.</a:t>
-            </a:r>
-            <a:endParaRPr lang="ko-KR" altLang="en-US" dirty="0"/>
+              <a:t>Django </a:t>
+            </a:r>
+            <a:r>
+              <a:rPr lang="en-US" altLang="ko-KR" dirty="0">
+                <a:latin typeface="Calibri"/>
+                <a:ea typeface="맑은 고딕"/>
+                <a:cs typeface="Calibri"/>
+              </a:rPr>
+              <a:t>User Create Notification</a:t>
+            </a:r>
+            <a:endParaRPr lang="ko-KR" altLang="en-US" dirty="0">
+              <a:latin typeface="맑은 고딕"/>
+              <a:ea typeface="맑은 고딕"/>
+            </a:endParaRPr>
           </a:p>
         </p:txBody>
       </p:sp>
@@ -8044,8 +8499,8 @@
         </p:nvSpPr>
         <p:spPr>
           <a:xfrm>
-            <a:off x="507999" y="4455886"/>
-            <a:ext cx="5355772" cy="1846659"/>
+            <a:off x="7402285" y="2340371"/>
+            <a:ext cx="4542971" cy="1200329"/>
           </a:xfrm>
           <a:prstGeom prst="rect">
             <a:avLst/>
@@ -8053,90 +8508,198 @@
           <a:noFill/>
         </p:spPr>
         <p:txBody>
-          <a:bodyPr wrap="square" rtlCol="0">
+          <a:bodyPr wrap="square" rtlCol="0" anchor="t">
             <a:spAutoFit/>
           </a:bodyPr>
           <a:lstStyle/>
           <a:p>
             <a:r>
-              <a:rPr lang="en-US" altLang="ko-KR" sz="2400" b="1" dirty="0" smtClean="0"/>
-              <a:t>Daphne</a:t>
-            </a:r>
-          </a:p>
-          <a:p>
-            <a:r>
-              <a:rPr lang="en-US" altLang="ko-KR" dirty="0" smtClean="0"/>
-              <a:t>Django Channels</a:t>
-            </a:r>
-            <a:r>
-              <a:rPr lang="ko-KR" altLang="en-US" dirty="0" smtClean="0"/>
-              <a:t>를 지원하기 위해 개발된 </a:t>
-            </a:r>
-            <a:r>
-              <a:rPr lang="en-US" altLang="ko-KR" dirty="0" smtClean="0"/>
-              <a:t>HTTP,HTTP2</a:t>
-            </a:r>
-          </a:p>
-          <a:p>
-            <a:r>
-              <a:rPr lang="en-US" altLang="ko-KR" dirty="0" smtClean="0"/>
-              <a:t>,</a:t>
-            </a:r>
-            <a:r>
-              <a:rPr lang="en-US" altLang="ko-KR" dirty="0" err="1" smtClean="0"/>
-              <a:t>WebSocket</a:t>
-            </a:r>
-            <a:r>
-              <a:rPr lang="en-US" altLang="ko-KR" dirty="0" smtClean="0"/>
-              <a:t>(WS) </a:t>
-            </a:r>
-            <a:r>
-              <a:rPr lang="ko-KR" altLang="en-US" dirty="0" smtClean="0"/>
-              <a:t>프로토콜 서버로서</a:t>
-            </a:r>
-            <a:r>
-              <a:rPr lang="en-US" altLang="ko-KR" dirty="0" smtClean="0"/>
-              <a:t>, HTTP</a:t>
-            </a:r>
-            <a:r>
-              <a:rPr lang="ko-KR" altLang="en-US" dirty="0" smtClean="0"/>
-              <a:t>와 </a:t>
-            </a:r>
-            <a:r>
-              <a:rPr lang="en-US" altLang="ko-KR" dirty="0" smtClean="0"/>
-              <a:t>WS</a:t>
-            </a:r>
-          </a:p>
-          <a:p>
-            <a:r>
-              <a:rPr lang="ko-KR" altLang="en-US" dirty="0" smtClean="0"/>
-              <a:t>요청을 받아들여서 자동으로 어떤 프로토콜로 처리</a:t>
-            </a:r>
-            <a:endParaRPr lang="en-US" altLang="ko-KR" dirty="0" smtClean="0"/>
-          </a:p>
-          <a:p>
-            <a:r>
-              <a:rPr lang="ko-KR" altLang="en-US" dirty="0" smtClean="0"/>
-              <a:t>해야 할지 스스로 결정함</a:t>
-            </a:r>
-            <a:endParaRPr lang="en-US" altLang="ko-KR" dirty="0" smtClean="0"/>
-          </a:p>
-          <a:p>
-            <a:r>
-              <a:rPr lang="ko-KR" altLang="en-US" dirty="0" smtClean="0"/>
-              <a:t>또한</a:t>
-            </a:r>
-            <a:r>
-              <a:rPr lang="en-US" altLang="ko-KR" dirty="0" smtClean="0"/>
-              <a:t>, Django channels </a:t>
-            </a:r>
-            <a:r>
-              <a:rPr lang="ko-KR" altLang="en-US" dirty="0" smtClean="0"/>
-              <a:t>설치 시 자동으로 설치</a:t>
-            </a:r>
-            <a:r>
-              <a:rPr lang="en-US" altLang="ko-KR" dirty="0" smtClean="0"/>
-              <a:t>.</a:t>
+              <a:rPr lang="ko-KR" altLang="en-US" dirty="0"/>
+              <a:t>새로 고침을 하지 않고도</a:t>
+            </a:r>
+            <a:r>
+              <a:rPr lang="en-US" altLang="ko-KR" dirty="0"/>
+              <a:t>,  </a:t>
+            </a:r>
+            <a:r>
+              <a:rPr lang="en-US" altLang="ko-KR" dirty="0" err="1">
+                <a:latin typeface="Calibri"/>
+                <a:ea typeface="맑은 고딕"/>
+                <a:cs typeface="Calibri"/>
+              </a:rPr>
+              <a:t>유저가</a:t>
+            </a:r>
+            <a:r>
+              <a:rPr lang="en-US" altLang="ko-KR" dirty="0">
+                <a:latin typeface="맑은 고딕"/>
+                <a:ea typeface="맑은 고딕"/>
+                <a:cs typeface="Calibri"/>
+              </a:rPr>
+              <a:t> </a:t>
+            </a:r>
+            <a:r>
+              <a:rPr lang="en-US" altLang="ko-KR" dirty="0" err="1">
+                <a:latin typeface="Calibri"/>
+                <a:ea typeface="맑은 고딕"/>
+                <a:cs typeface="Calibri"/>
+              </a:rPr>
+              <a:t>새로</a:t>
+            </a:r>
+            <a:r>
+              <a:rPr lang="en-US" altLang="ko-KR" dirty="0">
+                <a:latin typeface="맑은 고딕"/>
+                <a:ea typeface="맑은 고딕"/>
+                <a:cs typeface="Calibri"/>
+              </a:rPr>
+              <a:t> </a:t>
+            </a:r>
+            <a:endParaRPr lang="ko-KR" altLang="en-US">
+              <a:latin typeface="Calibri"/>
+              <a:ea typeface="맑은 고딕"/>
+              <a:cs typeface="Calibri"/>
+            </a:endParaRPr>
+          </a:p>
+          <a:p>
+            <a:r>
+              <a:rPr lang="en-US" altLang="ko-KR" dirty="0" err="1">
+                <a:latin typeface="Calibri"/>
+                <a:ea typeface="맑은 고딕"/>
+                <a:cs typeface="Calibri"/>
+              </a:rPr>
+              <a:t>생성</a:t>
+            </a:r>
+            <a:r>
+              <a:rPr lang="en-US" altLang="ko-KR" dirty="0">
+                <a:latin typeface="Calibri"/>
+                <a:ea typeface="맑은 고딕"/>
+                <a:cs typeface="Calibri"/>
+              </a:rPr>
+              <a:t> </a:t>
+            </a:r>
+            <a:r>
+              <a:rPr lang="en-US" altLang="ko-KR" dirty="0" err="1">
+                <a:latin typeface="Calibri"/>
+                <a:ea typeface="맑은 고딕"/>
+                <a:cs typeface="Calibri"/>
+              </a:rPr>
+              <a:t>되었다는</a:t>
+            </a:r>
+            <a:r>
+              <a:rPr lang="en-US" altLang="ko-KR" dirty="0">
+                <a:latin typeface="맑은 고딕"/>
+                <a:ea typeface="맑은 고딕"/>
+                <a:cs typeface="Calibri"/>
+              </a:rPr>
+              <a:t> </a:t>
+            </a:r>
+            <a:r>
+              <a:rPr lang="en-US" altLang="ko-KR" dirty="0" err="1">
+                <a:latin typeface="맑은 고딕"/>
+                <a:ea typeface="맑은 고딕"/>
+                <a:cs typeface="Calibri"/>
+              </a:rPr>
+              <a:t>소식이</a:t>
+            </a:r>
+            <a:r>
+              <a:rPr lang="en-US" altLang="ko-KR" dirty="0">
+                <a:latin typeface="맑은 고딕"/>
+                <a:ea typeface="맑은 고딕"/>
+                <a:cs typeface="Calibri"/>
+              </a:rPr>
+              <a:t> </a:t>
+            </a:r>
+            <a:r>
+              <a:rPr lang="en-US" altLang="ko-KR" dirty="0" err="1">
+                <a:latin typeface="맑은 고딕"/>
+                <a:ea typeface="맑은 고딕"/>
+                <a:cs typeface="Calibri"/>
+              </a:rPr>
+              <a:t>업데이트가</a:t>
+            </a:r>
+            <a:r>
+              <a:rPr lang="en-US" altLang="ko-KR" dirty="0">
+                <a:latin typeface="맑은 고딕"/>
+                <a:ea typeface="맑은 고딕"/>
+                <a:cs typeface="Calibri"/>
+              </a:rPr>
+              <a:t> 된 </a:t>
+            </a:r>
+            <a:r>
+              <a:rPr lang="en-US" altLang="ko-KR" dirty="0" err="1">
+                <a:latin typeface="맑은 고딕"/>
+                <a:ea typeface="맑은 고딕"/>
+                <a:cs typeface="Calibri"/>
+              </a:rPr>
+              <a:t>것을</a:t>
+            </a:r>
+            <a:r>
+              <a:rPr lang="en-US" altLang="ko-KR" dirty="0">
+                <a:latin typeface="맑은 고딕"/>
+                <a:ea typeface="맑은 고딕"/>
+                <a:cs typeface="Calibri"/>
+              </a:rPr>
+              <a:t> </a:t>
+            </a:r>
+            <a:r>
+              <a:rPr lang="en-US" altLang="ko-KR" dirty="0" err="1">
+                <a:latin typeface="맑은 고딕"/>
+                <a:ea typeface="맑은 고딕"/>
+                <a:cs typeface="Calibri"/>
+              </a:rPr>
+              <a:t>확인할</a:t>
+            </a:r>
+            <a:r>
+              <a:rPr lang="en-US" altLang="ko-KR" dirty="0">
+                <a:latin typeface="맑은 고딕"/>
+                <a:ea typeface="맑은 고딕"/>
+                <a:cs typeface="Calibri"/>
+              </a:rPr>
+              <a:t> 수 </a:t>
+            </a:r>
+            <a:r>
+              <a:rPr lang="en-US" altLang="ko-KR" dirty="0" err="1">
+                <a:latin typeface="맑은 고딕"/>
+                <a:ea typeface="맑은 고딕"/>
+                <a:cs typeface="Calibri"/>
+              </a:rPr>
+              <a:t>있음</a:t>
+            </a:r>
+            <a:endParaRPr lang="en-US">
+              <a:cs typeface="Calibri"/>
+            </a:endParaRPr>
+          </a:p>
+          <a:p>
+            <a:endParaRPr lang="ko-KR" altLang="en-US" dirty="0"/>
+          </a:p>
+        </p:txBody>
+      </p:sp>
+      <p:sp>
+        <p:nvSpPr>
+          <p:cNvPr id="5" name="TextBox 4"/>
+          <p:cNvSpPr txBox="1"/>
+          <p:nvPr/>
+        </p:nvSpPr>
+        <p:spPr>
+          <a:xfrm>
+            <a:off x="7678057" y="4252686"/>
+            <a:ext cx="3976914" cy="400110"/>
+          </a:xfrm>
+          <a:prstGeom prst="rect">
+            <a:avLst/>
+          </a:prstGeom>
+          <a:noFill/>
+        </p:spPr>
+        <p:txBody>
+          <a:bodyPr wrap="square" rtlCol="0" anchor="t">
+            <a:spAutoFit/>
+          </a:bodyPr>
+          <a:lstStyle/>
+          <a:p>
+            <a:r>
+              <a:rPr lang="en-US" sz="2000" dirty="0">
+                <a:cs typeface="Calibri"/>
+              </a:rPr>
+              <a:t>https://youtu.be/5-cezlHchFo</a:t>
             </a:r>
             <a:endParaRPr lang="ko-KR" altLang="en-US" dirty="0"/>
           </a:p>
@@ -8144,49 +8707,126 @@
       </p:sp>
       <p:pic>
         <p:nvPicPr>
-          <p:cNvPr id="8194" name="Picture 2" descr="C:\Users\305\Desktop\김준영\Django_배포.png"/>
+          <p:cNvPr id="6" name="그림 7" descr="스크린샷이(가) 표시된 사진&#10;&#10;매우 높은 신뢰도로 생성된 설명">
+            <a:extLst>
+              <a:ext uri="{FF2B5EF4-FFF2-40B4-BE49-F238E27FC236}">
+                <a16:creationId xmlns:a16="http://schemas.microsoft.com/office/drawing/2014/main" id="{311FC850-46FD-48D7-AA39-F5AEB87D106D}"/>
+              </a:ext>
+            </a:extLst>
+          </p:cNvPr>
           <p:cNvPicPr>
-            <a:picLocks noChangeAspect="1" noChangeArrowheads="1"/>
+            <a:picLocks noChangeAspect="1"/>
           </p:cNvPicPr>
           <p:nvPr/>
         </p:nvPicPr>
         <p:blipFill>
-          <a:blip r:embed="rId2">
-            <a:extLst>
-              <a:ext uri="{28A0092B-C50C-407E-A947-70E740481C1C}">
-                <a14:useLocalDpi xmlns:a14="http://schemas.microsoft.com/office/drawing/2010/main" val="0"/>
-              </a:ext>
-            </a:extLst>
-          </a:blip>
-          <a:srcRect/>
+          <a:blip r:embed="rId2"/>
           <a:stretch>
             <a:fillRect/>
           </a:stretch>
         </p:blipFill>
-        <p:spPr bwMode="auto">
-          <a:xfrm>
-            <a:off x="6417991" y="2917099"/>
-            <a:ext cx="5347834" cy="1538787"/>
+        <p:spPr>
+          <a:xfrm>
+            <a:off x="573207" y="1765688"/>
+            <a:ext cx="6314363" cy="2177938"/>
           </a:xfrm>
           <a:prstGeom prst="rect">
             <a:avLst/>
           </a:prstGeom>
-          <a:noFill/>
-          <a:extLst>
-            <a:ext uri="{909E8E84-426E-40DD-AFC4-6F175D3DCCD1}">
-              <a14:hiddenFill xmlns:a14="http://schemas.microsoft.com/office/drawing/2010/main">
-                <a:solidFill>
-                  <a:srgbClr val="FFFFFF"/>
-                </a:solidFill>
-              </a14:hiddenFill>
-            </a:ext>
-          </a:extLst>
         </p:spPr>
       </p:pic>
+      <p:pic>
+        <p:nvPicPr>
+          <p:cNvPr id="10" name="그림 12" descr="스크린샷이(가) 표시된 사진&#10;&#10;매우 높은 신뢰도로 생성된 설명">
+            <a:extLst>
+              <a:ext uri="{FF2B5EF4-FFF2-40B4-BE49-F238E27FC236}">
+                <a16:creationId xmlns:a16="http://schemas.microsoft.com/office/drawing/2014/main" id="{098B55A8-B67D-4108-B86A-39BD54291D3F}"/>
+              </a:ext>
+            </a:extLst>
+          </p:cNvPr>
+          <p:cNvPicPr>
+            <a:picLocks noChangeAspect="1"/>
+          </p:cNvPicPr>
+          <p:nvPr/>
+        </p:nvPicPr>
+        <p:blipFill>
+          <a:blip r:embed="rId3"/>
+          <a:stretch>
+            <a:fillRect/>
+          </a:stretch>
+        </p:blipFill>
+        <p:spPr>
+          <a:xfrm>
+            <a:off x="573206" y="4335800"/>
+            <a:ext cx="6382602" cy="2189742"/>
+          </a:xfrm>
+          <a:prstGeom prst="rect">
+            <a:avLst/>
+          </a:prstGeom>
+        </p:spPr>
+      </p:pic>
+      <p:sp>
+        <p:nvSpPr>
+          <p:cNvPr id="14" name="TextBox 13">
+            <a:extLst>
+              <a:ext uri="{FF2B5EF4-FFF2-40B4-BE49-F238E27FC236}">
+                <a16:creationId xmlns:a16="http://schemas.microsoft.com/office/drawing/2014/main" id="{8FA46A87-9B2A-4565-B870-ECBAB3C306CB}"/>
+              </a:ext>
+            </a:extLst>
+          </p:cNvPr>
+          <p:cNvSpPr txBox="1"/>
+          <p:nvPr/>
+        </p:nvSpPr>
+        <p:spPr>
+          <a:xfrm>
+            <a:off x="7954369" y="5196385"/>
+            <a:ext cx="3482453" cy="923330"/>
+          </a:xfrm>
+          <a:prstGeom prst="rect">
+            <a:avLst/>
+          </a:prstGeom>
+        </p:spPr>
+        <p:txBody>
+          <a:bodyPr rot="0" spcFirstLastPara="0" vertOverflow="overflow" horzOverflow="overflow" vert="horz" wrap="square" lIns="91440" tIns="45720" rIns="91440" bIns="45720" numCol="1" spcCol="0" rtlCol="0" fromWordArt="0" anchor="t" anchorCtr="0" forceAA="0" compatLnSpc="1">
+            <a:prstTxWarp prst="textNoShape">
+              <a:avLst/>
+            </a:prstTxWarp>
+            <a:spAutoFit/>
+          </a:bodyPr>
+          <a:lstStyle/>
+          <a:p>
+            <a:pPr algn="ctr"/>
+            <a:r>
+              <a:rPr lang="ko-KR" altLang="en-US" dirty="0" err="1"/>
+              <a:t>소스출처</a:t>
+            </a:r>
+            <a:endParaRPr lang="ko-KR" altLang="en-US" dirty="0" err="1">
+              <a:latin typeface="Calibri"/>
+              <a:ea typeface="맑은 고딕"/>
+              <a:cs typeface="Calibri"/>
+            </a:endParaRPr>
+          </a:p>
+          <a:p>
+            <a:pPr algn="ctr"/>
+            <a:r>
+              <a:rPr lang="ko-KR" dirty="0">
+                <a:latin typeface="Calibri"/>
+                <a:ea typeface="맑은 고딕"/>
+                <a:cs typeface="Calibri"/>
+              </a:rPr>
+              <a:t>https://github.com/arocks/channels-example.git</a:t>
+            </a:r>
+            <a:endParaRPr lang="ko-KR" altLang="en-US">
+              <a:latin typeface="맑은 고딕"/>
+              <a:ea typeface="맑은 고딕"/>
+            </a:endParaRPr>
+          </a:p>
+        </p:txBody>
+      </p:sp>
     </p:spTree>
     <p:extLst>
       <p:ext uri="{BB962C8B-B14F-4D97-AF65-F5344CB8AC3E}">
-        <p14:creationId xmlns:p14="http://schemas.microsoft.com/office/powerpoint/2010/main" val="2006092675"/>
+        <p14:creationId xmlns:p14="http://schemas.microsoft.com/office/powerpoint/2010/main" val="2559055525"/>
       </p:ext>
     </p:extLst>
   </p:cSld>
@@ -8208,9 +8848,194 @@
   <p:timing>
     <p:tnLst>
       <p:par>
-        <p:cTn id="1" dur="indefinite" restart="never" nodeType="tmRoot"/>
+        <p:cTn id="1" dur="indefinite" restart="never" nodeType="tmRoot">
+          <p:childTnLst>
+            <p:seq concurrent="1" nextAc="seek">
+              <p:cTn id="2" dur="indefinite" nodeType="mainSeq">
+                <p:childTnLst>
+                  <p:par>
+                    <p:cTn id="3" fill="hold">
+                      <p:stCondLst>
+                        <p:cond delay="indefinite"/>
+                      </p:stCondLst>
+                      <p:childTnLst>
+                        <p:par>
+                          <p:cTn id="4" fill="hold">
+                            <p:stCondLst>
+                              <p:cond delay="0"/>
+                            </p:stCondLst>
+                            <p:childTnLst>
+                              <p:par>
+                                <p:cTn id="5" presetID="10" presetClass="entr" presetSubtype="0" fill="hold" nodeType="clickEffect">
+                                  <p:stCondLst>
+                                    <p:cond delay="0"/>
+                                  </p:stCondLst>
+                                  <p:childTnLst>
+                                    <p:set>
+                                      <p:cBhvr>
+                                        <p:cTn id="6" dur="1" fill="hold">
+                                          <p:stCondLst>
+                                            <p:cond delay="0"/>
+                                          </p:stCondLst>
+                                        </p:cTn>
+                                        <p:tgtEl>
+                                          <p:spTgt spid="6"/>
+                                        </p:tgtEl>
+                                        <p:attrNameLst>
+                                          <p:attrName>style.visibility</p:attrName>
+                                        </p:attrNameLst>
+                                      </p:cBhvr>
+                                      <p:to>
+                                        <p:strVal val="visible"/>
+                                      </p:to>
+                                    </p:set>
+                                    <p:animEffect transition="in" filter="fade">
+                                      <p:cBhvr>
+                                        <p:cTn id="7" dur="500"/>
+                                        <p:tgtEl>
+                                          <p:spTgt spid="6"/>
+                                        </p:tgtEl>
+                                      </p:cBhvr>
+                                    </p:animEffect>
+                                  </p:childTnLst>
+                                </p:cTn>
+                              </p:par>
+                            </p:childTnLst>
+                          </p:cTn>
+                        </p:par>
+                      </p:childTnLst>
+                    </p:cTn>
+                  </p:par>
+                  <p:par>
+                    <p:cTn id="8" fill="hold">
+                      <p:stCondLst>
+                        <p:cond delay="indefinite"/>
+                      </p:stCondLst>
+                      <p:childTnLst>
+                        <p:par>
+                          <p:cTn id="9" fill="hold">
+                            <p:stCondLst>
+                              <p:cond delay="0"/>
+                            </p:stCondLst>
+                            <p:childTnLst>
+                              <p:par>
+                                <p:cTn id="10" presetID="10" presetClass="entr" presetSubtype="0" fill="hold" nodeType="clickEffect">
+                                  <p:stCondLst>
+                                    <p:cond delay="0"/>
+                                  </p:stCondLst>
+                                  <p:childTnLst>
+                                    <p:set>
+                                      <p:cBhvr>
+                                        <p:cTn id="11" dur="1" fill="hold">
+                                          <p:stCondLst>
+                                            <p:cond delay="0"/>
+                                          </p:stCondLst>
+                                        </p:cTn>
+                                        <p:tgtEl>
+                                          <p:spTgt spid="10"/>
+                                        </p:tgtEl>
+                                        <p:attrNameLst>
+                                          <p:attrName>style.visibility</p:attrName>
+                                        </p:attrNameLst>
+                                      </p:cBhvr>
+                                      <p:to>
+                                        <p:strVal val="visible"/>
+                                      </p:to>
+                                    </p:set>
+                                    <p:animEffect transition="in" filter="fade">
+                                      <p:cBhvr>
+                                        <p:cTn id="12" dur="500"/>
+                                        <p:tgtEl>
+                                          <p:spTgt spid="10"/>
+                                        </p:tgtEl>
+                                      </p:cBhvr>
+                                    </p:animEffect>
+                                  </p:childTnLst>
+                                </p:cTn>
+                              </p:par>
+                            </p:childTnLst>
+                          </p:cTn>
+                        </p:par>
+                      </p:childTnLst>
+                    </p:cTn>
+                  </p:par>
+                  <p:par>
+                    <p:cTn id="13" fill="hold">
+                      <p:stCondLst>
+                        <p:cond delay="indefinite"/>
+                      </p:stCondLst>
+                      <p:childTnLst>
+                        <p:par>
+                          <p:cTn id="14" fill="hold">
+                            <p:stCondLst>
+                              <p:cond delay="0"/>
+                            </p:stCondLst>
+                            <p:childTnLst>
+                              <p:par>
+                                <p:cTn id="15" presetID="10" presetClass="entr" presetSubtype="0" fill="hold" grpId="0" nodeType="clickEffect">
+                                  <p:stCondLst>
+                                    <p:cond delay="0"/>
+                                  </p:stCondLst>
+                                  <p:childTnLst>
+                                    <p:set>
+                                      <p:cBhvr>
+                                        <p:cTn id="16" dur="1" fill="hold">
+                                          <p:stCondLst>
+                                            <p:cond delay="0"/>
+                                          </p:stCondLst>
+                                        </p:cTn>
+                                        <p:tgtEl>
+                                          <p:spTgt spid="4"/>
+                                        </p:tgtEl>
+                                        <p:attrNameLst>
+                                          <p:attrName>style.visibility</p:attrName>
+                                        </p:attrNameLst>
+                                      </p:cBhvr>
+                                      <p:to>
+                                        <p:strVal val="visible"/>
+                                      </p:to>
+                                    </p:set>
+                                    <p:animEffect transition="in" filter="fade">
+                                      <p:cBhvr>
+                                        <p:cTn id="17" dur="500"/>
+                                        <p:tgtEl>
+                                          <p:spTgt spid="4"/>
+                                        </p:tgtEl>
+                                      </p:cBhvr>
+                                    </p:animEffect>
+                                  </p:childTnLst>
+                                </p:cTn>
+                              </p:par>
+                            </p:childTnLst>
+                          </p:cTn>
+                        </p:par>
+                      </p:childTnLst>
+                    </p:cTn>
+                  </p:par>
+                </p:childTnLst>
+              </p:cTn>
+              <p:prevCondLst>
+                <p:cond evt="onPrev" delay="0">
+                  <p:tgtEl>
+                    <p:sldTgt/>
+                  </p:tgtEl>
+                </p:cond>
+              </p:prevCondLst>
+              <p:nextCondLst>
+                <p:cond evt="onNext" delay="0">
+                  <p:tgtEl>
+                    <p:sldTgt/>
+                  </p:tgtEl>
+                </p:cond>
+              </p:nextCondLst>
+            </p:seq>
+          </p:childTnLst>
+        </p:cTn>
       </p:par>
     </p:tnLst>
+    <p:bldLst>
+      <p:bldP spid="4" grpId="0"/>
+    </p:bldLst>
   </p:timing>
 </p:sld>
 </file>
@@ -8470,7 +9295,7 @@
   <a:extraClrSchemeLst/>
   <a:extLst>
     <a:ext uri="{05A4C25C-085E-4340-85A3-A5531E510DB2}">
-      <thm15:themeFamily xmlns:thm15="http://schemas.microsoft.com/office/thememl/2012/main" xmlns="" name="Office Theme" id="{62F939B6-93AF-4DB8-9C6B-D6C7DFDC589F}" vid="{4A3C46E8-61CC-4603-A589-7422A47A8E4A}"/>
+      <thm15:themeFamily xmlns:thm15="http://schemas.microsoft.com/office/thememl/2012/main" name="Office Theme" id="{62F939B6-93AF-4DB8-9C6B-D6C7DFDC589F}" vid="{4A3C46E8-61CC-4603-A589-7422A47A8E4A}"/>
     </a:ext>
   </a:extLst>
 </a:theme>
@@ -8731,7 +9556,7 @@
   <a:extraClrSchemeLst/>
   <a:extLst>
     <a:ext uri="{05A4C25C-085E-4340-85A3-A5531E510DB2}">
-      <thm15:themeFamily xmlns:thm15="http://schemas.microsoft.com/office/thememl/2012/main" xmlns="" name="Office Theme" id="{62F939B6-93AF-4DB8-9C6B-D6C7DFDC589F}" vid="{4A3C46E8-61CC-4603-A589-7422A47A8E4A}"/>
+      <thm15:themeFamily xmlns:thm15="http://schemas.microsoft.com/office/thememl/2012/main" name="Office Theme" id="{62F939B6-93AF-4DB8-9C6B-D6C7DFDC589F}" vid="{4A3C46E8-61CC-4603-A589-7422A47A8E4A}"/>
     </a:ext>
   </a:extLst>
 </a:theme>
@@ -8992,7 +9817,7 @@
   <a:extraClrSchemeLst/>
   <a:extLst>
     <a:ext uri="{05A4C25C-085E-4340-85A3-A5531E510DB2}">
-      <thm15:themeFamily xmlns:thm15="http://schemas.microsoft.com/office/thememl/2012/main" xmlns="" name="Office Theme" id="{62F939B6-93AF-4DB8-9C6B-D6C7DFDC589F}" vid="{4A3C46E8-61CC-4603-A589-7422A47A8E4A}"/>
+      <thm15:themeFamily xmlns:thm15="http://schemas.microsoft.com/office/thememl/2012/main" name="Office Theme" id="{62F939B6-93AF-4DB8-9C6B-D6C7DFDC589F}" vid="{4A3C46E8-61CC-4603-A589-7422A47A8E4A}"/>
     </a:ext>
   </a:extLst>
 </a:theme>
